--- a/LCC_Capstone_Project.pptx
+++ b/LCC_Capstone_Project.pptx
@@ -17,6 +17,10 @@
     <p:sldId id="261" r:id="rId10"/>
     <p:sldId id="262" r:id="rId11"/>
     <p:sldId id="263" r:id="rId12"/>
+    <p:sldId id="264" r:id="rId13"/>
+    <p:sldId id="265" r:id="rId14"/>
+    <p:sldId id="266" r:id="rId15"/>
+    <p:sldId id="267" r:id="rId16"/>
   </p:sldIdLst>
   <p:sldSz cx="19010313" cy="10693400"/>
   <p:notesSz cx="7556500" cy="10693400"/>
@@ -300,7 +304,7 @@
             <a:pPr algn="r">
               <a:buNone/>
             </a:pPr>
-            <a:fld id="{1E64A9AA-95B5-4EC5-9809-5C00B3F65514}" type="slidenum">
+            <a:fld id="{06719CD5-2CDA-4578-9288-CFC59A39CC42}" type="slidenum">
               <a:rPr b="0" lang="en-US" sz="1400" spc="-1" strike="noStrike">
                 <a:latin typeface="Times New Roman"/>
               </a:rPr>
@@ -337,7 +341,7 @@
       </p:grpSpPr>
       <p:sp>
         <p:nvSpPr>
-          <p:cNvPr id="188" name="PlaceHolder 1"/>
+          <p:cNvPr id="242" name="PlaceHolder 1"/>
           <p:cNvSpPr>
             <a:spLocks noGrp="1"/>
           </p:cNvSpPr>
@@ -348,7 +352,7 @@
         <p:spPr>
           <a:xfrm>
             <a:off x="571680" y="1336680"/>
-            <a:ext cx="6412680" cy="3607560"/>
+            <a:ext cx="6410880" cy="3605760"/>
           </a:xfrm>
           <a:prstGeom prst="rect">
             <a:avLst/>
@@ -360,7 +364,7 @@
       </p:sp>
       <p:sp>
         <p:nvSpPr>
-          <p:cNvPr id="189" name="PlaceHolder 2"/>
+          <p:cNvPr id="243" name="PlaceHolder 2"/>
           <p:cNvSpPr>
             <a:spLocks noGrp="1"/>
           </p:cNvSpPr>
@@ -371,7 +375,7 @@
         <p:spPr>
           <a:xfrm>
             <a:off x="755640" y="5146560"/>
-            <a:ext cx="6044400" cy="4209480"/>
+            <a:ext cx="6042600" cy="4207680"/>
           </a:xfrm>
           <a:prstGeom prst="rect">
             <a:avLst/>
@@ -394,18 +398,18 @@
       </p:sp>
       <p:sp>
         <p:nvSpPr>
-          <p:cNvPr id="190" name="PlaceHolder 3"/>
-          <p:cNvSpPr>
-            <a:spLocks noGrp="1"/>
-          </p:cNvSpPr>
-          <p:nvPr>
-            <p:ph type="sldNum" idx="18"/>
+          <p:cNvPr id="244" name="PlaceHolder 3"/>
+          <p:cNvSpPr>
+            <a:spLocks noGrp="1"/>
+          </p:cNvSpPr>
+          <p:nvPr>
+            <p:ph type="sldNum" idx="22"/>
           </p:nvPr>
         </p:nvSpPr>
         <p:spPr>
           <a:xfrm>
             <a:off x="4280040" y="10156680"/>
-            <a:ext cx="3274200" cy="535680"/>
+            <a:ext cx="3272400" cy="533880"/>
           </a:xfrm>
           <a:prstGeom prst="rect">
             <a:avLst/>
@@ -443,7 +447,7 @@
                 <a:tab algn="l" pos="0"/>
               </a:tabLst>
             </a:pPr>
-            <a:fld id="{0559EC44-C53B-49AA-A7D1-A3C8892C8902}" type="slidenum">
+            <a:fld id="{B14F71A1-E049-40D5-A59E-3B7BEB23BC85}" type="slidenum">
               <a:rPr b="0" lang="en-US" sz="1400" spc="-1" strike="noStrike">
                 <a:latin typeface="Times New Roman"/>
               </a:rPr>
@@ -511,7 +515,7 @@
         <p:txBody>
           <a:bodyPr/>
           <a:p>
-            <a:fld id="{0B411598-2DF2-4651-A182-ED548BAD486A}" type="slidenum">
+            <a:fld id="{05EC3866-7B6E-4401-85F7-811FC7573659}" type="slidenum">
               <a:t>&lt;#&gt;</a:t>
             </a:fld>
           </a:p>
@@ -699,7 +703,7 @@
         <p:txBody>
           <a:bodyPr/>
           <a:p>
-            <a:fld id="{F369095A-B1BE-4F53-BF99-3BBF6B26F92B}" type="slidenum">
+            <a:fld id="{7B58CBE0-1FE7-41E1-9481-D88455371810}" type="slidenum">
               <a:t>&lt;#&gt;</a:t>
             </a:fld>
           </a:p>
@@ -955,7 +959,7 @@
         <p:txBody>
           <a:bodyPr/>
           <a:p>
-            <a:fld id="{3D979E82-8347-416D-A3BC-C8FD2DE9A367}" type="slidenum">
+            <a:fld id="{8ED14726-16AF-4E6D-A262-3DB024A7649C}" type="slidenum">
               <a:t>&lt;#&gt;</a:t>
             </a:fld>
           </a:p>
@@ -1279,7 +1283,7 @@
         <p:txBody>
           <a:bodyPr/>
           <a:p>
-            <a:fld id="{2311CF67-265C-4626-AD89-5A6A065577C7}" type="slidenum">
+            <a:fld id="{5A03861B-C22E-4B82-9F85-78FB220E304F}" type="slidenum">
               <a:t>&lt;#&gt;</a:t>
             </a:fld>
           </a:p>
@@ -1362,7 +1366,7 @@
         <p:txBody>
           <a:bodyPr/>
           <a:p>
-            <a:fld id="{7E25624D-821E-49F6-8072-9664FB13F209}" type="slidenum">
+            <a:fld id="{42DF6277-555F-4F81-A4C7-5E0B40490F20}" type="slidenum">
               <a:t>&lt;#&gt;</a:t>
             </a:fld>
           </a:p>
@@ -1519,7 +1523,7 @@
         <p:txBody>
           <a:bodyPr/>
           <a:p>
-            <a:fld id="{A01167A8-826F-4B94-A9BF-7C28B7631E41}" type="slidenum">
+            <a:fld id="{FFBA56E8-D582-4562-AE37-A98E251BC4AB}" type="slidenum">
               <a:t>&lt;#&gt;</a:t>
             </a:fld>
           </a:p>
@@ -1673,7 +1677,7 @@
         <p:txBody>
           <a:bodyPr/>
           <a:p>
-            <a:fld id="{AAFEC169-45C3-4AB8-8FD5-8F0F82E844F5}" type="slidenum">
+            <a:fld id="{24599177-F158-42E1-BBEA-A5BF1E0A07FA}" type="slidenum">
               <a:t>&lt;#&gt;</a:t>
             </a:fld>
           </a:p>
@@ -1861,7 +1865,7 @@
         <p:txBody>
           <a:bodyPr/>
           <a:p>
-            <a:fld id="{63C2E073-66B2-4B62-B3A4-BD4E4CE72B66}" type="slidenum">
+            <a:fld id="{3135828D-DC10-48DF-B448-A32265B25410}" type="slidenum">
               <a:t>&lt;#&gt;</a:t>
             </a:fld>
           </a:p>
@@ -1981,7 +1985,7 @@
         <p:txBody>
           <a:bodyPr/>
           <a:p>
-            <a:fld id="{286B3983-7A19-4717-9B81-423D0F8EEFEE}" type="slidenum">
+            <a:fld id="{439701D2-7F81-4B01-AAC5-DA26883A4628}" type="slidenum">
               <a:t>&lt;#&gt;</a:t>
             </a:fld>
           </a:p>
@@ -2101,7 +2105,7 @@
         <p:txBody>
           <a:bodyPr/>
           <a:p>
-            <a:fld id="{CCA2520B-13F1-46CC-95E4-52432639A124}" type="slidenum">
+            <a:fld id="{66D8BE7D-30F6-4353-8531-FF9148743D50}" type="slidenum">
               <a:t>&lt;#&gt;</a:t>
             </a:fld>
           </a:p>
@@ -2323,7 +2327,7 @@
         <p:txBody>
           <a:bodyPr/>
           <a:p>
-            <a:fld id="{EF5ABE44-4DBE-4A1E-A545-321CA8616EC3}" type="slidenum">
+            <a:fld id="{F7F68295-A92B-4DB3-BB56-A21C696A0570}" type="slidenum">
               <a:t>&lt;#&gt;</a:t>
             </a:fld>
           </a:p>
@@ -2480,7 +2484,7 @@
         <p:txBody>
           <a:bodyPr/>
           <a:p>
-            <a:fld id="{E9357E61-E0CF-433A-997B-D11FFADE76D1}" type="slidenum">
+            <a:fld id="{3EB4636C-56C7-42AC-909E-F88CF56BD415}" type="slidenum">
               <a:t>&lt;#&gt;</a:t>
             </a:fld>
           </a:p>
@@ -2702,7 +2706,7 @@
         <p:txBody>
           <a:bodyPr/>
           <a:p>
-            <a:fld id="{FF7A827D-594A-44E8-8D05-AEE23A1551E7}" type="slidenum">
+            <a:fld id="{1F158587-632E-4D55-8039-41C351F04FBB}" type="slidenum">
               <a:t>&lt;#&gt;</a:t>
             </a:fld>
           </a:p>
@@ -2924,7 +2928,7 @@
         <p:txBody>
           <a:bodyPr/>
           <a:p>
-            <a:fld id="{E0484CE9-C103-4FA3-82BA-C7133DF698E6}" type="slidenum">
+            <a:fld id="{84D4018E-FC13-4ADB-B321-52837D40E030}" type="slidenum">
               <a:t>&lt;#&gt;</a:t>
             </a:fld>
           </a:p>
@@ -3112,7 +3116,7 @@
         <p:txBody>
           <a:bodyPr/>
           <a:p>
-            <a:fld id="{ACB3AAA1-5BB0-4762-B9FC-58E91FE02580}" type="slidenum">
+            <a:fld id="{CD13BEB6-46F5-40F5-B710-702C8E00551A}" type="slidenum">
               <a:t>&lt;#&gt;</a:t>
             </a:fld>
           </a:p>
@@ -3368,7 +3372,7 @@
         <p:txBody>
           <a:bodyPr/>
           <a:p>
-            <a:fld id="{B1F0596F-1F54-4A3A-B92C-9E5D8BE1AAA3}" type="slidenum">
+            <a:fld id="{61BD50E1-9631-4B77-8E70-70139ED32E1B}" type="slidenum">
               <a:t>&lt;#&gt;</a:t>
             </a:fld>
           </a:p>
@@ -3692,7 +3696,7 @@
         <p:txBody>
           <a:bodyPr/>
           <a:p>
-            <a:fld id="{7F0C6E85-36E5-421D-B2F9-7A39E06B0811}" type="slidenum">
+            <a:fld id="{A4194A79-B547-491A-AB9A-6C9ABB4082FB}" type="slidenum">
               <a:t>&lt;#&gt;</a:t>
             </a:fld>
           </a:p>
@@ -3846,7 +3850,7 @@
         <p:txBody>
           <a:bodyPr/>
           <a:p>
-            <a:fld id="{1FE2E701-3354-44BB-A120-52D29BD9C055}" type="slidenum">
+            <a:fld id="{FF0ACEF0-BF68-43E6-B369-B56473A740F6}" type="slidenum">
               <a:t>&lt;#&gt;</a:t>
             </a:fld>
           </a:p>
@@ -4034,7 +4038,7 @@
         <p:txBody>
           <a:bodyPr/>
           <a:p>
-            <a:fld id="{F9664AE2-4E3B-4154-BC97-9221E0CF0384}" type="slidenum">
+            <a:fld id="{C43646FE-168B-4AE7-8AF7-8A99E527C882}" type="slidenum">
               <a:t>&lt;#&gt;</a:t>
             </a:fld>
           </a:p>
@@ -4154,7 +4158,7 @@
         <p:txBody>
           <a:bodyPr/>
           <a:p>
-            <a:fld id="{CCE7CBA9-4B2A-4470-B152-5D8DEE5689C5}" type="slidenum">
+            <a:fld id="{AFCB9421-4723-46FD-AAA7-21257168D129}" type="slidenum">
               <a:t>&lt;#&gt;</a:t>
             </a:fld>
           </a:p>
@@ -4274,7 +4278,7 @@
         <p:txBody>
           <a:bodyPr/>
           <a:p>
-            <a:fld id="{FC077383-F39E-4812-A5A1-32BC1720BBF0}" type="slidenum">
+            <a:fld id="{95C8E38B-D74A-4172-9530-6FDFDC79B1A1}" type="slidenum">
               <a:t>&lt;#&gt;</a:t>
             </a:fld>
           </a:p>
@@ -4496,7 +4500,7 @@
         <p:txBody>
           <a:bodyPr/>
           <a:p>
-            <a:fld id="{F6AD5E57-86F9-49F7-A05E-D6C4672DC29F}" type="slidenum">
+            <a:fld id="{5602046B-086A-4EC3-B1E6-9A37F852D512}" type="slidenum">
               <a:t>&lt;#&gt;</a:t>
             </a:fld>
           </a:p>
@@ -4718,7 +4722,7 @@
         <p:txBody>
           <a:bodyPr/>
           <a:p>
-            <a:fld id="{919D7BCF-7F65-4EC1-ACB3-5D1215B23E29}" type="slidenum">
+            <a:fld id="{C99DF780-A349-4703-812E-E04D49A96252}" type="slidenum">
               <a:t>&lt;#&gt;</a:t>
             </a:fld>
           </a:p>
@@ -4940,7 +4944,7 @@
         <p:txBody>
           <a:bodyPr/>
           <a:p>
-            <a:fld id="{DCDBFE2D-7BF4-426F-A600-E2CEAF6A56BF}" type="slidenum">
+            <a:fld id="{1EA3A9AC-91AA-4DA6-98D9-FFD5A3F3C72A}" type="slidenum">
               <a:t>&lt;#&gt;</a:t>
             </a:fld>
           </a:p>
@@ -5009,7 +5013,7 @@
         <p:spPr>
           <a:xfrm>
             <a:off x="6297120" y="9911160"/>
-            <a:ext cx="6415200" cy="568440"/>
+            <a:ext cx="6413400" cy="566640"/>
           </a:xfrm>
           <a:prstGeom prst="rect">
             <a:avLst/>
@@ -5066,7 +5070,7 @@
         <p:spPr>
           <a:xfrm>
             <a:off x="13426200" y="9911160"/>
-            <a:ext cx="4276440" cy="568440"/>
+            <a:ext cx="4274640" cy="566640"/>
           </a:xfrm>
           <a:prstGeom prst="rect">
             <a:avLst/>
@@ -5108,7 +5112,7 @@
                 <a:tab algn="l" pos="0"/>
               </a:tabLst>
             </a:pPr>
-            <a:fld id="{AE5E04D3-6785-4CB0-870E-3BE989937EDD}" type="slidenum">
+            <a:fld id="{CAC23E32-9018-4084-9131-A9DF21056C38}" type="slidenum">
               <a:rPr b="0" lang="en-US" sz="1870" spc="-1" strike="noStrike">
                 <a:solidFill>
                   <a:srgbClr val="888888"/>
@@ -5137,7 +5141,7 @@
         <p:spPr>
           <a:xfrm>
             <a:off x="1306800" y="9911160"/>
-            <a:ext cx="4276440" cy="568440"/>
+            <a:ext cx="4274640" cy="566640"/>
           </a:xfrm>
           <a:prstGeom prst="rect">
             <a:avLst/>
@@ -5860,7 +5864,7 @@
         <p:spPr>
           <a:xfrm>
             <a:off x="6297120" y="9911160"/>
-            <a:ext cx="6415200" cy="568440"/>
+            <a:ext cx="6413400" cy="566640"/>
           </a:xfrm>
           <a:prstGeom prst="rect">
             <a:avLst/>
@@ -5917,7 +5921,7 @@
         <p:spPr>
           <a:xfrm>
             <a:off x="13426200" y="9911160"/>
-            <a:ext cx="4276440" cy="568440"/>
+            <a:ext cx="4274640" cy="566640"/>
           </a:xfrm>
           <a:prstGeom prst="rect">
             <a:avLst/>
@@ -5959,7 +5963,7 @@
                 <a:tab algn="l" pos="0"/>
               </a:tabLst>
             </a:pPr>
-            <a:fld id="{92FAB97A-F248-462E-9B30-5676B954B000}" type="slidenum">
+            <a:fld id="{D83061BE-F247-4CD4-992B-C95C4EB47CE1}" type="slidenum">
               <a:rPr b="0" lang="en-US" sz="1870" spc="-1" strike="noStrike">
                 <a:solidFill>
                   <a:srgbClr val="888888"/>
@@ -5988,7 +5992,7 @@
         <p:spPr>
           <a:xfrm>
             <a:off x="1306800" y="9911160"/>
-            <a:ext cx="4276440" cy="568440"/>
+            <a:ext cx="4274640" cy="566640"/>
           </a:xfrm>
           <a:prstGeom prst="rect">
             <a:avLst/>
@@ -6068,9 +6072,9 @@
         <p:grpSpPr>
           <a:xfrm>
             <a:off x="-3960" y="2070000"/>
-            <a:ext cx="15070680" cy="827280"/>
+            <a:ext cx="15068880" cy="825480"/>
             <a:chOff x="-3960" y="2070000"/>
-            <a:chExt cx="15070680" cy="827280"/>
+            <a:chExt cx="15068880" cy="825480"/>
           </a:xfrm>
         </p:grpSpPr>
         <p:sp>
@@ -6082,7 +6086,7 @@
           <p:spPr>
             <a:xfrm>
               <a:off x="-3960" y="2070000"/>
-              <a:ext cx="14615280" cy="827280"/>
+              <a:ext cx="14613480" cy="825480"/>
             </a:xfrm>
             <a:custGeom>
               <a:avLst/>
@@ -6169,7 +6173,7 @@
           <p:spPr>
             <a:xfrm>
               <a:off x="14213160" y="2070000"/>
-              <a:ext cx="853560" cy="827280"/>
+              <a:ext cx="851760" cy="825480"/>
             </a:xfrm>
             <a:custGeom>
               <a:avLst/>
@@ -6311,8 +6315,8 @@
         </p:nvSpPr>
         <p:spPr>
           <a:xfrm>
-            <a:off x="0" y="473400"/>
-            <a:ext cx="14859000" cy="1125360"/>
+            <a:off x="685800" y="944640"/>
+            <a:ext cx="15314400" cy="1125360"/>
           </a:xfrm>
           <a:prstGeom prst="rect">
             <a:avLst/>
@@ -6398,10 +6402,10 @@
         </p:nvGrpSpPr>
         <p:grpSpPr>
           <a:xfrm>
-            <a:off x="5893200" y="4453920"/>
-            <a:ext cx="4133880" cy="667080"/>
-            <a:chOff x="5893200" y="4453920"/>
-            <a:chExt cx="4133880" cy="667080"/>
+            <a:off x="7460640" y="4363920"/>
+            <a:ext cx="4132080" cy="665280"/>
+            <a:chOff x="7460640" y="4363920"/>
+            <a:chExt cx="4132080" cy="665280"/>
           </a:xfrm>
         </p:grpSpPr>
         <p:sp>
@@ -6412,8 +6416,8 @@
           </p:nvSpPr>
           <p:spPr>
             <a:xfrm>
-              <a:off x="5893200" y="4453920"/>
-              <a:ext cx="3676680" cy="667080"/>
+              <a:off x="7460640" y="4363920"/>
+              <a:ext cx="3674880" cy="665280"/>
             </a:xfrm>
             <a:custGeom>
               <a:avLst/>
@@ -6496,8 +6500,8 @@
           </p:nvSpPr>
           <p:spPr>
             <a:xfrm>
-              <a:off x="9236520" y="4453920"/>
-              <a:ext cx="790560" cy="667080"/>
+              <a:off x="10803960" y="4363920"/>
+              <a:ext cx="788760" cy="665280"/>
             </a:xfrm>
             <a:custGeom>
               <a:avLst/>
@@ -6640,7 +6644,7 @@
         <p:spPr>
           <a:xfrm>
             <a:off x="5943600" y="5677200"/>
-            <a:ext cx="7159680" cy="1551960"/>
+            <a:ext cx="7157880" cy="1978560"/>
           </a:xfrm>
           <a:prstGeom prst="rect">
             <a:avLst/>
@@ -6661,7 +6665,31 @@
             <a:spAutoFit/>
           </a:bodyPr>
           <a:p>
-            <a:pPr>
+            <a:pPr algn="ctr">
+              <a:lnSpc>
+                <a:spcPct val="100000"/>
+              </a:lnSpc>
+              <a:buNone/>
+              <a:tabLst>
+                <a:tab algn="l" pos="0"/>
+              </a:tabLst>
+            </a:pPr>
+            <a:r>
+              <a:rPr b="0" lang="en-US" sz="2800" spc="-1" strike="noStrike">
+                <a:solidFill>
+                  <a:srgbClr val="000000"/>
+                </a:solidFill>
+                <a:latin typeface="Calibri"/>
+                <a:ea typeface="Arial"/>
+              </a:rPr>
+              <a:t>Sania Arif</a:t>
+            </a:r>
+            <a:endParaRPr b="0" lang="en-US" sz="2800" spc="-1" strike="noStrike">
+              <a:latin typeface="Arial"/>
+            </a:endParaRPr>
+          </a:p>
+          <a:p>
+            <a:pPr algn="ctr">
               <a:lnSpc>
                 <a:spcPct val="100000"/>
               </a:lnSpc>
@@ -6685,7 +6713,7 @@
             </a:endParaRPr>
           </a:p>
           <a:p>
-            <a:pPr>
+            <a:pPr algn="ctr">
               <a:lnSpc>
                 <a:spcPct val="100000"/>
               </a:lnSpc>
@@ -6702,7 +6730,7 @@
                 <a:latin typeface="Calibri"/>
                 <a:ea typeface="Arial"/>
               </a:rPr>
-              <a:t>Sania Arif</a:t>
+              <a:t>Behram Khan</a:t>
             </a:r>
             <a:endParaRPr b="0" lang="en-US" sz="2800" spc="-1" strike="noStrike">
               <a:latin typeface="Arial"/>
@@ -6757,9 +6785,9 @@
         <p:grpSpPr>
           <a:xfrm>
             <a:off x="16200" y="9568440"/>
-            <a:ext cx="19009800" cy="1111320"/>
+            <a:ext cx="19008000" cy="1109520"/>
             <a:chOff x="16200" y="9568440"/>
-            <a:chExt cx="19009800" cy="1111320"/>
+            <a:chExt cx="19008000" cy="1109520"/>
           </a:xfrm>
         </p:grpSpPr>
         <p:grpSp>
@@ -6771,9 +6799,9 @@
           <p:grpSpPr>
             <a:xfrm>
               <a:off x="16200" y="9568440"/>
-              <a:ext cx="19009800" cy="1111320"/>
+              <a:ext cx="19008000" cy="1109520"/>
               <a:chOff x="16200" y="9568440"/>
-              <a:chExt cx="19009800" cy="1111320"/>
+              <a:chExt cx="19008000" cy="1109520"/>
             </a:xfrm>
           </p:grpSpPr>
           <p:sp>
@@ -6785,7 +6813,7 @@
             <p:spPr>
               <a:xfrm>
                 <a:off x="16200" y="9568440"/>
-                <a:ext cx="15067080" cy="1111320"/>
+                <a:ext cx="15065280" cy="1109520"/>
               </a:xfrm>
               <a:custGeom>
                 <a:avLst/>
@@ -6843,7 +6871,7 @@
             <p:spPr>
               <a:xfrm>
                 <a:off x="17903520" y="9568440"/>
-                <a:ext cx="1122480" cy="1111320"/>
+                <a:ext cx="1120680" cy="1109520"/>
               </a:xfrm>
               <a:custGeom>
                 <a:avLst/>
@@ -6902,7 +6930,7 @@
           <p:spPr>
             <a:xfrm>
               <a:off x="15084000" y="9568440"/>
-              <a:ext cx="2818800" cy="1111320"/>
+              <a:ext cx="2817000" cy="1109520"/>
             </a:xfrm>
             <a:custGeom>
               <a:avLst/>
@@ -6961,7 +6989,7 @@
         <p:spPr>
           <a:xfrm>
             <a:off x="15486840" y="9929160"/>
-            <a:ext cx="2241720" cy="516240"/>
+            <a:ext cx="2239920" cy="516240"/>
           </a:xfrm>
           <a:prstGeom prst="rect">
             <a:avLst/>
@@ -7016,7 +7044,7 @@
         <p:spPr>
           <a:xfrm>
             <a:off x="5029200" y="9771480"/>
-            <a:ext cx="4572000" cy="699120"/>
+            <a:ext cx="4570200" cy="699120"/>
           </a:xfrm>
           <a:prstGeom prst="rect">
             <a:avLst/>
@@ -7053,7 +7081,7 @@
               </a:rPr>
               <a:t>Data Science and AI</a:t>
             </a:r>
-            <a:endParaRPr b="1" lang="en-US" sz="4000" spc="-1" strike="noStrike">
+            <a:endParaRPr b="0" lang="en-US" sz="4000" spc="-1" strike="noStrike">
               <a:latin typeface="Arial"/>
             </a:endParaRPr>
           </a:p>
@@ -7072,7 +7100,7 @@
         <p:spPr>
           <a:xfrm>
             <a:off x="18115920" y="9911160"/>
-            <a:ext cx="574200" cy="387720"/>
+            <a:ext cx="572400" cy="385920"/>
           </a:xfrm>
           <a:prstGeom prst="rect">
             <a:avLst/>
@@ -7114,7 +7142,7 @@
                 <a:tab algn="l" pos="0"/>
               </a:tabLst>
             </a:pPr>
-            <a:fld id="{F424DD95-11F9-4E91-8A5F-03B58C881B3C}" type="slidenum">
+            <a:fld id="{6F4E1BEA-3B83-4424-A2C1-F70744D00CE9}" type="slidenum">
               <a:rPr b="0" lang="en-US" sz="3200" spc="-1" strike="noStrike">
                 <a:solidFill>
                   <a:srgbClr val="ffffff"/>
@@ -7126,6 +7154,1983 @@
             </a:fld>
             <a:endParaRPr b="0" lang="en-US" sz="3200" spc="-1" strike="noStrike">
               <a:latin typeface="Times New Roman"/>
+            </a:endParaRPr>
+          </a:p>
+        </p:txBody>
+      </p:sp>
+    </p:spTree>
+  </p:cSld>
+  <mc:AlternateContent>
+    <mc:Choice Requires="p14">
+      <p:transition spd="slow" p14:dur="2000"/>
+    </mc:Choice>
+    <mc:Fallback>
+      <p:transition spd="slow"/>
+    </mc:Fallback>
+  </mc:AlternateContent>
+</p:sld>
+</file>
+
+<file path=ppt/slides/slide10.xml><?xml version="1.0" encoding="utf-8"?>
+<p:sld xmlns:a="http://schemas.openxmlformats.org/drawingml/2006/main" xmlns:p="http://schemas.openxmlformats.org/presentationml/2006/main" xmlns:r="http://schemas.openxmlformats.org/officeDocument/2006/relationships" xmlns:p14="http://schemas.microsoft.com/office/powerpoint/2010/main" xmlns:p15="http://schemas.microsoft.com/office/powerpoint/2012/main" xmlns:mc="http://schemas.openxmlformats.org/markup-compatibility/2006">
+  <p:cSld>
+    <p:spTree>
+      <p:nvGrpSpPr>
+        <p:cNvPr id="1" name=""/>
+        <p:cNvGrpSpPr/>
+        <p:nvPr/>
+      </p:nvGrpSpPr>
+      <p:grpSpPr>
+        <a:xfrm>
+          <a:off x="0" y="0"/>
+          <a:ext cx="0" cy="0"/>
+          <a:chOff x="0" y="0"/>
+          <a:chExt cx="0" cy="0"/>
+        </a:xfrm>
+      </p:grpSpPr>
+      <p:sp>
+        <p:nvSpPr>
+          <p:cNvPr id="214" name="PlaceHolder 1"/>
+          <p:cNvSpPr>
+            <a:spLocks noGrp="1"/>
+          </p:cNvSpPr>
+          <p:nvPr>
+            <p:ph type="sldNum" idx="19"/>
+          </p:nvPr>
+        </p:nvSpPr>
+        <p:spPr>
+          <a:xfrm>
+            <a:off x="13426200" y="9911160"/>
+            <a:ext cx="4274640" cy="566640"/>
+          </a:xfrm>
+          <a:prstGeom prst="rect">
+            <a:avLst/>
+          </a:prstGeom>
+          <a:noFill/>
+          <a:ln w="0">
+            <a:noFill/>
+          </a:ln>
+        </p:spPr>
+        <p:txBody>
+          <a:bodyPr lIns="90000" rIns="90000" tIns="45000" bIns="45000" anchor="ctr">
+            <a:noAutofit/>
+          </a:bodyPr>
+          <a:lstStyle>
+            <a:lvl1pPr algn="r">
+              <a:lnSpc>
+                <a:spcPct val="100000"/>
+              </a:lnSpc>
+              <a:buNone/>
+              <a:tabLst>
+                <a:tab algn="l" pos="0"/>
+              </a:tabLst>
+              <a:defRPr b="0" lang="en-US" sz="3200" spc="-1" strike="noStrike">
+                <a:solidFill>
+                  <a:srgbClr val="ffffff"/>
+                </a:solidFill>
+                <a:latin typeface="Calibri"/>
+                <a:ea typeface="Calibri"/>
+              </a:defRPr>
+            </a:lvl1pPr>
+          </a:lstStyle>
+          <a:p>
+            <a:pPr algn="r">
+              <a:lnSpc>
+                <a:spcPct val="100000"/>
+              </a:lnSpc>
+              <a:buNone/>
+              <a:tabLst>
+                <a:tab algn="l" pos="0"/>
+              </a:tabLst>
+            </a:pPr>
+            <a:fld id="{CD16BF59-26D4-4720-8F3B-7E5C8DB39D1A}" type="slidenum">
+              <a:rPr b="0" lang="en-US" sz="3200" spc="-1" strike="noStrike">
+                <a:solidFill>
+                  <a:srgbClr val="ffffff"/>
+                </a:solidFill>
+                <a:latin typeface="Calibri"/>
+                <a:ea typeface="Calibri"/>
+              </a:rPr>
+              <a:t>3</a:t>
+            </a:fld>
+            <a:endParaRPr b="0" lang="en-US" sz="3200" spc="-1" strike="noStrike">
+              <a:latin typeface="Times New Roman"/>
+            </a:endParaRPr>
+          </a:p>
+        </p:txBody>
+      </p:sp>
+      <p:grpSp>
+        <p:nvGrpSpPr>
+          <p:cNvPr id="215" name="Google Shape;187;p 4"/>
+          <p:cNvGrpSpPr/>
+          <p:nvPr/>
+        </p:nvGrpSpPr>
+        <p:grpSpPr>
+          <a:xfrm>
+            <a:off x="0" y="9568440"/>
+            <a:ext cx="19008000" cy="1109520"/>
+            <a:chOff x="0" y="9568440"/>
+            <a:chExt cx="19008000" cy="1109520"/>
+          </a:xfrm>
+        </p:grpSpPr>
+        <p:grpSp>
+          <p:nvGrpSpPr>
+            <p:cNvPr id="216" name="Google Shape;188;p 4"/>
+            <p:cNvGrpSpPr/>
+            <p:nvPr/>
+          </p:nvGrpSpPr>
+          <p:grpSpPr>
+            <a:xfrm>
+              <a:off x="0" y="9568440"/>
+              <a:ext cx="19008000" cy="1109520"/>
+              <a:chOff x="0" y="9568440"/>
+              <a:chExt cx="19008000" cy="1109520"/>
+            </a:xfrm>
+          </p:grpSpPr>
+          <p:sp>
+            <p:nvSpPr>
+              <p:cNvPr id="217" name="Google Shape;189;p 4"/>
+              <p:cNvSpPr/>
+              <p:nvPr/>
+            </p:nvSpPr>
+            <p:spPr>
+              <a:xfrm>
+                <a:off x="0" y="9568440"/>
+                <a:ext cx="15065280" cy="1109520"/>
+              </a:xfrm>
+              <a:custGeom>
+                <a:avLst/>
+                <a:gdLst/>
+                <a:ahLst/>
+                <a:rect l="l" t="t" r="r" b="b"/>
+                <a:pathLst>
+                  <a:path w="1892300" h="440055">
+                    <a:moveTo>
+                      <a:pt x="0" y="439737"/>
+                    </a:moveTo>
+                    <a:lnTo>
+                      <a:pt x="1892300" y="439737"/>
+                    </a:lnTo>
+                    <a:lnTo>
+                      <a:pt x="1892300" y="0"/>
+                    </a:lnTo>
+                    <a:lnTo>
+                      <a:pt x="0" y="0"/>
+                    </a:lnTo>
+                    <a:lnTo>
+                      <a:pt x="0" y="439737"/>
+                    </a:lnTo>
+                    <a:close/>
+                  </a:path>
+                </a:pathLst>
+              </a:custGeom>
+              <a:solidFill>
+                <a:srgbClr val="fff2cc"/>
+              </a:solidFill>
+              <a:ln w="0">
+                <a:noFill/>
+              </a:ln>
+              <a:effectLst>
+                <a:outerShdw algn="ctr" blurRad="44280" dir="5400000" dist="28080">
+                  <a:srgbClr val="000000">
+                    <a:alpha val="32000"/>
+                  </a:srgbClr>
+                </a:outerShdw>
+              </a:effectLst>
+            </p:spPr>
+            <p:style>
+              <a:lnRef idx="0"/>
+              <a:fillRef idx="0"/>
+              <a:effectRef idx="0"/>
+              <a:fontRef idx="minor"/>
+            </p:style>
+          </p:sp>
+          <p:sp>
+            <p:nvSpPr>
+              <p:cNvPr id="218" name="Google Shape;190;p 4"/>
+              <p:cNvSpPr/>
+              <p:nvPr/>
+            </p:nvSpPr>
+            <p:spPr>
+              <a:xfrm>
+                <a:off x="17887320" y="9568440"/>
+                <a:ext cx="1120680" cy="1109520"/>
+              </a:xfrm>
+              <a:custGeom>
+                <a:avLst/>
+                <a:gdLst/>
+                <a:ahLst/>
+                <a:rect l="l" t="t" r="r" b="b"/>
+                <a:pathLst>
+                  <a:path w="1883409" h="440055">
+                    <a:moveTo>
+                      <a:pt x="0" y="0"/>
+                    </a:moveTo>
+                    <a:lnTo>
+                      <a:pt x="0" y="439737"/>
+                    </a:lnTo>
+                    <a:lnTo>
+                      <a:pt x="1883155" y="439737"/>
+                    </a:lnTo>
+                    <a:lnTo>
+                      <a:pt x="1883155" y="0"/>
+                    </a:lnTo>
+                    <a:lnTo>
+                      <a:pt x="0" y="0"/>
+                    </a:lnTo>
+                    <a:close/>
+                  </a:path>
+                </a:pathLst>
+              </a:custGeom>
+              <a:solidFill>
+                <a:srgbClr val="ff8200"/>
+              </a:solidFill>
+              <a:ln w="0">
+                <a:noFill/>
+              </a:ln>
+              <a:effectLst>
+                <a:outerShdw algn="ctr" blurRad="44280" dir="5400000" dist="28080">
+                  <a:srgbClr val="000000">
+                    <a:alpha val="32000"/>
+                  </a:srgbClr>
+                </a:outerShdw>
+              </a:effectLst>
+            </p:spPr>
+            <p:style>
+              <a:lnRef idx="0"/>
+              <a:fillRef idx="0"/>
+              <a:effectRef idx="0"/>
+              <a:fontRef idx="minor"/>
+            </p:style>
+          </p:sp>
+        </p:grpSp>
+        <p:sp>
+          <p:nvSpPr>
+            <p:cNvPr id="219" name="Google Shape;191;p 4"/>
+            <p:cNvSpPr/>
+            <p:nvPr/>
+          </p:nvSpPr>
+          <p:spPr>
+            <a:xfrm>
+              <a:off x="15067800" y="9568440"/>
+              <a:ext cx="2817000" cy="1109520"/>
+            </a:xfrm>
+            <a:custGeom>
+              <a:avLst/>
+              <a:gdLst/>
+              <a:ahLst/>
+              <a:rect l="l" t="t" r="r" b="b"/>
+              <a:pathLst>
+                <a:path w="1883409" h="440055">
+                  <a:moveTo>
+                    <a:pt x="0" y="0"/>
+                  </a:moveTo>
+                  <a:lnTo>
+                    <a:pt x="0" y="439737"/>
+                  </a:lnTo>
+                  <a:lnTo>
+                    <a:pt x="1883155" y="439737"/>
+                  </a:lnTo>
+                  <a:lnTo>
+                    <a:pt x="1883155" y="0"/>
+                  </a:lnTo>
+                  <a:lnTo>
+                    <a:pt x="0" y="0"/>
+                  </a:lnTo>
+                  <a:close/>
+                </a:path>
+              </a:pathLst>
+            </a:custGeom>
+            <a:solidFill>
+              <a:srgbClr val="fee599"/>
+            </a:solidFill>
+            <a:ln w="0">
+              <a:noFill/>
+            </a:ln>
+            <a:effectLst>
+              <a:outerShdw algn="ctr" blurRad="44280" dir="5400000" dist="28080">
+                <a:srgbClr val="000000">
+                  <a:alpha val="32000"/>
+                </a:srgbClr>
+              </a:outerShdw>
+            </a:effectLst>
+          </p:spPr>
+          <p:style>
+            <a:lnRef idx="0"/>
+            <a:fillRef idx="0"/>
+            <a:effectRef idx="0"/>
+            <a:fontRef idx="minor"/>
+          </p:style>
+        </p:sp>
+      </p:grpSp>
+      <p:sp>
+        <p:nvSpPr>
+          <p:cNvPr id="220" name="Google Shape;193;p 4"/>
+          <p:cNvSpPr/>
+          <p:nvPr/>
+        </p:nvSpPr>
+        <p:spPr>
+          <a:xfrm>
+            <a:off x="15486840" y="9929160"/>
+            <a:ext cx="2239920" cy="516240"/>
+          </a:xfrm>
+          <a:prstGeom prst="rect">
+            <a:avLst/>
+          </a:prstGeom>
+          <a:noFill/>
+          <a:ln w="0">
+            <a:noFill/>
+          </a:ln>
+        </p:spPr>
+        <p:style>
+          <a:lnRef idx="0"/>
+          <a:fillRef idx="0"/>
+          <a:effectRef idx="0"/>
+          <a:fontRef idx="minor"/>
+        </p:style>
+        <p:txBody>
+          <a:bodyPr lIns="90000" rIns="90000" tIns="45000" bIns="45000" anchor="t">
+            <a:spAutoFit/>
+          </a:bodyPr>
+          <a:p>
+            <a:pPr>
+              <a:lnSpc>
+                <a:spcPct val="100000"/>
+              </a:lnSpc>
+              <a:buNone/>
+            </a:pPr>
+            <a:r>
+              <a:rPr b="0" lang="en-US" sz="2800" spc="-1" strike="noStrike">
+                <a:solidFill>
+                  <a:srgbClr val="000000"/>
+                </a:solidFill>
+                <a:latin typeface="Times New Roman"/>
+                <a:ea typeface="Times New Roman"/>
+              </a:rPr>
+              <a:t>Nov-2024</a:t>
+            </a:r>
+            <a:endParaRPr b="0" lang="en-US" sz="2800" spc="-1" strike="noStrike">
+              <a:latin typeface="Arial"/>
+            </a:endParaRPr>
+          </a:p>
+        </p:txBody>
+      </p:sp>
+      <p:sp>
+        <p:nvSpPr>
+          <p:cNvPr id="221" name="Google Shape;194;p 4"/>
+          <p:cNvSpPr/>
+          <p:nvPr/>
+        </p:nvSpPr>
+        <p:spPr>
+          <a:xfrm>
+            <a:off x="18115920" y="9911160"/>
+            <a:ext cx="572400" cy="385920"/>
+          </a:xfrm>
+          <a:prstGeom prst="rect">
+            <a:avLst/>
+          </a:prstGeom>
+          <a:noFill/>
+          <a:ln w="0">
+            <a:noFill/>
+          </a:ln>
+        </p:spPr>
+        <p:style>
+          <a:lnRef idx="0"/>
+          <a:fillRef idx="0"/>
+          <a:effectRef idx="0"/>
+          <a:fontRef idx="minor"/>
+        </p:style>
+        <p:txBody>
+          <a:bodyPr lIns="90000" rIns="90000" tIns="45000" bIns="45000" anchor="ctr">
+            <a:noAutofit/>
+          </a:bodyPr>
+          <a:p>
+            <a:pPr algn="r">
+              <a:lnSpc>
+                <a:spcPct val="100000"/>
+              </a:lnSpc>
+              <a:buNone/>
+              <a:tabLst>
+                <a:tab algn="l" pos="0"/>
+              </a:tabLst>
+            </a:pPr>
+            <a:fld id="{CB9F95EB-35C3-4A50-91CD-BB7B6B73AAEC}" type="slidenum">
+              <a:rPr b="0" lang="en-US" sz="3200" spc="-1" strike="noStrike">
+                <a:solidFill>
+                  <a:srgbClr val="ffffff"/>
+                </a:solidFill>
+                <a:latin typeface="Calibri"/>
+                <a:ea typeface="Calibri"/>
+              </a:rPr>
+              <a:t>&lt;number&gt;</a:t>
+            </a:fld>
+            <a:endParaRPr b="0" lang="en-US" sz="3200" spc="-1" strike="noStrike">
+              <a:latin typeface="Arial"/>
+            </a:endParaRPr>
+          </a:p>
+        </p:txBody>
+      </p:sp>
+      <p:grpSp>
+        <p:nvGrpSpPr>
+          <p:cNvPr id="222" name="Google Shape;195;p 4"/>
+          <p:cNvGrpSpPr/>
+          <p:nvPr/>
+        </p:nvGrpSpPr>
+        <p:grpSpPr>
+          <a:xfrm>
+            <a:off x="-26280" y="774720"/>
+            <a:ext cx="15068880" cy="825480"/>
+            <a:chOff x="-26280" y="774720"/>
+            <a:chExt cx="15068880" cy="825480"/>
+          </a:xfrm>
+        </p:grpSpPr>
+        <p:sp>
+          <p:nvSpPr>
+            <p:cNvPr id="223" name="Google Shape;196;p 4"/>
+            <p:cNvSpPr/>
+            <p:nvPr/>
+          </p:nvSpPr>
+          <p:spPr>
+            <a:xfrm>
+              <a:off x="-26280" y="774720"/>
+              <a:ext cx="14613480" cy="825480"/>
+            </a:xfrm>
+            <a:custGeom>
+              <a:avLst/>
+              <a:gdLst/>
+              <a:ahLst/>
+              <a:rect l="l" t="t" r="r" b="b"/>
+              <a:pathLst>
+                <a:path w="3844925" h="439420">
+                  <a:moveTo>
+                    <a:pt x="0" y="439204"/>
+                  </a:moveTo>
+                  <a:lnTo>
+                    <a:pt x="3844798" y="439204"/>
+                  </a:lnTo>
+                  <a:lnTo>
+                    <a:pt x="3844798" y="0"/>
+                  </a:lnTo>
+                  <a:lnTo>
+                    <a:pt x="0" y="0"/>
+                  </a:lnTo>
+                  <a:lnTo>
+                    <a:pt x="0" y="439204"/>
+                  </a:lnTo>
+                  <a:close/>
+                </a:path>
+              </a:pathLst>
+            </a:custGeom>
+            <a:solidFill>
+              <a:srgbClr val="0073ac"/>
+            </a:solidFill>
+            <a:ln w="0">
+              <a:noFill/>
+            </a:ln>
+            <a:effectLst>
+              <a:outerShdw algn="ctr" blurRad="44280" dir="5400000" dist="28080">
+                <a:srgbClr val="000000">
+                  <a:alpha val="32000"/>
+                </a:srgbClr>
+              </a:outerShdw>
+            </a:effectLst>
+          </p:spPr>
+          <p:style>
+            <a:lnRef idx="0"/>
+            <a:fillRef idx="0"/>
+            <a:effectRef idx="0"/>
+            <a:fontRef idx="minor"/>
+          </p:style>
+          <p:txBody>
+            <a:bodyPr lIns="0" rIns="0" tIns="0" bIns="0" anchor="t">
+              <a:noAutofit/>
+            </a:bodyPr>
+            <a:p>
+              <a:pPr marL="457200" algn="ctr">
+                <a:lnSpc>
+                  <a:spcPct val="100000"/>
+                </a:lnSpc>
+                <a:buNone/>
+                <a:tabLst>
+                  <a:tab algn="l" pos="0"/>
+                </a:tabLst>
+              </a:pPr>
+              <a:r>
+                <a:rPr b="0" lang="en-US" sz="5400" spc="-1" strike="noStrike">
+                  <a:solidFill>
+                    <a:srgbClr val="ffffff"/>
+                  </a:solidFill>
+                  <a:latin typeface="Calibri"/>
+                  <a:ea typeface="Calibri"/>
+                </a:rPr>
+                <a:t>Confusion Matrix </a:t>
+              </a:r>
+              <a:endParaRPr b="0" lang="en-US" sz="5400" spc="-1" strike="noStrike">
+                <a:latin typeface="Arial"/>
+              </a:endParaRPr>
+            </a:p>
+            <a:p>
+              <a:pPr marL="457200" algn="ctr">
+                <a:lnSpc>
+                  <a:spcPct val="100000"/>
+                </a:lnSpc>
+                <a:buNone/>
+                <a:tabLst>
+                  <a:tab algn="l" pos="0"/>
+                </a:tabLst>
+              </a:pPr>
+              <a:endParaRPr b="0" lang="en-US" sz="5400" spc="-1" strike="noStrike">
+                <a:latin typeface="Arial"/>
+              </a:endParaRPr>
+            </a:p>
+            <a:p>
+              <a:pPr marL="457200" algn="ctr">
+                <a:lnSpc>
+                  <a:spcPct val="100000"/>
+                </a:lnSpc>
+                <a:buNone/>
+                <a:tabLst>
+                  <a:tab algn="l" pos="0"/>
+                </a:tabLst>
+              </a:pPr>
+              <a:endParaRPr b="0" lang="en-US" sz="2000" spc="-1" strike="noStrike">
+                <a:latin typeface="Arial"/>
+              </a:endParaRPr>
+            </a:p>
+          </p:txBody>
+        </p:sp>
+        <p:sp>
+          <p:nvSpPr>
+            <p:cNvPr id="224" name="Google Shape;197;p 4"/>
+            <p:cNvSpPr/>
+            <p:nvPr/>
+          </p:nvSpPr>
+          <p:spPr>
+            <a:xfrm>
+              <a:off x="14190840" y="774720"/>
+              <a:ext cx="851760" cy="825480"/>
+            </a:xfrm>
+            <a:custGeom>
+              <a:avLst/>
+              <a:gdLst/>
+              <a:ahLst/>
+              <a:rect l="l" t="t" r="r" b="b"/>
+              <a:pathLst>
+                <a:path w="439420" h="439420">
+                  <a:moveTo>
+                    <a:pt x="219595" y="0"/>
+                  </a:moveTo>
+                  <a:lnTo>
+                    <a:pt x="175337" y="4461"/>
+                  </a:lnTo>
+                  <a:lnTo>
+                    <a:pt x="134116" y="17257"/>
+                  </a:lnTo>
+                  <a:lnTo>
+                    <a:pt x="96815" y="37505"/>
+                  </a:lnTo>
+                  <a:lnTo>
+                    <a:pt x="64315" y="64320"/>
+                  </a:lnTo>
+                  <a:lnTo>
+                    <a:pt x="37502" y="96820"/>
+                  </a:lnTo>
+                  <a:lnTo>
+                    <a:pt x="17256" y="134122"/>
+                  </a:lnTo>
+                  <a:lnTo>
+                    <a:pt x="4461" y="175341"/>
+                  </a:lnTo>
+                  <a:lnTo>
+                    <a:pt x="0" y="219595"/>
+                  </a:lnTo>
+                  <a:lnTo>
+                    <a:pt x="4461" y="263854"/>
+                  </a:lnTo>
+                  <a:lnTo>
+                    <a:pt x="17256" y="305076"/>
+                  </a:lnTo>
+                  <a:lnTo>
+                    <a:pt x="37502" y="342380"/>
+                  </a:lnTo>
+                  <a:lnTo>
+                    <a:pt x="64315" y="374881"/>
+                  </a:lnTo>
+                  <a:lnTo>
+                    <a:pt x="96815" y="401698"/>
+                  </a:lnTo>
+                  <a:lnTo>
+                    <a:pt x="134116" y="421945"/>
+                  </a:lnTo>
+                  <a:lnTo>
+                    <a:pt x="175337" y="434742"/>
+                  </a:lnTo>
+                  <a:lnTo>
+                    <a:pt x="219595" y="439204"/>
+                  </a:lnTo>
+                  <a:lnTo>
+                    <a:pt x="263854" y="434742"/>
+                  </a:lnTo>
+                  <a:lnTo>
+                    <a:pt x="305076" y="421945"/>
+                  </a:lnTo>
+                  <a:lnTo>
+                    <a:pt x="342380" y="401698"/>
+                  </a:lnTo>
+                  <a:lnTo>
+                    <a:pt x="374881" y="374881"/>
+                  </a:lnTo>
+                  <a:lnTo>
+                    <a:pt x="401698" y="342380"/>
+                  </a:lnTo>
+                  <a:lnTo>
+                    <a:pt x="421945" y="305076"/>
+                  </a:lnTo>
+                  <a:lnTo>
+                    <a:pt x="434742" y="263854"/>
+                  </a:lnTo>
+                  <a:lnTo>
+                    <a:pt x="439204" y="219595"/>
+                  </a:lnTo>
+                  <a:lnTo>
+                    <a:pt x="434742" y="175341"/>
+                  </a:lnTo>
+                  <a:lnTo>
+                    <a:pt x="421945" y="134122"/>
+                  </a:lnTo>
+                  <a:lnTo>
+                    <a:pt x="401698" y="96820"/>
+                  </a:lnTo>
+                  <a:lnTo>
+                    <a:pt x="374881" y="64320"/>
+                  </a:lnTo>
+                  <a:lnTo>
+                    <a:pt x="342380" y="37505"/>
+                  </a:lnTo>
+                  <a:lnTo>
+                    <a:pt x="305076" y="17257"/>
+                  </a:lnTo>
+                  <a:lnTo>
+                    <a:pt x="263854" y="4461"/>
+                  </a:lnTo>
+                  <a:lnTo>
+                    <a:pt x="219595" y="0"/>
+                  </a:lnTo>
+                  <a:close/>
+                </a:path>
+              </a:pathLst>
+            </a:custGeom>
+            <a:solidFill>
+              <a:srgbClr val="0073ac"/>
+            </a:solidFill>
+            <a:ln w="0">
+              <a:noFill/>
+            </a:ln>
+            <a:effectLst>
+              <a:outerShdw algn="ctr" blurRad="44280" dir="5400000" dist="28080">
+                <a:srgbClr val="000000">
+                  <a:alpha val="32000"/>
+                </a:srgbClr>
+              </a:outerShdw>
+            </a:effectLst>
+          </p:spPr>
+          <p:style>
+            <a:lnRef idx="0"/>
+            <a:fillRef idx="0"/>
+            <a:effectRef idx="0"/>
+            <a:fontRef idx="minor"/>
+          </p:style>
+        </p:sp>
+      </p:grpSp>
+      <p:sp>
+        <p:nvSpPr>
+          <p:cNvPr id="225" name="Google Shape;156;p 4"/>
+          <p:cNvSpPr/>
+          <p:nvPr/>
+        </p:nvSpPr>
+        <p:spPr>
+          <a:xfrm>
+            <a:off x="666000" y="9771480"/>
+            <a:ext cx="11275200" cy="577080"/>
+          </a:xfrm>
+          <a:prstGeom prst="rect">
+            <a:avLst/>
+          </a:prstGeom>
+          <a:noFill/>
+          <a:ln w="0">
+            <a:noFill/>
+          </a:ln>
+        </p:spPr>
+        <p:style>
+          <a:lnRef idx="0"/>
+          <a:fillRef idx="0"/>
+          <a:effectRef idx="0"/>
+          <a:fontRef idx="minor"/>
+        </p:style>
+        <p:txBody>
+          <a:bodyPr lIns="90000" rIns="90000" tIns="45000" bIns="45000" anchor="t">
+            <a:spAutoFit/>
+          </a:bodyPr>
+          <a:p>
+            <a:pPr marL="457200" algn="ctr">
+              <a:lnSpc>
+                <a:spcPct val="100000"/>
+              </a:lnSpc>
+              <a:buNone/>
+            </a:pPr>
+            <a:r>
+              <a:rPr b="1" lang="en-US" sz="3200" spc="-1" strike="noStrike">
+                <a:solidFill>
+                  <a:srgbClr val="0d0d0d"/>
+                </a:solidFill>
+                <a:latin typeface="Calibri"/>
+                <a:ea typeface="Arial"/>
+              </a:rPr>
+              <a:t>Land Cover Classifier</a:t>
+            </a:r>
+            <a:endParaRPr b="0" lang="en-US" sz="3200" spc="-1" strike="noStrike">
+              <a:latin typeface="Arial"/>
+            </a:endParaRPr>
+          </a:p>
+        </p:txBody>
+      </p:sp>
+      <p:pic>
+        <p:nvPicPr>
+          <p:cNvPr id="226" name="" descr=""/>
+          <p:cNvPicPr/>
+          <p:nvPr/>
+        </p:nvPicPr>
+        <p:blipFill>
+          <a:blip r:embed="rId1"/>
+          <a:stretch/>
+        </p:blipFill>
+        <p:spPr>
+          <a:xfrm>
+            <a:off x="4343400" y="1955520"/>
+            <a:ext cx="10058040" cy="7246800"/>
+          </a:xfrm>
+          <a:prstGeom prst="rect">
+            <a:avLst/>
+          </a:prstGeom>
+          <a:ln w="0">
+            <a:noFill/>
+          </a:ln>
+        </p:spPr>
+      </p:pic>
+    </p:spTree>
+  </p:cSld>
+  <mc:AlternateContent>
+    <mc:Choice Requires="p14">
+      <p:transition spd="slow" p14:dur="2000"/>
+    </mc:Choice>
+    <mc:Fallback>
+      <p:transition spd="slow"/>
+    </mc:Fallback>
+  </mc:AlternateContent>
+</p:sld>
+</file>
+
+<file path=ppt/slides/slide11.xml><?xml version="1.0" encoding="utf-8"?>
+<p:sld xmlns:a="http://schemas.openxmlformats.org/drawingml/2006/main" xmlns:p="http://schemas.openxmlformats.org/presentationml/2006/main" xmlns:r="http://schemas.openxmlformats.org/officeDocument/2006/relationships" xmlns:p14="http://schemas.microsoft.com/office/powerpoint/2010/main" xmlns:p15="http://schemas.microsoft.com/office/powerpoint/2012/main" xmlns:mc="http://schemas.openxmlformats.org/markup-compatibility/2006">
+  <p:cSld>
+    <p:spTree>
+      <p:nvGrpSpPr>
+        <p:cNvPr id="1" name=""/>
+        <p:cNvGrpSpPr/>
+        <p:nvPr/>
+      </p:nvGrpSpPr>
+      <p:grpSpPr>
+        <a:xfrm>
+          <a:off x="0" y="0"/>
+          <a:ext cx="0" cy="0"/>
+          <a:chOff x="0" y="0"/>
+          <a:chExt cx="0" cy="0"/>
+        </a:xfrm>
+      </p:grpSpPr>
+      <p:sp>
+        <p:nvSpPr>
+          <p:cNvPr id="227" name="PlaceHolder 1"/>
+          <p:cNvSpPr>
+            <a:spLocks noGrp="1"/>
+          </p:cNvSpPr>
+          <p:nvPr>
+            <p:ph type="sldNum" idx="20"/>
+          </p:nvPr>
+        </p:nvSpPr>
+        <p:spPr>
+          <a:xfrm>
+            <a:off x="13426200" y="9911160"/>
+            <a:ext cx="4274640" cy="566640"/>
+          </a:xfrm>
+          <a:prstGeom prst="rect">
+            <a:avLst/>
+          </a:prstGeom>
+          <a:noFill/>
+          <a:ln w="0">
+            <a:noFill/>
+          </a:ln>
+        </p:spPr>
+        <p:txBody>
+          <a:bodyPr lIns="90000" rIns="90000" tIns="45000" bIns="45000" anchor="ctr">
+            <a:noAutofit/>
+          </a:bodyPr>
+          <a:lstStyle>
+            <a:lvl1pPr algn="r">
+              <a:lnSpc>
+                <a:spcPct val="100000"/>
+              </a:lnSpc>
+              <a:buNone/>
+              <a:tabLst>
+                <a:tab algn="l" pos="0"/>
+              </a:tabLst>
+              <a:defRPr b="0" lang="en-US" sz="3200" spc="-1" strike="noStrike">
+                <a:solidFill>
+                  <a:srgbClr val="ffffff"/>
+                </a:solidFill>
+                <a:latin typeface="Calibri"/>
+                <a:ea typeface="Calibri"/>
+              </a:defRPr>
+            </a:lvl1pPr>
+          </a:lstStyle>
+          <a:p>
+            <a:pPr algn="r">
+              <a:lnSpc>
+                <a:spcPct val="100000"/>
+              </a:lnSpc>
+              <a:buNone/>
+              <a:tabLst>
+                <a:tab algn="l" pos="0"/>
+              </a:tabLst>
+            </a:pPr>
+            <a:fld id="{A7DB06C3-20BE-41F8-90EF-84570A94AEB3}" type="slidenum">
+              <a:rPr b="0" lang="en-US" sz="3200" spc="-1" strike="noStrike">
+                <a:solidFill>
+                  <a:srgbClr val="ffffff"/>
+                </a:solidFill>
+                <a:latin typeface="Calibri"/>
+                <a:ea typeface="Calibri"/>
+              </a:rPr>
+              <a:t>3</a:t>
+            </a:fld>
+            <a:endParaRPr b="0" lang="en-US" sz="3200" spc="-1" strike="noStrike">
+              <a:latin typeface="Times New Roman"/>
+            </a:endParaRPr>
+          </a:p>
+        </p:txBody>
+      </p:sp>
+      <p:grpSp>
+        <p:nvGrpSpPr>
+          <p:cNvPr id="228" name="Google Shape;187;p 5"/>
+          <p:cNvGrpSpPr/>
+          <p:nvPr/>
+        </p:nvGrpSpPr>
+        <p:grpSpPr>
+          <a:xfrm>
+            <a:off x="0" y="9568440"/>
+            <a:ext cx="19008000" cy="1109520"/>
+            <a:chOff x="0" y="9568440"/>
+            <a:chExt cx="19008000" cy="1109520"/>
+          </a:xfrm>
+        </p:grpSpPr>
+        <p:grpSp>
+          <p:nvGrpSpPr>
+            <p:cNvPr id="229" name="Google Shape;188;p 5"/>
+            <p:cNvGrpSpPr/>
+            <p:nvPr/>
+          </p:nvGrpSpPr>
+          <p:grpSpPr>
+            <a:xfrm>
+              <a:off x="0" y="9568440"/>
+              <a:ext cx="19008000" cy="1109520"/>
+              <a:chOff x="0" y="9568440"/>
+              <a:chExt cx="19008000" cy="1109520"/>
+            </a:xfrm>
+          </p:grpSpPr>
+          <p:sp>
+            <p:nvSpPr>
+              <p:cNvPr id="230" name="Google Shape;189;p 5"/>
+              <p:cNvSpPr/>
+              <p:nvPr/>
+            </p:nvSpPr>
+            <p:spPr>
+              <a:xfrm>
+                <a:off x="0" y="9568440"/>
+                <a:ext cx="15065280" cy="1109520"/>
+              </a:xfrm>
+              <a:custGeom>
+                <a:avLst/>
+                <a:gdLst/>
+                <a:ahLst/>
+                <a:rect l="l" t="t" r="r" b="b"/>
+                <a:pathLst>
+                  <a:path w="1892300" h="440055">
+                    <a:moveTo>
+                      <a:pt x="0" y="439737"/>
+                    </a:moveTo>
+                    <a:lnTo>
+                      <a:pt x="1892300" y="439737"/>
+                    </a:lnTo>
+                    <a:lnTo>
+                      <a:pt x="1892300" y="0"/>
+                    </a:lnTo>
+                    <a:lnTo>
+                      <a:pt x="0" y="0"/>
+                    </a:lnTo>
+                    <a:lnTo>
+                      <a:pt x="0" y="439737"/>
+                    </a:lnTo>
+                    <a:close/>
+                  </a:path>
+                </a:pathLst>
+              </a:custGeom>
+              <a:solidFill>
+                <a:srgbClr val="fff2cc"/>
+              </a:solidFill>
+              <a:ln w="0">
+                <a:noFill/>
+              </a:ln>
+              <a:effectLst>
+                <a:outerShdw algn="ctr" blurRad="44280" dir="5400000" dist="28080">
+                  <a:srgbClr val="000000">
+                    <a:alpha val="32000"/>
+                  </a:srgbClr>
+                </a:outerShdw>
+              </a:effectLst>
+            </p:spPr>
+            <p:style>
+              <a:lnRef idx="0"/>
+              <a:fillRef idx="0"/>
+              <a:effectRef idx="0"/>
+              <a:fontRef idx="minor"/>
+            </p:style>
+          </p:sp>
+          <p:sp>
+            <p:nvSpPr>
+              <p:cNvPr id="231" name="Google Shape;190;p 5"/>
+              <p:cNvSpPr/>
+              <p:nvPr/>
+            </p:nvSpPr>
+            <p:spPr>
+              <a:xfrm>
+                <a:off x="17887320" y="9568440"/>
+                <a:ext cx="1120680" cy="1109520"/>
+              </a:xfrm>
+              <a:custGeom>
+                <a:avLst/>
+                <a:gdLst/>
+                <a:ahLst/>
+                <a:rect l="l" t="t" r="r" b="b"/>
+                <a:pathLst>
+                  <a:path w="1883409" h="440055">
+                    <a:moveTo>
+                      <a:pt x="0" y="0"/>
+                    </a:moveTo>
+                    <a:lnTo>
+                      <a:pt x="0" y="439737"/>
+                    </a:lnTo>
+                    <a:lnTo>
+                      <a:pt x="1883155" y="439737"/>
+                    </a:lnTo>
+                    <a:lnTo>
+                      <a:pt x="1883155" y="0"/>
+                    </a:lnTo>
+                    <a:lnTo>
+                      <a:pt x="0" y="0"/>
+                    </a:lnTo>
+                    <a:close/>
+                  </a:path>
+                </a:pathLst>
+              </a:custGeom>
+              <a:solidFill>
+                <a:srgbClr val="ff8200"/>
+              </a:solidFill>
+              <a:ln w="0">
+                <a:noFill/>
+              </a:ln>
+              <a:effectLst>
+                <a:outerShdw algn="ctr" blurRad="44280" dir="5400000" dist="28080">
+                  <a:srgbClr val="000000">
+                    <a:alpha val="32000"/>
+                  </a:srgbClr>
+                </a:outerShdw>
+              </a:effectLst>
+            </p:spPr>
+            <p:style>
+              <a:lnRef idx="0"/>
+              <a:fillRef idx="0"/>
+              <a:effectRef idx="0"/>
+              <a:fontRef idx="minor"/>
+            </p:style>
+          </p:sp>
+        </p:grpSp>
+        <p:sp>
+          <p:nvSpPr>
+            <p:cNvPr id="232" name="Google Shape;191;p 5"/>
+            <p:cNvSpPr/>
+            <p:nvPr/>
+          </p:nvSpPr>
+          <p:spPr>
+            <a:xfrm>
+              <a:off x="15067800" y="9568440"/>
+              <a:ext cx="2817000" cy="1109520"/>
+            </a:xfrm>
+            <a:custGeom>
+              <a:avLst/>
+              <a:gdLst/>
+              <a:ahLst/>
+              <a:rect l="l" t="t" r="r" b="b"/>
+              <a:pathLst>
+                <a:path w="1883409" h="440055">
+                  <a:moveTo>
+                    <a:pt x="0" y="0"/>
+                  </a:moveTo>
+                  <a:lnTo>
+                    <a:pt x="0" y="439737"/>
+                  </a:lnTo>
+                  <a:lnTo>
+                    <a:pt x="1883155" y="439737"/>
+                  </a:lnTo>
+                  <a:lnTo>
+                    <a:pt x="1883155" y="0"/>
+                  </a:lnTo>
+                  <a:lnTo>
+                    <a:pt x="0" y="0"/>
+                  </a:lnTo>
+                  <a:close/>
+                </a:path>
+              </a:pathLst>
+            </a:custGeom>
+            <a:solidFill>
+              <a:srgbClr val="fee599"/>
+            </a:solidFill>
+            <a:ln w="0">
+              <a:noFill/>
+            </a:ln>
+            <a:effectLst>
+              <a:outerShdw algn="ctr" blurRad="44280" dir="5400000" dist="28080">
+                <a:srgbClr val="000000">
+                  <a:alpha val="32000"/>
+                </a:srgbClr>
+              </a:outerShdw>
+            </a:effectLst>
+          </p:spPr>
+          <p:style>
+            <a:lnRef idx="0"/>
+            <a:fillRef idx="0"/>
+            <a:effectRef idx="0"/>
+            <a:fontRef idx="minor"/>
+          </p:style>
+        </p:sp>
+      </p:grpSp>
+      <p:sp>
+        <p:nvSpPr>
+          <p:cNvPr id="233" name="Google Shape;193;p 5"/>
+          <p:cNvSpPr/>
+          <p:nvPr/>
+        </p:nvSpPr>
+        <p:spPr>
+          <a:xfrm>
+            <a:off x="15486840" y="9929160"/>
+            <a:ext cx="2239920" cy="516240"/>
+          </a:xfrm>
+          <a:prstGeom prst="rect">
+            <a:avLst/>
+          </a:prstGeom>
+          <a:noFill/>
+          <a:ln w="0">
+            <a:noFill/>
+          </a:ln>
+        </p:spPr>
+        <p:style>
+          <a:lnRef idx="0"/>
+          <a:fillRef idx="0"/>
+          <a:effectRef idx="0"/>
+          <a:fontRef idx="minor"/>
+        </p:style>
+        <p:txBody>
+          <a:bodyPr lIns="90000" rIns="90000" tIns="45000" bIns="45000" anchor="t">
+            <a:spAutoFit/>
+          </a:bodyPr>
+          <a:p>
+            <a:pPr>
+              <a:lnSpc>
+                <a:spcPct val="100000"/>
+              </a:lnSpc>
+              <a:buNone/>
+            </a:pPr>
+            <a:r>
+              <a:rPr b="0" lang="en-US" sz="2800" spc="-1" strike="noStrike">
+                <a:solidFill>
+                  <a:srgbClr val="000000"/>
+                </a:solidFill>
+                <a:latin typeface="Times New Roman"/>
+                <a:ea typeface="Times New Roman"/>
+              </a:rPr>
+              <a:t>Nov-2024</a:t>
+            </a:r>
+            <a:endParaRPr b="0" lang="en-US" sz="2800" spc="-1" strike="noStrike">
+              <a:latin typeface="Arial"/>
+            </a:endParaRPr>
+          </a:p>
+        </p:txBody>
+      </p:sp>
+      <p:sp>
+        <p:nvSpPr>
+          <p:cNvPr id="234" name="Google Shape;194;p 5"/>
+          <p:cNvSpPr/>
+          <p:nvPr/>
+        </p:nvSpPr>
+        <p:spPr>
+          <a:xfrm>
+            <a:off x="18115920" y="9911160"/>
+            <a:ext cx="572400" cy="385920"/>
+          </a:xfrm>
+          <a:prstGeom prst="rect">
+            <a:avLst/>
+          </a:prstGeom>
+          <a:noFill/>
+          <a:ln w="0">
+            <a:noFill/>
+          </a:ln>
+        </p:spPr>
+        <p:style>
+          <a:lnRef idx="0"/>
+          <a:fillRef idx="0"/>
+          <a:effectRef idx="0"/>
+          <a:fontRef idx="minor"/>
+        </p:style>
+        <p:txBody>
+          <a:bodyPr lIns="90000" rIns="90000" tIns="45000" bIns="45000" anchor="ctr">
+            <a:noAutofit/>
+          </a:bodyPr>
+          <a:p>
+            <a:pPr algn="r">
+              <a:lnSpc>
+                <a:spcPct val="100000"/>
+              </a:lnSpc>
+              <a:buNone/>
+              <a:tabLst>
+                <a:tab algn="l" pos="0"/>
+              </a:tabLst>
+            </a:pPr>
+            <a:fld id="{BE72807B-1E88-4F58-954E-CEC3B274A455}" type="slidenum">
+              <a:rPr b="0" lang="en-US" sz="3200" spc="-1" strike="noStrike">
+                <a:solidFill>
+                  <a:srgbClr val="ffffff"/>
+                </a:solidFill>
+                <a:latin typeface="Calibri"/>
+                <a:ea typeface="Calibri"/>
+              </a:rPr>
+              <a:t>&lt;number&gt;</a:t>
+            </a:fld>
+            <a:endParaRPr b="0" lang="en-US" sz="3200" spc="-1" strike="noStrike">
+              <a:latin typeface="Arial"/>
+            </a:endParaRPr>
+          </a:p>
+        </p:txBody>
+      </p:sp>
+      <p:grpSp>
+        <p:nvGrpSpPr>
+          <p:cNvPr id="235" name="Google Shape;195;p 5"/>
+          <p:cNvGrpSpPr/>
+          <p:nvPr/>
+        </p:nvGrpSpPr>
+        <p:grpSpPr>
+          <a:xfrm>
+            <a:off x="-26280" y="774720"/>
+            <a:ext cx="15068880" cy="825480"/>
+            <a:chOff x="-26280" y="774720"/>
+            <a:chExt cx="15068880" cy="825480"/>
+          </a:xfrm>
+        </p:grpSpPr>
+        <p:sp>
+          <p:nvSpPr>
+            <p:cNvPr id="236" name="Google Shape;196;p 5"/>
+            <p:cNvSpPr/>
+            <p:nvPr/>
+          </p:nvSpPr>
+          <p:spPr>
+            <a:xfrm>
+              <a:off x="-26280" y="774720"/>
+              <a:ext cx="14613480" cy="825480"/>
+            </a:xfrm>
+            <a:custGeom>
+              <a:avLst/>
+              <a:gdLst/>
+              <a:ahLst/>
+              <a:rect l="l" t="t" r="r" b="b"/>
+              <a:pathLst>
+                <a:path w="3844925" h="439420">
+                  <a:moveTo>
+                    <a:pt x="0" y="439204"/>
+                  </a:moveTo>
+                  <a:lnTo>
+                    <a:pt x="3844798" y="439204"/>
+                  </a:lnTo>
+                  <a:lnTo>
+                    <a:pt x="3844798" y="0"/>
+                  </a:lnTo>
+                  <a:lnTo>
+                    <a:pt x="0" y="0"/>
+                  </a:lnTo>
+                  <a:lnTo>
+                    <a:pt x="0" y="439204"/>
+                  </a:lnTo>
+                  <a:close/>
+                </a:path>
+              </a:pathLst>
+            </a:custGeom>
+            <a:solidFill>
+              <a:srgbClr val="0073ac"/>
+            </a:solidFill>
+            <a:ln w="0">
+              <a:noFill/>
+            </a:ln>
+            <a:effectLst>
+              <a:outerShdw algn="ctr" blurRad="44280" dir="5400000" dist="28080">
+                <a:srgbClr val="000000">
+                  <a:alpha val="32000"/>
+                </a:srgbClr>
+              </a:outerShdw>
+            </a:effectLst>
+          </p:spPr>
+          <p:style>
+            <a:lnRef idx="0"/>
+            <a:fillRef idx="0"/>
+            <a:effectRef idx="0"/>
+            <a:fontRef idx="minor"/>
+          </p:style>
+          <p:txBody>
+            <a:bodyPr lIns="0" rIns="0" tIns="0" bIns="0" anchor="t">
+              <a:noAutofit/>
+            </a:bodyPr>
+            <a:p>
+              <a:pPr marL="457200" algn="ctr">
+                <a:lnSpc>
+                  <a:spcPct val="100000"/>
+                </a:lnSpc>
+                <a:buNone/>
+                <a:tabLst>
+                  <a:tab algn="l" pos="0"/>
+                </a:tabLst>
+              </a:pPr>
+              <a:r>
+                <a:rPr b="0" lang="en-US" sz="5400" spc="-1" strike="noStrike">
+                  <a:solidFill>
+                    <a:srgbClr val="ffffff"/>
+                  </a:solidFill>
+                  <a:latin typeface="Calibri"/>
+                  <a:ea typeface="Calibri"/>
+                </a:rPr>
+                <a:t>Conclusion and Further Steps </a:t>
+              </a:r>
+              <a:endParaRPr b="0" lang="en-US" sz="5400" spc="-1" strike="noStrike">
+                <a:latin typeface="Arial"/>
+              </a:endParaRPr>
+            </a:p>
+            <a:p>
+              <a:pPr marL="457200" algn="ctr">
+                <a:lnSpc>
+                  <a:spcPct val="100000"/>
+                </a:lnSpc>
+                <a:buNone/>
+                <a:tabLst>
+                  <a:tab algn="l" pos="0"/>
+                </a:tabLst>
+              </a:pPr>
+              <a:endParaRPr b="0" lang="en-US" sz="5400" spc="-1" strike="noStrike">
+                <a:latin typeface="Arial"/>
+              </a:endParaRPr>
+            </a:p>
+            <a:p>
+              <a:pPr marL="457200" algn="ctr">
+                <a:lnSpc>
+                  <a:spcPct val="100000"/>
+                </a:lnSpc>
+                <a:buNone/>
+                <a:tabLst>
+                  <a:tab algn="l" pos="0"/>
+                </a:tabLst>
+              </a:pPr>
+              <a:endParaRPr b="0" lang="en-US" sz="2000" spc="-1" strike="noStrike">
+                <a:latin typeface="Arial"/>
+              </a:endParaRPr>
+            </a:p>
+          </p:txBody>
+        </p:sp>
+        <p:sp>
+          <p:nvSpPr>
+            <p:cNvPr id="237" name="Google Shape;197;p 5"/>
+            <p:cNvSpPr/>
+            <p:nvPr/>
+          </p:nvSpPr>
+          <p:spPr>
+            <a:xfrm>
+              <a:off x="14190840" y="774720"/>
+              <a:ext cx="851760" cy="825480"/>
+            </a:xfrm>
+            <a:custGeom>
+              <a:avLst/>
+              <a:gdLst/>
+              <a:ahLst/>
+              <a:rect l="l" t="t" r="r" b="b"/>
+              <a:pathLst>
+                <a:path w="439420" h="439420">
+                  <a:moveTo>
+                    <a:pt x="219595" y="0"/>
+                  </a:moveTo>
+                  <a:lnTo>
+                    <a:pt x="175337" y="4461"/>
+                  </a:lnTo>
+                  <a:lnTo>
+                    <a:pt x="134116" y="17257"/>
+                  </a:lnTo>
+                  <a:lnTo>
+                    <a:pt x="96815" y="37505"/>
+                  </a:lnTo>
+                  <a:lnTo>
+                    <a:pt x="64315" y="64320"/>
+                  </a:lnTo>
+                  <a:lnTo>
+                    <a:pt x="37502" y="96820"/>
+                  </a:lnTo>
+                  <a:lnTo>
+                    <a:pt x="17256" y="134122"/>
+                  </a:lnTo>
+                  <a:lnTo>
+                    <a:pt x="4461" y="175341"/>
+                  </a:lnTo>
+                  <a:lnTo>
+                    <a:pt x="0" y="219595"/>
+                  </a:lnTo>
+                  <a:lnTo>
+                    <a:pt x="4461" y="263854"/>
+                  </a:lnTo>
+                  <a:lnTo>
+                    <a:pt x="17256" y="305076"/>
+                  </a:lnTo>
+                  <a:lnTo>
+                    <a:pt x="37502" y="342380"/>
+                  </a:lnTo>
+                  <a:lnTo>
+                    <a:pt x="64315" y="374881"/>
+                  </a:lnTo>
+                  <a:lnTo>
+                    <a:pt x="96815" y="401698"/>
+                  </a:lnTo>
+                  <a:lnTo>
+                    <a:pt x="134116" y="421945"/>
+                  </a:lnTo>
+                  <a:lnTo>
+                    <a:pt x="175337" y="434742"/>
+                  </a:lnTo>
+                  <a:lnTo>
+                    <a:pt x="219595" y="439204"/>
+                  </a:lnTo>
+                  <a:lnTo>
+                    <a:pt x="263854" y="434742"/>
+                  </a:lnTo>
+                  <a:lnTo>
+                    <a:pt x="305076" y="421945"/>
+                  </a:lnTo>
+                  <a:lnTo>
+                    <a:pt x="342380" y="401698"/>
+                  </a:lnTo>
+                  <a:lnTo>
+                    <a:pt x="374881" y="374881"/>
+                  </a:lnTo>
+                  <a:lnTo>
+                    <a:pt x="401698" y="342380"/>
+                  </a:lnTo>
+                  <a:lnTo>
+                    <a:pt x="421945" y="305076"/>
+                  </a:lnTo>
+                  <a:lnTo>
+                    <a:pt x="434742" y="263854"/>
+                  </a:lnTo>
+                  <a:lnTo>
+                    <a:pt x="439204" y="219595"/>
+                  </a:lnTo>
+                  <a:lnTo>
+                    <a:pt x="434742" y="175341"/>
+                  </a:lnTo>
+                  <a:lnTo>
+                    <a:pt x="421945" y="134122"/>
+                  </a:lnTo>
+                  <a:lnTo>
+                    <a:pt x="401698" y="96820"/>
+                  </a:lnTo>
+                  <a:lnTo>
+                    <a:pt x="374881" y="64320"/>
+                  </a:lnTo>
+                  <a:lnTo>
+                    <a:pt x="342380" y="37505"/>
+                  </a:lnTo>
+                  <a:lnTo>
+                    <a:pt x="305076" y="17257"/>
+                  </a:lnTo>
+                  <a:lnTo>
+                    <a:pt x="263854" y="4461"/>
+                  </a:lnTo>
+                  <a:lnTo>
+                    <a:pt x="219595" y="0"/>
+                  </a:lnTo>
+                  <a:close/>
+                </a:path>
+              </a:pathLst>
+            </a:custGeom>
+            <a:solidFill>
+              <a:srgbClr val="0073ac"/>
+            </a:solidFill>
+            <a:ln w="0">
+              <a:noFill/>
+            </a:ln>
+            <a:effectLst>
+              <a:outerShdw algn="ctr" blurRad="44280" dir="5400000" dist="28080">
+                <a:srgbClr val="000000">
+                  <a:alpha val="32000"/>
+                </a:srgbClr>
+              </a:outerShdw>
+            </a:effectLst>
+          </p:spPr>
+          <p:style>
+            <a:lnRef idx="0"/>
+            <a:fillRef idx="0"/>
+            <a:effectRef idx="0"/>
+            <a:fontRef idx="minor"/>
+          </p:style>
+        </p:sp>
+      </p:grpSp>
+      <p:sp>
+        <p:nvSpPr>
+          <p:cNvPr id="238" name="Google Shape;198;p 5"/>
+          <p:cNvSpPr/>
+          <p:nvPr/>
+        </p:nvSpPr>
+        <p:spPr>
+          <a:xfrm>
+            <a:off x="884880" y="2104920"/>
+            <a:ext cx="16687080" cy="6673320"/>
+          </a:xfrm>
+          <a:prstGeom prst="rect">
+            <a:avLst/>
+          </a:prstGeom>
+          <a:noFill/>
+          <a:ln w="0">
+            <a:noFill/>
+          </a:ln>
+        </p:spPr>
+        <p:style>
+          <a:lnRef idx="0"/>
+          <a:fillRef idx="0"/>
+          <a:effectRef idx="0"/>
+          <a:fontRef idx="minor"/>
+        </p:style>
+        <p:txBody>
+          <a:bodyPr lIns="90000" rIns="90000" tIns="45000" bIns="45000" anchor="t">
+            <a:spAutoFit/>
+          </a:bodyPr>
+          <a:p>
+            <a:pPr marL="216000" indent="-216000">
+              <a:lnSpc>
+                <a:spcPct val="100000"/>
+              </a:lnSpc>
+              <a:buClr>
+                <a:srgbClr val="000000"/>
+              </a:buClr>
+              <a:buFont typeface="Wingdings" charset="2"/>
+              <a:buChar char=""/>
+            </a:pPr>
+            <a:r>
+              <a:rPr b="1" lang="en-US" sz="3600" spc="-1" strike="noStrike">
+                <a:solidFill>
+                  <a:srgbClr val="000000"/>
+                </a:solidFill>
+                <a:latin typeface="Arial"/>
+                <a:ea typeface="Arial"/>
+              </a:rPr>
+              <a:t> </a:t>
+            </a:r>
+            <a:r>
+              <a:rPr b="1" lang="en-US" sz="3600" spc="-1" strike="noStrike">
+                <a:solidFill>
+                  <a:srgbClr val="000000"/>
+                </a:solidFill>
+                <a:latin typeface="Arial"/>
+                <a:ea typeface="Arial"/>
+              </a:rPr>
+              <a:t>Vgg16 with dense and dropout layers</a:t>
+            </a:r>
+            <a:endParaRPr b="0" lang="en-US" sz="3600" spc="-1" strike="noStrike">
+              <a:latin typeface="Arial"/>
+            </a:endParaRPr>
+          </a:p>
+          <a:p>
+            <a:pPr marL="216000" indent="-216000">
+              <a:lnSpc>
+                <a:spcPct val="100000"/>
+              </a:lnSpc>
+              <a:buClr>
+                <a:srgbClr val="000000"/>
+              </a:buClr>
+              <a:buFont typeface="Wingdings" charset="2"/>
+              <a:buChar char=""/>
+            </a:pPr>
+            <a:r>
+              <a:rPr b="1" lang="en-US" sz="3600" spc="-1" strike="noStrike">
+                <a:solidFill>
+                  <a:srgbClr val="000000"/>
+                </a:solidFill>
+                <a:latin typeface="Arial"/>
+                <a:ea typeface="Arial"/>
+              </a:rPr>
+              <a:t> </a:t>
+            </a:r>
+            <a:r>
+              <a:rPr b="0" lang="en-US" sz="3600" spc="-1" strike="noStrike">
+                <a:solidFill>
+                  <a:srgbClr val="000000"/>
+                </a:solidFill>
+                <a:latin typeface="Arial"/>
+                <a:ea typeface="Arial"/>
+              </a:rPr>
+              <a:t>The vgg16 model with additional dense and dropout layer showed accuracy 86.1%</a:t>
+            </a:r>
+            <a:endParaRPr b="0" lang="en-US" sz="3600" spc="-1" strike="noStrike">
+              <a:latin typeface="Arial"/>
+            </a:endParaRPr>
+          </a:p>
+          <a:p>
+            <a:pPr>
+              <a:lnSpc>
+                <a:spcPct val="100000"/>
+              </a:lnSpc>
+              <a:buNone/>
+            </a:pPr>
+            <a:endParaRPr b="0" lang="en-US" sz="3600" spc="-1" strike="noStrike">
+              <a:latin typeface="Arial"/>
+            </a:endParaRPr>
+          </a:p>
+          <a:p>
+            <a:pPr marL="216000" indent="-216000">
+              <a:lnSpc>
+                <a:spcPct val="100000"/>
+              </a:lnSpc>
+              <a:buClr>
+                <a:srgbClr val="000000"/>
+              </a:buClr>
+              <a:buFont typeface="Wingdings" charset="2"/>
+              <a:buChar char=""/>
+            </a:pPr>
+            <a:r>
+              <a:rPr b="1" lang="en-US" sz="3600" spc="-1" strike="noStrike">
+                <a:solidFill>
+                  <a:srgbClr val="000000"/>
+                </a:solidFill>
+                <a:latin typeface="Arial"/>
+                <a:ea typeface="Arial"/>
+              </a:rPr>
+              <a:t> </a:t>
+            </a:r>
+            <a:r>
+              <a:rPr b="1" lang="en-US" sz="3600" spc="-1" strike="noStrike">
+                <a:solidFill>
+                  <a:srgbClr val="000000"/>
+                </a:solidFill>
+                <a:latin typeface="Arial"/>
+                <a:ea typeface="Arial"/>
+              </a:rPr>
+              <a:t>Data Augmentation and Fine Tuning vgg16</a:t>
+            </a:r>
+            <a:endParaRPr b="0" lang="en-US" sz="3600" spc="-1" strike="noStrike">
+              <a:latin typeface="Arial"/>
+            </a:endParaRPr>
+          </a:p>
+          <a:p>
+            <a:pPr marL="216000" indent="-216000">
+              <a:lnSpc>
+                <a:spcPct val="100000"/>
+              </a:lnSpc>
+              <a:buClr>
+                <a:srgbClr val="000000"/>
+              </a:buClr>
+              <a:buFont typeface="Wingdings" charset="2"/>
+              <a:buChar char=""/>
+            </a:pPr>
+            <a:r>
+              <a:rPr b="1" lang="en-US" sz="3600" spc="-1" strike="noStrike">
+                <a:solidFill>
+                  <a:srgbClr val="000000"/>
+                </a:solidFill>
+                <a:latin typeface="Arial"/>
+                <a:ea typeface="Arial"/>
+              </a:rPr>
+              <a:t> </a:t>
+            </a:r>
+            <a:r>
+              <a:rPr b="0" lang="en-US" sz="3600" spc="-1" strike="noStrike">
+                <a:solidFill>
+                  <a:srgbClr val="000000"/>
+                </a:solidFill>
+                <a:latin typeface="Arial"/>
+                <a:ea typeface="Arial"/>
+              </a:rPr>
+              <a:t>The data augmented and fine tuned model at layer 15 showed an accuracy of 88.6% on the test data.</a:t>
+            </a:r>
+            <a:endParaRPr b="0" lang="en-US" sz="3600" spc="-1" strike="noStrike">
+              <a:latin typeface="Arial"/>
+            </a:endParaRPr>
+          </a:p>
+          <a:p>
+            <a:pPr marL="216000" indent="-216000">
+              <a:lnSpc>
+                <a:spcPct val="100000"/>
+              </a:lnSpc>
+              <a:buClr>
+                <a:srgbClr val="000000"/>
+              </a:buClr>
+              <a:buFont typeface="Wingdings" charset="2"/>
+              <a:buChar char=""/>
+            </a:pPr>
+            <a:r>
+              <a:rPr b="0" lang="en-US" sz="3600" spc="-1" strike="noStrike">
+                <a:solidFill>
+                  <a:srgbClr val="000000"/>
+                </a:solidFill>
+                <a:latin typeface="Arial"/>
+                <a:ea typeface="Arial"/>
+              </a:rPr>
+              <a:t>  </a:t>
+            </a:r>
+            <a:r>
+              <a:rPr b="0" lang="en-US" sz="3600" spc="-1" strike="noStrike">
+                <a:solidFill>
+                  <a:srgbClr val="000000"/>
+                </a:solidFill>
+                <a:latin typeface="Arial"/>
+                <a:ea typeface="Arial"/>
+              </a:rPr>
+              <a:t>Reﬁne model on confused classes (i.e. river and highway) possibly through preprocessing.</a:t>
+            </a:r>
+            <a:endParaRPr b="0" lang="en-US" sz="3600" spc="-1" strike="noStrike">
+              <a:latin typeface="Arial"/>
+            </a:endParaRPr>
+          </a:p>
+          <a:p>
+            <a:pPr marL="216000" indent="-216000">
+              <a:lnSpc>
+                <a:spcPct val="100000"/>
+              </a:lnSpc>
+              <a:buClr>
+                <a:srgbClr val="000000"/>
+              </a:buClr>
+              <a:buFont typeface="Wingdings" charset="2"/>
+              <a:buChar char=""/>
+            </a:pPr>
+            <a:r>
+              <a:rPr b="0" lang="en-US" sz="3600" spc="-1" strike="noStrike">
+                <a:solidFill>
+                  <a:srgbClr val="000000"/>
+                </a:solidFill>
+                <a:latin typeface="Arial"/>
+                <a:ea typeface="Arial"/>
+              </a:rPr>
+              <a:t> </a:t>
+            </a:r>
+            <a:r>
+              <a:rPr b="0" lang="en-US" sz="3600" spc="-1" strike="noStrike">
+                <a:solidFill>
+                  <a:srgbClr val="000000"/>
+                </a:solidFill>
+                <a:latin typeface="Arial"/>
+                <a:ea typeface="Arial"/>
+              </a:rPr>
+              <a:t>Create object detection to help classify multiple areas of land cover within an image.</a:t>
+            </a:r>
+            <a:endParaRPr b="0" lang="en-US" sz="3600" spc="-1" strike="noStrike">
+              <a:latin typeface="Arial"/>
+            </a:endParaRPr>
+          </a:p>
+          <a:p>
+            <a:pPr marL="216000" indent="-216000">
+              <a:lnSpc>
+                <a:spcPct val="100000"/>
+              </a:lnSpc>
+              <a:buClr>
+                <a:srgbClr val="000000"/>
+              </a:buClr>
+              <a:buFont typeface="Symbol"/>
+              <a:buChar char=""/>
+            </a:pPr>
+            <a:r>
+              <a:rPr b="1" lang="en-US" sz="3600" spc="-1" strike="noStrike">
+                <a:solidFill>
+                  <a:srgbClr val="000000"/>
+                </a:solidFill>
+                <a:latin typeface="Arial"/>
+                <a:ea typeface="Arial"/>
+              </a:rPr>
+              <a:t> </a:t>
+            </a:r>
+            <a:endParaRPr b="0" lang="en-US" sz="3600" spc="-1" strike="noStrike">
+              <a:latin typeface="Arial"/>
+            </a:endParaRPr>
+          </a:p>
+        </p:txBody>
+      </p:sp>
+      <p:sp>
+        <p:nvSpPr>
+          <p:cNvPr id="239" name="Google Shape;156;p 5"/>
+          <p:cNvSpPr/>
+          <p:nvPr/>
+        </p:nvSpPr>
+        <p:spPr>
+          <a:xfrm>
+            <a:off x="666000" y="9771480"/>
+            <a:ext cx="11275200" cy="577080"/>
+          </a:xfrm>
+          <a:prstGeom prst="rect">
+            <a:avLst/>
+          </a:prstGeom>
+          <a:noFill/>
+          <a:ln w="0">
+            <a:noFill/>
+          </a:ln>
+        </p:spPr>
+        <p:style>
+          <a:lnRef idx="0"/>
+          <a:fillRef idx="0"/>
+          <a:effectRef idx="0"/>
+          <a:fontRef idx="minor"/>
+        </p:style>
+        <p:txBody>
+          <a:bodyPr lIns="90000" rIns="90000" tIns="45000" bIns="45000" anchor="t">
+            <a:spAutoFit/>
+          </a:bodyPr>
+          <a:p>
+            <a:pPr marL="457200" algn="ctr">
+              <a:lnSpc>
+                <a:spcPct val="100000"/>
+              </a:lnSpc>
+              <a:buNone/>
+            </a:pPr>
+            <a:r>
+              <a:rPr b="1" lang="en-US" sz="3200" spc="-1" strike="noStrike">
+                <a:solidFill>
+                  <a:srgbClr val="0d0d0d"/>
+                </a:solidFill>
+                <a:latin typeface="Calibri"/>
+                <a:ea typeface="Arial"/>
+              </a:rPr>
+              <a:t>Land Cover Classifier</a:t>
+            </a:r>
+            <a:endParaRPr b="0" lang="en-US" sz="3200" spc="-1" strike="noStrike">
+              <a:latin typeface="Arial"/>
+            </a:endParaRPr>
+          </a:p>
+        </p:txBody>
+      </p:sp>
+    </p:spTree>
+  </p:cSld>
+  <mc:AlternateContent>
+    <mc:Choice Requires="p14">
+      <p:transition spd="slow" p14:dur="2000"/>
+    </mc:Choice>
+    <mc:Fallback>
+      <p:transition spd="slow"/>
+    </mc:Fallback>
+  </mc:AlternateContent>
+</p:sld>
+</file>
+
+<file path=ppt/slides/slide12.xml><?xml version="1.0" encoding="utf-8"?>
+<p:sld xmlns:a="http://schemas.openxmlformats.org/drawingml/2006/main" xmlns:p="http://schemas.openxmlformats.org/presentationml/2006/main" xmlns:r="http://schemas.openxmlformats.org/officeDocument/2006/relationships" xmlns:p14="http://schemas.microsoft.com/office/powerpoint/2010/main" xmlns:p15="http://schemas.microsoft.com/office/powerpoint/2012/main" xmlns:mc="http://schemas.openxmlformats.org/markup-compatibility/2006">
+  <p:cSld>
+    <p:spTree>
+      <p:nvGrpSpPr>
+        <p:cNvPr id="1" name=""/>
+        <p:cNvGrpSpPr/>
+        <p:nvPr/>
+      </p:nvGrpSpPr>
+      <p:grpSpPr>
+        <a:xfrm>
+          <a:off x="0" y="0"/>
+          <a:ext cx="0" cy="0"/>
+          <a:chOff x="0" y="0"/>
+          <a:chExt cx="0" cy="0"/>
+        </a:xfrm>
+      </p:grpSpPr>
+      <p:sp>
+        <p:nvSpPr>
+          <p:cNvPr id="240" name="PlaceHolder 1"/>
+          <p:cNvSpPr>
+            <a:spLocks noGrp="1"/>
+          </p:cNvSpPr>
+          <p:nvPr>
+            <p:ph type="sldNum" idx="21"/>
+          </p:nvPr>
+        </p:nvSpPr>
+        <p:spPr>
+          <a:xfrm>
+            <a:off x="13426200" y="9911160"/>
+            <a:ext cx="4274640" cy="566640"/>
+          </a:xfrm>
+          <a:prstGeom prst="rect">
+            <a:avLst/>
+          </a:prstGeom>
+          <a:noFill/>
+          <a:ln w="0">
+            <a:noFill/>
+          </a:ln>
+        </p:spPr>
+        <p:txBody>
+          <a:bodyPr lIns="90000" rIns="90000" tIns="45000" bIns="45000" anchor="ctr">
+            <a:noAutofit/>
+          </a:bodyPr>
+          <a:lstStyle>
+            <a:lvl1pPr algn="r">
+              <a:lnSpc>
+                <a:spcPct val="100000"/>
+              </a:lnSpc>
+              <a:buNone/>
+              <a:tabLst>
+                <a:tab algn="l" pos="0"/>
+              </a:tabLst>
+              <a:defRPr b="0" lang="en-US" sz="1870" spc="-1" strike="noStrike">
+                <a:solidFill>
+                  <a:srgbClr val="888888"/>
+                </a:solidFill>
+                <a:latin typeface="Calibri"/>
+                <a:ea typeface="Calibri"/>
+              </a:defRPr>
+            </a:lvl1pPr>
+          </a:lstStyle>
+          <a:p>
+            <a:pPr algn="r">
+              <a:lnSpc>
+                <a:spcPct val="100000"/>
+              </a:lnSpc>
+              <a:buNone/>
+              <a:tabLst>
+                <a:tab algn="l" pos="0"/>
+              </a:tabLst>
+            </a:pPr>
+            <a:fld id="{A9103355-6549-41AC-94E5-293A73D8D336}" type="slidenum">
+              <a:rPr b="0" lang="en-US" sz="1870" spc="-1" strike="noStrike">
+                <a:solidFill>
+                  <a:srgbClr val="888888"/>
+                </a:solidFill>
+                <a:latin typeface="Calibri"/>
+                <a:ea typeface="Calibri"/>
+              </a:rPr>
+              <a:t>3</a:t>
+            </a:fld>
+            <a:endParaRPr b="0" lang="en-US" sz="1870" spc="-1" strike="noStrike">
+              <a:latin typeface="Times New Roman"/>
+            </a:endParaRPr>
+          </a:p>
+        </p:txBody>
+      </p:sp>
+      <p:sp>
+        <p:nvSpPr>
+          <p:cNvPr id="241" name="TextBox 4"/>
+          <p:cNvSpPr/>
+          <p:nvPr/>
+        </p:nvSpPr>
+        <p:spPr>
+          <a:xfrm>
+            <a:off x="6486120" y="4114800"/>
+            <a:ext cx="8880120" cy="3106080"/>
+          </a:xfrm>
+          <a:prstGeom prst="rect">
+            <a:avLst/>
+          </a:prstGeom>
+          <a:noFill/>
+          <a:ln w="0">
+            <a:noFill/>
+          </a:ln>
+        </p:spPr>
+        <p:style>
+          <a:lnRef idx="0"/>
+          <a:fillRef idx="0"/>
+          <a:effectRef idx="0"/>
+          <a:fontRef idx="minor"/>
+        </p:style>
+        <p:txBody>
+          <a:bodyPr lIns="90000" rIns="90000" tIns="45000" bIns="45000" anchor="t">
+            <a:spAutoFit/>
+          </a:bodyPr>
+          <a:p>
+            <a:pPr>
+              <a:lnSpc>
+                <a:spcPct val="100000"/>
+              </a:lnSpc>
+              <a:buNone/>
+            </a:pPr>
+            <a:r>
+              <a:rPr b="0" lang="en-US" sz="6600" spc="-1" strike="noStrike">
+                <a:solidFill>
+                  <a:srgbClr val="203864"/>
+                </a:solidFill>
+                <a:latin typeface="Arial"/>
+                <a:ea typeface="Arial"/>
+              </a:rPr>
+              <a:t>THANK YOU</a:t>
+            </a:r>
+            <a:endParaRPr b="0" lang="en-US" sz="6600" spc="-1" strike="noStrike">
+              <a:latin typeface="Arial"/>
+            </a:endParaRPr>
+          </a:p>
+          <a:p>
+            <a:pPr>
+              <a:lnSpc>
+                <a:spcPct val="100000"/>
+              </a:lnSpc>
+              <a:buNone/>
+            </a:pPr>
+            <a:r>
+              <a:rPr b="0" lang="en-US" sz="6600" spc="-1" strike="noStrike">
+                <a:solidFill>
+                  <a:srgbClr val="203864"/>
+                </a:solidFill>
+                <a:latin typeface="Arial"/>
+                <a:ea typeface="Arial"/>
+              </a:rPr>
+              <a:t>     </a:t>
+            </a:r>
+            <a:r>
+              <a:rPr b="0" lang="en-US" sz="4800" spc="-1" strike="noStrike">
+                <a:solidFill>
+                  <a:srgbClr val="203864"/>
+                </a:solidFill>
+                <a:latin typeface="Arial"/>
+                <a:ea typeface="Arial"/>
+              </a:rPr>
+              <a:t>For  Your</a:t>
+            </a:r>
+            <a:endParaRPr b="0" lang="en-US" sz="4800" spc="-1" strike="noStrike">
+              <a:latin typeface="Arial"/>
+            </a:endParaRPr>
+          </a:p>
+          <a:p>
+            <a:pPr>
+              <a:lnSpc>
+                <a:spcPct val="100000"/>
+              </a:lnSpc>
+              <a:buNone/>
+            </a:pPr>
+            <a:r>
+              <a:rPr b="0" lang="en-US" sz="6600" spc="-1" strike="noStrike">
+                <a:solidFill>
+                  <a:srgbClr val="203864"/>
+                </a:solidFill>
+                <a:latin typeface="Arial"/>
+                <a:ea typeface="Arial"/>
+              </a:rPr>
+              <a:t>ATTENTION!!!</a:t>
+            </a:r>
+            <a:endParaRPr b="0" lang="en-US" sz="6600" spc="-1" strike="noStrike">
+              <a:latin typeface="Arial"/>
             </a:endParaRPr>
           </a:p>
         </p:txBody>
@@ -7173,7 +9178,7 @@
         <p:spPr>
           <a:xfrm>
             <a:off x="13426200" y="9911160"/>
-            <a:ext cx="4276440" cy="568440"/>
+            <a:ext cx="4274640" cy="566640"/>
           </a:xfrm>
           <a:prstGeom prst="rect">
             <a:avLst/>
@@ -7215,7 +9220,7 @@
                 <a:tab algn="l" pos="0"/>
               </a:tabLst>
             </a:pPr>
-            <a:fld id="{C498A24F-191B-426E-B447-EB8781A62E6A}" type="slidenum">
+            <a:fld id="{DA6769AB-A04E-47F2-8E44-2843D681E85C}" type="slidenum">
               <a:rPr b="0" lang="en-US" sz="3200" spc="-1" strike="noStrike">
                 <a:solidFill>
                   <a:srgbClr val="ffffff"/>
@@ -7240,9 +9245,9 @@
         <p:grpSpPr>
           <a:xfrm>
             <a:off x="0" y="9568440"/>
-            <a:ext cx="19009800" cy="1111320"/>
+            <a:ext cx="19008000" cy="1109520"/>
             <a:chOff x="0" y="9568440"/>
-            <a:chExt cx="19009800" cy="1111320"/>
+            <a:chExt cx="19008000" cy="1109520"/>
           </a:xfrm>
         </p:grpSpPr>
         <p:grpSp>
@@ -7254,9 +9259,9 @@
           <p:grpSpPr>
             <a:xfrm>
               <a:off x="0" y="9568440"/>
-              <a:ext cx="19009800" cy="1111320"/>
+              <a:ext cx="19008000" cy="1109520"/>
               <a:chOff x="0" y="9568440"/>
-              <a:chExt cx="19009800" cy="1111320"/>
+              <a:chExt cx="19008000" cy="1109520"/>
             </a:xfrm>
           </p:grpSpPr>
           <p:sp>
@@ -7268,7 +9273,7 @@
             <p:spPr>
               <a:xfrm>
                 <a:off x="0" y="9568440"/>
-                <a:ext cx="15067080" cy="1111320"/>
+                <a:ext cx="15065280" cy="1109520"/>
               </a:xfrm>
               <a:custGeom>
                 <a:avLst/>
@@ -7326,7 +9331,7 @@
             <p:spPr>
               <a:xfrm>
                 <a:off x="17887320" y="9568440"/>
-                <a:ext cx="1122480" cy="1111320"/>
+                <a:ext cx="1120680" cy="1109520"/>
               </a:xfrm>
               <a:custGeom>
                 <a:avLst/>
@@ -7386,7 +9391,7 @@
         <p:spPr>
           <a:xfrm>
             <a:off x="15486840" y="9929160"/>
-            <a:ext cx="2241720" cy="516240"/>
+            <a:ext cx="2239920" cy="516240"/>
           </a:xfrm>
           <a:prstGeom prst="rect">
             <a:avLst/>
@@ -7441,7 +9446,7 @@
         <p:spPr>
           <a:xfrm>
             <a:off x="18115920" y="9911160"/>
-            <a:ext cx="574200" cy="387720"/>
+            <a:ext cx="572400" cy="385920"/>
           </a:xfrm>
           <a:prstGeom prst="rect">
             <a:avLst/>
@@ -7471,7 +9476,7 @@
                 <a:tab algn="l" pos="0"/>
               </a:tabLst>
             </a:pPr>
-            <a:fld id="{F19411CE-E409-4671-B5CA-E75DFC676D1C}" type="slidenum">
+            <a:fld id="{42F48E77-6456-4C85-AF29-2F7032512800}" type="slidenum">
               <a:rPr b="0" lang="en-US" sz="3200" spc="-1" strike="noStrike">
                 <a:solidFill>
                   <a:srgbClr val="ffffff"/>
@@ -7496,9 +9501,9 @@
         <p:grpSpPr>
           <a:xfrm>
             <a:off x="-26280" y="774720"/>
-            <a:ext cx="15070680" cy="827280"/>
+            <a:ext cx="15068880" cy="825480"/>
             <a:chOff x="-26280" y="774720"/>
-            <a:chExt cx="15070680" cy="827280"/>
+            <a:chExt cx="15068880" cy="825480"/>
           </a:xfrm>
         </p:grpSpPr>
         <p:sp>
@@ -7510,7 +9515,7 @@
           <p:spPr>
             <a:xfrm>
               <a:off x="-26280" y="774720"/>
-              <a:ext cx="14615280" cy="827280"/>
+              <a:ext cx="14613480" cy="825480"/>
             </a:xfrm>
             <a:custGeom>
               <a:avLst/>
@@ -7597,7 +9602,7 @@
           <p:spPr>
             <a:xfrm>
               <a:off x="14190840" y="774720"/>
-              <a:ext cx="853560" cy="827280"/>
+              <a:ext cx="851760" cy="825480"/>
             </a:xfrm>
             <a:custGeom>
               <a:avLst/>
@@ -7740,7 +9745,7 @@
         <p:spPr>
           <a:xfrm>
             <a:off x="1326960" y="2945160"/>
-            <a:ext cx="11124360" cy="3745440"/>
+            <a:ext cx="11122560" cy="3014280"/>
           </a:xfrm>
           <a:prstGeom prst="rect">
             <a:avLst/>
@@ -7779,32 +9784,7 @@
                 <a:latin typeface="Calibri"/>
                 <a:ea typeface="Calibri"/>
               </a:rPr>
-              <a:t>Introduction</a:t>
-            </a:r>
-            <a:endParaRPr b="0" lang="en-US" sz="4800" spc="-1" strike="noStrike">
-              <a:latin typeface="Arial"/>
-            </a:endParaRPr>
-          </a:p>
-          <a:p>
-            <a:pPr marL="571680" indent="-571680">
-              <a:lnSpc>
-                <a:spcPct val="100000"/>
-              </a:lnSpc>
-              <a:buClr>
-                <a:srgbClr val="000000"/>
-              </a:buClr>
-              <a:buFont typeface="Noto Sans Symbols"/>
-              <a:buChar char="✔"/>
-            </a:pPr>
-            <a:r>
-              <a:rPr b="0" lang="en-US" sz="4800" spc="-1" strike="noStrike">
-                <a:solidFill>
-                  <a:srgbClr val="000000"/>
-                </a:solidFill>
-                <a:latin typeface="Calibri"/>
-                <a:ea typeface="Calibri"/>
-              </a:rPr>
-              <a:t>Scope </a:t>
+              <a:t>Introduction </a:t>
             </a:r>
             <a:endParaRPr b="0" lang="en-US" sz="4800" spc="-1" strike="noStrike">
               <a:latin typeface="Arial"/>
@@ -7879,7 +9859,7 @@
                 <a:latin typeface="Calibri"/>
                 <a:ea typeface="Calibri"/>
               </a:rPr>
-              <a:t>Tool Used</a:t>
+              <a:t>Implementation</a:t>
             </a:r>
             <a:endParaRPr b="0" lang="en-US" sz="4800" spc="-1" strike="noStrike">
               <a:latin typeface="Arial"/>
@@ -7929,8 +9909,8 @@
         </p:nvSpPr>
         <p:spPr>
           <a:xfrm>
-            <a:off x="1327320" y="3182040"/>
-            <a:ext cx="10244520" cy="5504040"/>
+            <a:off x="1143000" y="2057400"/>
+            <a:ext cx="11657880" cy="6857280"/>
           </a:xfrm>
           <a:prstGeom prst="rect">
             <a:avLst/>
@@ -7945,14 +9925,14 @@
             <a:normAutofit/>
           </a:bodyPr>
           <a:p>
-            <a:pPr>
+            <a:pPr algn="just">
               <a:lnSpc>
-                <a:spcPct val="90000"/>
+                <a:spcPct val="115000"/>
               </a:lnSpc>
-              <a:spcBef>
-                <a:spcPts val="1559"/>
-              </a:spcBef>
               <a:buNone/>
+              <a:tabLst>
+                <a:tab algn="l" pos="0"/>
+              </a:tabLst>
             </a:pPr>
             <a:r>
               <a:rPr b="0" lang="en-US" sz="4370" spc="-1" strike="noStrike">
@@ -7962,12 +9942,56 @@
                 <a:latin typeface="Calibri"/>
                 <a:ea typeface="Calibri"/>
               </a:rPr>
-              <a:t>A deep learning (neural network) land cover classification project using RGB satellite images (remote sensing) across 10 classes. A Fine Tuned VGG16 Model with additonal Dense and Dropout Layer.</a:t>
+              <a:t>Land cover classification is a critical task in remote sensing that involves identifying and categorizing the physical surface of the earth.</a:t>
             </a:r>
             <a:endParaRPr b="0" lang="en-US" sz="4370" spc="-1" strike="noStrike">
               <a:latin typeface="Arial"/>
             </a:endParaRPr>
           </a:p>
+          <a:p>
+            <a:pPr>
+              <a:lnSpc>
+                <a:spcPct val="90000"/>
+              </a:lnSpc>
+              <a:spcBef>
+                <a:spcPts val="1559"/>
+              </a:spcBef>
+              <a:buNone/>
+              <a:tabLst>
+                <a:tab algn="l" pos="0"/>
+              </a:tabLst>
+            </a:pPr>
+            <a:r>
+              <a:rPr b="0" lang="en-US" sz="4370" spc="-1" strike="noStrike">
+                <a:solidFill>
+                  <a:srgbClr val="000000"/>
+                </a:solidFill>
+                <a:latin typeface="Calibri"/>
+                <a:ea typeface="Calibri"/>
+              </a:rPr>
+              <a:t>A deep learning (neural network) based land cover classification project using RGB satellite images across 10 classes. </a:t>
+            </a:r>
+            <a:endParaRPr b="0" lang="en-US" sz="4370" spc="-1" strike="noStrike">
+              <a:latin typeface="Arial"/>
+            </a:endParaRPr>
+          </a:p>
+          <a:p>
+            <a:pPr>
+              <a:lnSpc>
+                <a:spcPct val="90000"/>
+              </a:lnSpc>
+              <a:spcBef>
+                <a:spcPts val="1559"/>
+              </a:spcBef>
+              <a:buNone/>
+              <a:tabLst>
+                <a:tab algn="l" pos="0"/>
+              </a:tabLst>
+            </a:pPr>
+            <a:endParaRPr b="0" lang="en-US" sz="4370" spc="-1" strike="noStrike">
+              <a:latin typeface="Arial"/>
+            </a:endParaRPr>
+          </a:p>
         </p:txBody>
       </p:sp>
       <p:sp>
@@ -7983,7 +10007,7 @@
         <p:spPr>
           <a:xfrm>
             <a:off x="13426200" y="9911160"/>
-            <a:ext cx="4276440" cy="568440"/>
+            <a:ext cx="4274640" cy="566640"/>
           </a:xfrm>
           <a:prstGeom prst="rect">
             <a:avLst/>
@@ -8025,7 +10049,7 @@
                 <a:tab algn="l" pos="0"/>
               </a:tabLst>
             </a:pPr>
-            <a:fld id="{5145ED0E-9FC0-4FCA-B091-F9869606A3BE}" type="slidenum">
+            <a:fld id="{995B28D5-4114-4B2B-90B9-0B4C4245ED62}" type="slidenum">
               <a:rPr b="0" lang="en-US" sz="3200" spc="-1" strike="noStrike">
                 <a:solidFill>
                   <a:srgbClr val="ffffff"/>
@@ -8050,9 +10074,9 @@
         <p:grpSpPr>
           <a:xfrm>
             <a:off x="0" y="9568440"/>
-            <a:ext cx="19009800" cy="1111320"/>
+            <a:ext cx="19008000" cy="1109520"/>
             <a:chOff x="0" y="9568440"/>
-            <a:chExt cx="19009800" cy="1111320"/>
+            <a:chExt cx="19008000" cy="1109520"/>
           </a:xfrm>
         </p:grpSpPr>
         <p:grpSp>
@@ -8064,9 +10088,9 @@
           <p:grpSpPr>
             <a:xfrm>
               <a:off x="0" y="9568440"/>
-              <a:ext cx="19009800" cy="1111320"/>
+              <a:ext cx="19008000" cy="1109520"/>
               <a:chOff x="0" y="9568440"/>
-              <a:chExt cx="19009800" cy="1111320"/>
+              <a:chExt cx="19008000" cy="1109520"/>
             </a:xfrm>
           </p:grpSpPr>
           <p:sp>
@@ -8078,7 +10102,7 @@
             <p:spPr>
               <a:xfrm>
                 <a:off x="0" y="9568440"/>
-                <a:ext cx="15067080" cy="1111320"/>
+                <a:ext cx="15065280" cy="1109520"/>
               </a:xfrm>
               <a:custGeom>
                 <a:avLst/>
@@ -8136,7 +10160,7 @@
             <p:spPr>
               <a:xfrm>
                 <a:off x="17887320" y="9568440"/>
-                <a:ext cx="1122480" cy="1111320"/>
+                <a:ext cx="1120680" cy="1109520"/>
               </a:xfrm>
               <a:custGeom>
                 <a:avLst/>
@@ -8195,7 +10219,7 @@
           <p:spPr>
             <a:xfrm>
               <a:off x="15067800" y="9568440"/>
-              <a:ext cx="2818800" cy="1111320"/>
+              <a:ext cx="2817000" cy="1109520"/>
             </a:xfrm>
             <a:custGeom>
               <a:avLst/>
@@ -8254,7 +10278,7 @@
         <p:spPr>
           <a:xfrm>
             <a:off x="666000" y="9771480"/>
-            <a:ext cx="11277000" cy="790200"/>
+            <a:ext cx="11275200" cy="790200"/>
           </a:xfrm>
           <a:prstGeom prst="rect">
             <a:avLst/>
@@ -8320,7 +10344,7 @@
         <p:spPr>
           <a:xfrm>
             <a:off x="15486840" y="9929160"/>
-            <a:ext cx="2241720" cy="516240"/>
+            <a:ext cx="2239920" cy="516240"/>
           </a:xfrm>
           <a:prstGeom prst="rect">
             <a:avLst/>
@@ -8372,7 +10396,7 @@
         <p:spPr>
           <a:xfrm>
             <a:off x="18115920" y="9911160"/>
-            <a:ext cx="574200" cy="387720"/>
+            <a:ext cx="572400" cy="385920"/>
           </a:xfrm>
           <a:prstGeom prst="rect">
             <a:avLst/>
@@ -8402,7 +10426,7 @@
                 <a:tab algn="l" pos="0"/>
               </a:tabLst>
             </a:pPr>
-            <a:fld id="{9EC39255-3AE9-4B78-8C02-E8B14C9B785D}" type="slidenum">
+            <a:fld id="{0324E97E-985C-4489-AF33-6B3D755032A1}" type="slidenum">
               <a:rPr b="0" lang="en-US" sz="3200" spc="-1" strike="noStrike">
                 <a:solidFill>
                   <a:srgbClr val="ffffff"/>
@@ -8410,7 +10434,7 @@
                 <a:latin typeface="Calibri"/>
                 <a:ea typeface="Calibri"/>
               </a:rPr>
-              <a:t>3</a:t>
+              <a:t>&lt;number&gt;</a:t>
             </a:fld>
             <a:endParaRPr b="0" lang="en-US" sz="3200" spc="-1" strike="noStrike">
               <a:latin typeface="Arial"/>
@@ -8427,9 +10451,9 @@
         <p:grpSpPr>
           <a:xfrm>
             <a:off x="-26280" y="774720"/>
-            <a:ext cx="15070680" cy="827280"/>
+            <a:ext cx="15068880" cy="825480"/>
             <a:chOff x="-26280" y="774720"/>
-            <a:chExt cx="15070680" cy="827280"/>
+            <a:chExt cx="15068880" cy="825480"/>
           </a:xfrm>
         </p:grpSpPr>
         <p:sp>
@@ -8441,7 +10465,7 @@
           <p:spPr>
             <a:xfrm>
               <a:off x="-26280" y="774720"/>
-              <a:ext cx="14615280" cy="827280"/>
+              <a:ext cx="14613480" cy="825480"/>
             </a:xfrm>
             <a:custGeom>
               <a:avLst/>
@@ -8538,7 +10562,7 @@
           <p:spPr>
             <a:xfrm>
               <a:off x="14190840" y="774720"/>
-              <a:ext cx="853560" cy="827280"/>
+              <a:ext cx="851760" cy="825480"/>
             </a:xfrm>
             <a:custGeom>
               <a:avLst/>
@@ -8685,7 +10709,7 @@
         <p:spPr>
           <a:xfrm>
             <a:off x="12395160" y="2510640"/>
-            <a:ext cx="5702400" cy="5702400"/>
+            <a:ext cx="5700600" cy="5700600"/>
           </a:xfrm>
           <a:prstGeom prst="rect">
             <a:avLst/>
@@ -8738,7 +10762,7 @@
         <p:spPr>
           <a:xfrm>
             <a:off x="13426200" y="9911160"/>
-            <a:ext cx="4276440" cy="568440"/>
+            <a:ext cx="4274640" cy="566640"/>
           </a:xfrm>
           <a:prstGeom prst="rect">
             <a:avLst/>
@@ -8780,7 +10804,7 @@
                 <a:tab algn="l" pos="0"/>
               </a:tabLst>
             </a:pPr>
-            <a:fld id="{3499E27D-1102-4328-A556-56CEA78D4A07}" type="slidenum">
+            <a:fld id="{404419A4-8C8D-4D85-87ED-20E956AA52A2}" type="slidenum">
               <a:rPr b="0" lang="en-US" sz="3200" spc="-1" strike="noStrike">
                 <a:solidFill>
                   <a:srgbClr val="ffffff"/>
@@ -8805,9 +10829,9 @@
         <p:grpSpPr>
           <a:xfrm>
             <a:off x="0" y="9568440"/>
-            <a:ext cx="19009800" cy="1111320"/>
+            <a:ext cx="19008000" cy="1109520"/>
             <a:chOff x="0" y="9568440"/>
-            <a:chExt cx="19009800" cy="1111320"/>
+            <a:chExt cx="19008000" cy="1109520"/>
           </a:xfrm>
         </p:grpSpPr>
         <p:grpSp>
@@ -8819,9 +10843,9 @@
           <p:grpSpPr>
             <a:xfrm>
               <a:off x="0" y="9568440"/>
-              <a:ext cx="19009800" cy="1111320"/>
+              <a:ext cx="19008000" cy="1109520"/>
               <a:chOff x="0" y="9568440"/>
-              <a:chExt cx="19009800" cy="1111320"/>
+              <a:chExt cx="19008000" cy="1109520"/>
             </a:xfrm>
           </p:grpSpPr>
           <p:sp>
@@ -8833,7 +10857,7 @@
             <p:spPr>
               <a:xfrm>
                 <a:off x="0" y="9568440"/>
-                <a:ext cx="15067080" cy="1111320"/>
+                <a:ext cx="15065280" cy="1109520"/>
               </a:xfrm>
               <a:custGeom>
                 <a:avLst/>
@@ -8891,7 +10915,7 @@
             <p:spPr>
               <a:xfrm>
                 <a:off x="17887320" y="9568440"/>
-                <a:ext cx="1122480" cy="1111320"/>
+                <a:ext cx="1120680" cy="1109520"/>
               </a:xfrm>
               <a:custGeom>
                 <a:avLst/>
@@ -8950,7 +10974,7 @@
           <p:spPr>
             <a:xfrm>
               <a:off x="15067800" y="9568440"/>
-              <a:ext cx="2818800" cy="1111320"/>
+              <a:ext cx="2817000" cy="1109520"/>
             </a:xfrm>
             <a:custGeom>
               <a:avLst/>
@@ -9009,7 +11033,7 @@
         <p:spPr>
           <a:xfrm>
             <a:off x="15486840" y="9929160"/>
-            <a:ext cx="2241720" cy="516240"/>
+            <a:ext cx="2239920" cy="942840"/>
           </a:xfrm>
           <a:prstGeom prst="rect">
             <a:avLst/>
@@ -9050,6 +11074,20 @@
               <a:latin typeface="Arial"/>
             </a:endParaRPr>
           </a:p>
+          <a:p>
+            <a:pPr>
+              <a:lnSpc>
+                <a:spcPct val="100000"/>
+              </a:lnSpc>
+              <a:buNone/>
+              <a:tabLst>
+                <a:tab algn="l" pos="0"/>
+              </a:tabLst>
+            </a:pPr>
+            <a:endParaRPr b="0" lang="en-US" sz="2800" spc="-1" strike="noStrike">
+              <a:latin typeface="Arial"/>
+            </a:endParaRPr>
+          </a:p>
         </p:txBody>
       </p:sp>
       <p:sp>
@@ -9061,7 +11099,7 @@
         <p:spPr>
           <a:xfrm>
             <a:off x="18115920" y="9911160"/>
-            <a:ext cx="574200" cy="387720"/>
+            <a:ext cx="572400" cy="385920"/>
           </a:xfrm>
           <a:prstGeom prst="rect">
             <a:avLst/>
@@ -9091,7 +11129,7 @@
                 <a:tab algn="l" pos="0"/>
               </a:tabLst>
             </a:pPr>
-            <a:fld id="{9FEDACC3-49A4-4062-884E-95DFD4AADC51}" type="slidenum">
+            <a:fld id="{95436FB8-6E62-4C42-A5C3-830F65C525EC}" type="slidenum">
               <a:rPr b="0" lang="en-US" sz="3200" spc="-1" strike="noStrike">
                 <a:solidFill>
                   <a:srgbClr val="ffffff"/>
@@ -9099,7 +11137,7 @@
                 <a:latin typeface="Calibri"/>
                 <a:ea typeface="Calibri"/>
               </a:rPr>
-              <a:t>3</a:t>
+              <a:t>&lt;number&gt;</a:t>
             </a:fld>
             <a:endParaRPr b="0" lang="en-US" sz="3200" spc="-1" strike="noStrike">
               <a:latin typeface="Arial"/>
@@ -9116,9 +11154,9 @@
         <p:grpSpPr>
           <a:xfrm>
             <a:off x="-26280" y="774720"/>
-            <a:ext cx="15070680" cy="827280"/>
+            <a:ext cx="15068880" cy="825480"/>
             <a:chOff x="-26280" y="774720"/>
-            <a:chExt cx="15070680" cy="827280"/>
+            <a:chExt cx="15068880" cy="825480"/>
           </a:xfrm>
         </p:grpSpPr>
         <p:sp>
@@ -9130,843 +11168,7 @@
           <p:spPr>
             <a:xfrm>
               <a:off x="-26280" y="774720"/>
-              <a:ext cx="14615280" cy="827280"/>
-            </a:xfrm>
-            <a:custGeom>
-              <a:avLst/>
-              <a:gdLst/>
-              <a:ahLst/>
-              <a:rect l="l" t="t" r="r" b="b"/>
-              <a:pathLst>
-                <a:path w="3844925" h="439420">
-                  <a:moveTo>
-                    <a:pt x="0" y="439204"/>
-                  </a:moveTo>
-                  <a:lnTo>
-                    <a:pt x="3844798" y="439204"/>
-                  </a:lnTo>
-                  <a:lnTo>
-                    <a:pt x="3844798" y="0"/>
-                  </a:lnTo>
-                  <a:lnTo>
-                    <a:pt x="0" y="0"/>
-                  </a:lnTo>
-                  <a:lnTo>
-                    <a:pt x="0" y="439204"/>
-                  </a:lnTo>
-                  <a:close/>
-                </a:path>
-              </a:pathLst>
-            </a:custGeom>
-            <a:solidFill>
-              <a:srgbClr val="0073ac"/>
-            </a:solidFill>
-            <a:ln w="0">
-              <a:noFill/>
-            </a:ln>
-            <a:effectLst>
-              <a:outerShdw algn="ctr" blurRad="44280" dir="5400000" dist="28080">
-                <a:srgbClr val="000000">
-                  <a:alpha val="32000"/>
-                </a:srgbClr>
-              </a:outerShdw>
-            </a:effectLst>
-          </p:spPr>
-          <p:style>
-            <a:lnRef idx="0"/>
-            <a:fillRef idx="0"/>
-            <a:effectRef idx="0"/>
-            <a:fontRef idx="minor"/>
-          </p:style>
-          <p:txBody>
-            <a:bodyPr lIns="0" rIns="0" tIns="0" bIns="0" anchor="t">
-              <a:noAutofit/>
-            </a:bodyPr>
-            <a:p>
-              <a:pPr marL="457200" algn="ctr">
-                <a:lnSpc>
-                  <a:spcPct val="100000"/>
-                </a:lnSpc>
-                <a:buNone/>
-                <a:tabLst>
-                  <a:tab algn="l" pos="0"/>
-                </a:tabLst>
-              </a:pPr>
-              <a:r>
-                <a:rPr b="0" lang="en-US" sz="5400" spc="-1" strike="noStrike">
-                  <a:solidFill>
-                    <a:srgbClr val="ffffff"/>
-                  </a:solidFill>
-                  <a:latin typeface="Calibri"/>
-                  <a:ea typeface="Arial"/>
-                </a:rPr>
-                <a:t>Scope of Project</a:t>
-              </a:r>
-              <a:endParaRPr b="0" lang="en-US" sz="5400" spc="-1" strike="noStrike">
-                <a:latin typeface="Arial"/>
-              </a:endParaRPr>
-            </a:p>
-            <a:p>
-              <a:pPr marL="457200" algn="ctr">
-                <a:lnSpc>
-                  <a:spcPct val="100000"/>
-                </a:lnSpc>
-                <a:buNone/>
-                <a:tabLst>
-                  <a:tab algn="l" pos="0"/>
-                </a:tabLst>
-              </a:pPr>
-              <a:endParaRPr b="0" lang="en-US" sz="5400" spc="-1" strike="noStrike">
-                <a:latin typeface="Arial"/>
-              </a:endParaRPr>
-            </a:p>
-            <a:p>
-              <a:pPr marL="457200" algn="ctr">
-                <a:lnSpc>
-                  <a:spcPct val="100000"/>
-                </a:lnSpc>
-                <a:buNone/>
-                <a:tabLst>
-                  <a:tab algn="l" pos="0"/>
-                </a:tabLst>
-              </a:pPr>
-              <a:endParaRPr b="0" lang="en-US" sz="2000" spc="-1" strike="noStrike">
-                <a:latin typeface="Arial"/>
-              </a:endParaRPr>
-            </a:p>
-          </p:txBody>
-        </p:sp>
-        <p:sp>
-          <p:nvSpPr>
-            <p:cNvPr id="140" name="Google Shape;197;p18"/>
-            <p:cNvSpPr/>
-            <p:nvPr/>
-          </p:nvSpPr>
-          <p:spPr>
-            <a:xfrm>
-              <a:off x="14190840" y="774720"/>
-              <a:ext cx="853560" cy="827280"/>
-            </a:xfrm>
-            <a:custGeom>
-              <a:avLst/>
-              <a:gdLst/>
-              <a:ahLst/>
-              <a:rect l="l" t="t" r="r" b="b"/>
-              <a:pathLst>
-                <a:path w="439420" h="439420">
-                  <a:moveTo>
-                    <a:pt x="219595" y="0"/>
-                  </a:moveTo>
-                  <a:lnTo>
-                    <a:pt x="175337" y="4461"/>
-                  </a:lnTo>
-                  <a:lnTo>
-                    <a:pt x="134116" y="17257"/>
-                  </a:lnTo>
-                  <a:lnTo>
-                    <a:pt x="96815" y="37505"/>
-                  </a:lnTo>
-                  <a:lnTo>
-                    <a:pt x="64315" y="64320"/>
-                  </a:lnTo>
-                  <a:lnTo>
-                    <a:pt x="37502" y="96820"/>
-                  </a:lnTo>
-                  <a:lnTo>
-                    <a:pt x="17256" y="134122"/>
-                  </a:lnTo>
-                  <a:lnTo>
-                    <a:pt x="4461" y="175341"/>
-                  </a:lnTo>
-                  <a:lnTo>
-                    <a:pt x="0" y="219595"/>
-                  </a:lnTo>
-                  <a:lnTo>
-                    <a:pt x="4461" y="263854"/>
-                  </a:lnTo>
-                  <a:lnTo>
-                    <a:pt x="17256" y="305076"/>
-                  </a:lnTo>
-                  <a:lnTo>
-                    <a:pt x="37502" y="342380"/>
-                  </a:lnTo>
-                  <a:lnTo>
-                    <a:pt x="64315" y="374881"/>
-                  </a:lnTo>
-                  <a:lnTo>
-                    <a:pt x="96815" y="401698"/>
-                  </a:lnTo>
-                  <a:lnTo>
-                    <a:pt x="134116" y="421945"/>
-                  </a:lnTo>
-                  <a:lnTo>
-                    <a:pt x="175337" y="434742"/>
-                  </a:lnTo>
-                  <a:lnTo>
-                    <a:pt x="219595" y="439204"/>
-                  </a:lnTo>
-                  <a:lnTo>
-                    <a:pt x="263854" y="434742"/>
-                  </a:lnTo>
-                  <a:lnTo>
-                    <a:pt x="305076" y="421945"/>
-                  </a:lnTo>
-                  <a:lnTo>
-                    <a:pt x="342380" y="401698"/>
-                  </a:lnTo>
-                  <a:lnTo>
-                    <a:pt x="374881" y="374881"/>
-                  </a:lnTo>
-                  <a:lnTo>
-                    <a:pt x="401698" y="342380"/>
-                  </a:lnTo>
-                  <a:lnTo>
-                    <a:pt x="421945" y="305076"/>
-                  </a:lnTo>
-                  <a:lnTo>
-                    <a:pt x="434742" y="263854"/>
-                  </a:lnTo>
-                  <a:lnTo>
-                    <a:pt x="439204" y="219595"/>
-                  </a:lnTo>
-                  <a:lnTo>
-                    <a:pt x="434742" y="175341"/>
-                  </a:lnTo>
-                  <a:lnTo>
-                    <a:pt x="421945" y="134122"/>
-                  </a:lnTo>
-                  <a:lnTo>
-                    <a:pt x="401698" y="96820"/>
-                  </a:lnTo>
-                  <a:lnTo>
-                    <a:pt x="374881" y="64320"/>
-                  </a:lnTo>
-                  <a:lnTo>
-                    <a:pt x="342380" y="37505"/>
-                  </a:lnTo>
-                  <a:lnTo>
-                    <a:pt x="305076" y="17257"/>
-                  </a:lnTo>
-                  <a:lnTo>
-                    <a:pt x="263854" y="4461"/>
-                  </a:lnTo>
-                  <a:lnTo>
-                    <a:pt x="219595" y="0"/>
-                  </a:lnTo>
-                  <a:close/>
-                </a:path>
-              </a:pathLst>
-            </a:custGeom>
-            <a:solidFill>
-              <a:srgbClr val="0073ac"/>
-            </a:solidFill>
-            <a:ln w="0">
-              <a:noFill/>
-            </a:ln>
-            <a:effectLst>
-              <a:outerShdw algn="ctr" blurRad="44280" dir="5400000" dist="28080">
-                <a:srgbClr val="000000">
-                  <a:alpha val="32000"/>
-                </a:srgbClr>
-              </a:outerShdw>
-            </a:effectLst>
-          </p:spPr>
-          <p:style>
-            <a:lnRef idx="0"/>
-            <a:fillRef idx="0"/>
-            <a:effectRef idx="0"/>
-            <a:fontRef idx="minor"/>
-          </p:style>
-        </p:sp>
-      </p:grpSp>
-      <p:sp>
-        <p:nvSpPr>
-          <p:cNvPr id="141" name="Google Shape;198;p18"/>
-          <p:cNvSpPr/>
-          <p:nvPr/>
-        </p:nvSpPr>
-        <p:spPr>
-          <a:xfrm>
-            <a:off x="1275840" y="2775960"/>
-            <a:ext cx="13768920" cy="2832840"/>
-          </a:xfrm>
-          <a:prstGeom prst="rect">
-            <a:avLst/>
-          </a:prstGeom>
-          <a:noFill/>
-          <a:ln w="0">
-            <a:noFill/>
-          </a:ln>
-        </p:spPr>
-        <p:style>
-          <a:lnRef idx="0"/>
-          <a:fillRef idx="0"/>
-          <a:effectRef idx="0"/>
-          <a:fontRef idx="minor"/>
-        </p:style>
-        <p:txBody>
-          <a:bodyPr lIns="90000" rIns="90000" tIns="45000" bIns="45000" anchor="t">
-            <a:spAutoFit/>
-          </a:bodyPr>
-          <a:p>
-            <a:pPr>
-              <a:lnSpc>
-                <a:spcPct val="100000"/>
-              </a:lnSpc>
-              <a:buNone/>
-            </a:pPr>
-            <a:r>
-              <a:rPr b="0" lang="en-US" sz="3600" spc="-1" strike="noStrike">
-                <a:solidFill>
-                  <a:srgbClr val="000000"/>
-                </a:solidFill>
-                <a:latin typeface="Arial"/>
-                <a:ea typeface="Arial"/>
-              </a:rPr>
-              <a:t>This land cover classifier could be used by nature conservancies to monitor deforestation/land development using satellite images to observe if land starts changing from one class (forest, vegetation,etc) to another class (industrial, crop, etc).</a:t>
-            </a:r>
-            <a:endParaRPr b="0" lang="en-US" sz="3600" spc="-1" strike="noStrike">
-              <a:latin typeface="Arial"/>
-            </a:endParaRPr>
-          </a:p>
-          <a:p>
-            <a:pPr>
-              <a:lnSpc>
-                <a:spcPct val="100000"/>
-              </a:lnSpc>
-              <a:buNone/>
-            </a:pPr>
-            <a:endParaRPr b="0" lang="en-US" sz="3600" spc="-1" strike="noStrike">
-              <a:latin typeface="Arial"/>
-            </a:endParaRPr>
-          </a:p>
-        </p:txBody>
-      </p:sp>
-      <p:pic>
-        <p:nvPicPr>
-          <p:cNvPr id="142" name="Picture 2" descr=""/>
-          <p:cNvPicPr/>
-          <p:nvPr/>
-        </p:nvPicPr>
-        <p:blipFill>
-          <a:blip r:embed="rId1"/>
-          <a:stretch/>
-        </p:blipFill>
-        <p:spPr>
-          <a:xfrm>
-            <a:off x="15168240" y="2775960"/>
-            <a:ext cx="2534400" cy="3379320"/>
-          </a:xfrm>
-          <a:prstGeom prst="rect">
-            <a:avLst/>
-          </a:prstGeom>
-          <a:ln w="0">
-            <a:noFill/>
-          </a:ln>
-        </p:spPr>
-      </p:pic>
-      <p:sp>
-        <p:nvSpPr>
-          <p:cNvPr id="143" name="Google Shape;156;p16"/>
-          <p:cNvSpPr/>
-          <p:nvPr/>
-        </p:nvSpPr>
-        <p:spPr>
-          <a:xfrm>
-            <a:off x="666000" y="9771480"/>
-            <a:ext cx="11277000" cy="577080"/>
-          </a:xfrm>
-          <a:prstGeom prst="rect">
-            <a:avLst/>
-          </a:prstGeom>
-          <a:noFill/>
-          <a:ln w="0">
-            <a:noFill/>
-          </a:ln>
-        </p:spPr>
-        <p:style>
-          <a:lnRef idx="0"/>
-          <a:fillRef idx="0"/>
-          <a:effectRef idx="0"/>
-          <a:fontRef idx="minor"/>
-        </p:style>
-        <p:txBody>
-          <a:bodyPr lIns="90000" rIns="90000" tIns="45000" bIns="45000" anchor="t">
-            <a:spAutoFit/>
-          </a:bodyPr>
-          <a:p>
-            <a:pPr marL="457200" algn="ctr">
-              <a:lnSpc>
-                <a:spcPct val="100000"/>
-              </a:lnSpc>
-              <a:buNone/>
-            </a:pPr>
-            <a:r>
-              <a:rPr b="1" lang="en-US" sz="3200" spc="-1" strike="noStrike">
-                <a:solidFill>
-                  <a:srgbClr val="0d0d0d"/>
-                </a:solidFill>
-                <a:latin typeface="Calibri"/>
-                <a:ea typeface="Calibri"/>
-              </a:rPr>
-              <a:t>Land Cover Classifier</a:t>
-            </a:r>
-            <a:endParaRPr b="0" lang="en-US" sz="3200" spc="-1" strike="noStrike">
-              <a:latin typeface="Arial"/>
-            </a:endParaRPr>
-          </a:p>
-        </p:txBody>
-      </p:sp>
-    </p:spTree>
-  </p:cSld>
-  <mc:AlternateContent>
-    <mc:Choice Requires="p14">
-      <p:transition spd="slow" p14:dur="2000"/>
-    </mc:Choice>
-    <mc:Fallback>
-      <p:transition spd="slow"/>
-    </mc:Fallback>
-  </mc:AlternateContent>
-</p:sld>
-</file>
-
-<file path=ppt/slides/slide5.xml><?xml version="1.0" encoding="utf-8"?>
-<p:sld xmlns:a="http://schemas.openxmlformats.org/drawingml/2006/main" xmlns:p="http://schemas.openxmlformats.org/presentationml/2006/main" xmlns:r="http://schemas.openxmlformats.org/officeDocument/2006/relationships" xmlns:p14="http://schemas.microsoft.com/office/powerpoint/2010/main" xmlns:p15="http://schemas.microsoft.com/office/powerpoint/2012/main" xmlns:mc="http://schemas.openxmlformats.org/markup-compatibility/2006">
-  <p:cSld>
-    <p:spTree>
-      <p:nvGrpSpPr>
-        <p:cNvPr id="1" name=""/>
-        <p:cNvGrpSpPr/>
-        <p:nvPr/>
-      </p:nvGrpSpPr>
-      <p:grpSpPr>
-        <a:xfrm>
-          <a:off x="0" y="0"/>
-          <a:ext cx="0" cy="0"/>
-          <a:chOff x="0" y="0"/>
-          <a:chExt cx="0" cy="0"/>
-        </a:xfrm>
-      </p:grpSpPr>
-      <p:sp>
-        <p:nvSpPr>
-          <p:cNvPr id="144" name="PlaceHolder 1"/>
-          <p:cNvSpPr>
-            <a:spLocks noGrp="1"/>
-          </p:cNvSpPr>
-          <p:nvPr>
-            <p:ph type="sldNum" idx="14"/>
-          </p:nvPr>
-        </p:nvSpPr>
-        <p:spPr>
-          <a:xfrm>
-            <a:off x="13426200" y="9911160"/>
-            <a:ext cx="4276440" cy="568440"/>
-          </a:xfrm>
-          <a:prstGeom prst="rect">
-            <a:avLst/>
-          </a:prstGeom>
-          <a:noFill/>
-          <a:ln w="0">
-            <a:noFill/>
-          </a:ln>
-        </p:spPr>
-        <p:txBody>
-          <a:bodyPr lIns="90000" rIns="90000" tIns="45000" bIns="45000" anchor="ctr">
-            <a:noAutofit/>
-          </a:bodyPr>
-          <a:lstStyle>
-            <a:lvl1pPr algn="r">
-              <a:lnSpc>
-                <a:spcPct val="100000"/>
-              </a:lnSpc>
-              <a:buNone/>
-              <a:tabLst>
-                <a:tab algn="l" pos="0"/>
-              </a:tabLst>
-              <a:defRPr b="0" lang="en-US" sz="3200" spc="-1" strike="noStrike">
-                <a:solidFill>
-                  <a:srgbClr val="ffffff"/>
-                </a:solidFill>
-                <a:latin typeface="Calibri"/>
-                <a:ea typeface="Calibri"/>
-              </a:defRPr>
-            </a:lvl1pPr>
-          </a:lstStyle>
-          <a:p>
-            <a:pPr algn="r">
-              <a:lnSpc>
-                <a:spcPct val="100000"/>
-              </a:lnSpc>
-              <a:buNone/>
-              <a:tabLst>
-                <a:tab algn="l" pos="0"/>
-              </a:tabLst>
-            </a:pPr>
-            <a:fld id="{1D738B20-42D9-4D9E-A60C-C88D6C8E28B4}" type="slidenum">
-              <a:rPr b="0" lang="en-US" sz="3200" spc="-1" strike="noStrike">
-                <a:solidFill>
-                  <a:srgbClr val="ffffff"/>
-                </a:solidFill>
-                <a:latin typeface="Calibri"/>
-                <a:ea typeface="Calibri"/>
-              </a:rPr>
-              <a:t>3</a:t>
-            </a:fld>
-            <a:endParaRPr b="0" lang="en-US" sz="3200" spc="-1" strike="noStrike">
-              <a:latin typeface="Times New Roman"/>
-            </a:endParaRPr>
-          </a:p>
-        </p:txBody>
-      </p:sp>
-      <p:grpSp>
-        <p:nvGrpSpPr>
-          <p:cNvPr id="145" name="Google Shape;187;p18"/>
-          <p:cNvGrpSpPr/>
-          <p:nvPr/>
-        </p:nvGrpSpPr>
-        <p:grpSpPr>
-          <a:xfrm>
-            <a:off x="0" y="9568440"/>
-            <a:ext cx="19009800" cy="1111320"/>
-            <a:chOff x="0" y="9568440"/>
-            <a:chExt cx="19009800" cy="1111320"/>
-          </a:xfrm>
-        </p:grpSpPr>
-        <p:grpSp>
-          <p:nvGrpSpPr>
-            <p:cNvPr id="146" name="Google Shape;188;p18"/>
-            <p:cNvGrpSpPr/>
-            <p:nvPr/>
-          </p:nvGrpSpPr>
-          <p:grpSpPr>
-            <a:xfrm>
-              <a:off x="0" y="9568440"/>
-              <a:ext cx="19009800" cy="1111320"/>
-              <a:chOff x="0" y="9568440"/>
-              <a:chExt cx="19009800" cy="1111320"/>
-            </a:xfrm>
-          </p:grpSpPr>
-          <p:sp>
-            <p:nvSpPr>
-              <p:cNvPr id="147" name="Google Shape;189;p18"/>
-              <p:cNvSpPr/>
-              <p:nvPr/>
-            </p:nvSpPr>
-            <p:spPr>
-              <a:xfrm>
-                <a:off x="0" y="9568440"/>
-                <a:ext cx="15067080" cy="1111320"/>
-              </a:xfrm>
-              <a:custGeom>
-                <a:avLst/>
-                <a:gdLst/>
-                <a:ahLst/>
-                <a:rect l="l" t="t" r="r" b="b"/>
-                <a:pathLst>
-                  <a:path w="1892300" h="440055">
-                    <a:moveTo>
-                      <a:pt x="0" y="439737"/>
-                    </a:moveTo>
-                    <a:lnTo>
-                      <a:pt x="1892300" y="439737"/>
-                    </a:lnTo>
-                    <a:lnTo>
-                      <a:pt x="1892300" y="0"/>
-                    </a:lnTo>
-                    <a:lnTo>
-                      <a:pt x="0" y="0"/>
-                    </a:lnTo>
-                    <a:lnTo>
-                      <a:pt x="0" y="439737"/>
-                    </a:lnTo>
-                    <a:close/>
-                  </a:path>
-                </a:pathLst>
-              </a:custGeom>
-              <a:solidFill>
-                <a:srgbClr val="fff2cc"/>
-              </a:solidFill>
-              <a:ln w="0">
-                <a:noFill/>
-              </a:ln>
-              <a:effectLst>
-                <a:outerShdw algn="ctr" blurRad="44280" dir="5400000" dist="28080">
-                  <a:srgbClr val="000000">
-                    <a:alpha val="32000"/>
-                  </a:srgbClr>
-                </a:outerShdw>
-              </a:effectLst>
-            </p:spPr>
-            <p:style>
-              <a:lnRef idx="0"/>
-              <a:fillRef idx="0"/>
-              <a:effectRef idx="0"/>
-              <a:fontRef idx="minor"/>
-            </p:style>
-          </p:sp>
-          <p:sp>
-            <p:nvSpPr>
-              <p:cNvPr id="148" name="Google Shape;190;p18"/>
-              <p:cNvSpPr/>
-              <p:nvPr/>
-            </p:nvSpPr>
-            <p:spPr>
-              <a:xfrm>
-                <a:off x="17887320" y="9568440"/>
-                <a:ext cx="1122480" cy="1111320"/>
-              </a:xfrm>
-              <a:custGeom>
-                <a:avLst/>
-                <a:gdLst/>
-                <a:ahLst/>
-                <a:rect l="l" t="t" r="r" b="b"/>
-                <a:pathLst>
-                  <a:path w="1883409" h="440055">
-                    <a:moveTo>
-                      <a:pt x="0" y="0"/>
-                    </a:moveTo>
-                    <a:lnTo>
-                      <a:pt x="0" y="439737"/>
-                    </a:lnTo>
-                    <a:lnTo>
-                      <a:pt x="1883155" y="439737"/>
-                    </a:lnTo>
-                    <a:lnTo>
-                      <a:pt x="1883155" y="0"/>
-                    </a:lnTo>
-                    <a:lnTo>
-                      <a:pt x="0" y="0"/>
-                    </a:lnTo>
-                    <a:close/>
-                  </a:path>
-                </a:pathLst>
-              </a:custGeom>
-              <a:solidFill>
-                <a:srgbClr val="ff8200"/>
-              </a:solidFill>
-              <a:ln w="0">
-                <a:noFill/>
-              </a:ln>
-              <a:effectLst>
-                <a:outerShdw algn="ctr" blurRad="44280" dir="5400000" dist="28080">
-                  <a:srgbClr val="000000">
-                    <a:alpha val="32000"/>
-                  </a:srgbClr>
-                </a:outerShdw>
-              </a:effectLst>
-            </p:spPr>
-            <p:style>
-              <a:lnRef idx="0"/>
-              <a:fillRef idx="0"/>
-              <a:effectRef idx="0"/>
-              <a:fontRef idx="minor"/>
-            </p:style>
-          </p:sp>
-        </p:grpSp>
-        <p:sp>
-          <p:nvSpPr>
-            <p:cNvPr id="149" name="Google Shape;191;p18"/>
-            <p:cNvSpPr/>
-            <p:nvPr/>
-          </p:nvSpPr>
-          <p:spPr>
-            <a:xfrm>
-              <a:off x="15067800" y="9568440"/>
-              <a:ext cx="2818800" cy="1111320"/>
-            </a:xfrm>
-            <a:custGeom>
-              <a:avLst/>
-              <a:gdLst/>
-              <a:ahLst/>
-              <a:rect l="l" t="t" r="r" b="b"/>
-              <a:pathLst>
-                <a:path w="1883409" h="440055">
-                  <a:moveTo>
-                    <a:pt x="0" y="0"/>
-                  </a:moveTo>
-                  <a:lnTo>
-                    <a:pt x="0" y="439737"/>
-                  </a:lnTo>
-                  <a:lnTo>
-                    <a:pt x="1883155" y="439737"/>
-                  </a:lnTo>
-                  <a:lnTo>
-                    <a:pt x="1883155" y="0"/>
-                  </a:lnTo>
-                  <a:lnTo>
-                    <a:pt x="0" y="0"/>
-                  </a:lnTo>
-                  <a:close/>
-                </a:path>
-              </a:pathLst>
-            </a:custGeom>
-            <a:solidFill>
-              <a:srgbClr val="fee599"/>
-            </a:solidFill>
-            <a:ln w="0">
-              <a:noFill/>
-            </a:ln>
-            <a:effectLst>
-              <a:outerShdw algn="ctr" blurRad="44280" dir="5400000" dist="28080">
-                <a:srgbClr val="000000">
-                  <a:alpha val="32000"/>
-                </a:srgbClr>
-              </a:outerShdw>
-            </a:effectLst>
-          </p:spPr>
-          <p:style>
-            <a:lnRef idx="0"/>
-            <a:fillRef idx="0"/>
-            <a:effectRef idx="0"/>
-            <a:fontRef idx="minor"/>
-          </p:style>
-        </p:sp>
-      </p:grpSp>
-      <p:sp>
-        <p:nvSpPr>
-          <p:cNvPr id="150" name="Google Shape;193;p18"/>
-          <p:cNvSpPr/>
-          <p:nvPr/>
-        </p:nvSpPr>
-        <p:spPr>
-          <a:xfrm>
-            <a:off x="15486840" y="9929160"/>
-            <a:ext cx="2241720" cy="942840"/>
-          </a:xfrm>
-          <a:prstGeom prst="rect">
-            <a:avLst/>
-          </a:prstGeom>
-          <a:noFill/>
-          <a:ln w="0">
-            <a:noFill/>
-          </a:ln>
-        </p:spPr>
-        <p:style>
-          <a:lnRef idx="0"/>
-          <a:fillRef idx="0"/>
-          <a:effectRef idx="0"/>
-          <a:fontRef idx="minor"/>
-        </p:style>
-        <p:txBody>
-          <a:bodyPr lIns="90000" rIns="90000" tIns="45000" bIns="45000" anchor="t">
-            <a:spAutoFit/>
-          </a:bodyPr>
-          <a:p>
-            <a:pPr>
-              <a:lnSpc>
-                <a:spcPct val="100000"/>
-              </a:lnSpc>
-              <a:buNone/>
-            </a:pPr>
-            <a:r>
-              <a:rPr b="0" lang="en-US" sz="2800" spc="-1" strike="noStrike">
-                <a:solidFill>
-                  <a:srgbClr val="000000"/>
-                </a:solidFill>
-                <a:latin typeface="Times New Roman"/>
-                <a:ea typeface="Times New Roman"/>
-              </a:rPr>
-              <a:t>Nov-2024</a:t>
-            </a:r>
-            <a:endParaRPr b="0" lang="en-US" sz="2800" spc="-1" strike="noStrike">
-              <a:latin typeface="Arial"/>
-            </a:endParaRPr>
-          </a:p>
-          <a:p>
-            <a:pPr>
-              <a:lnSpc>
-                <a:spcPct val="100000"/>
-              </a:lnSpc>
-              <a:buNone/>
-              <a:tabLst>
-                <a:tab algn="l" pos="0"/>
-              </a:tabLst>
-            </a:pPr>
-            <a:endParaRPr b="0" lang="en-US" sz="2800" spc="-1" strike="noStrike">
-              <a:latin typeface="Arial"/>
-            </a:endParaRPr>
-          </a:p>
-        </p:txBody>
-      </p:sp>
-      <p:sp>
-        <p:nvSpPr>
-          <p:cNvPr id="151" name="Google Shape;194;p18"/>
-          <p:cNvSpPr/>
-          <p:nvPr/>
-        </p:nvSpPr>
-        <p:spPr>
-          <a:xfrm>
-            <a:off x="18115920" y="9911160"/>
-            <a:ext cx="574200" cy="387720"/>
-          </a:xfrm>
-          <a:prstGeom prst="rect">
-            <a:avLst/>
-          </a:prstGeom>
-          <a:noFill/>
-          <a:ln w="0">
-            <a:noFill/>
-          </a:ln>
-        </p:spPr>
-        <p:style>
-          <a:lnRef idx="0"/>
-          <a:fillRef idx="0"/>
-          <a:effectRef idx="0"/>
-          <a:fontRef idx="minor"/>
-        </p:style>
-        <p:txBody>
-          <a:bodyPr lIns="90000" rIns="90000" tIns="45000" bIns="45000" anchor="ctr">
-            <a:noAutofit/>
-          </a:bodyPr>
-          <a:p>
-            <a:pPr algn="r">
-              <a:lnSpc>
-                <a:spcPct val="100000"/>
-              </a:lnSpc>
-              <a:buNone/>
-              <a:tabLst>
-                <a:tab algn="l" pos="0"/>
-              </a:tabLst>
-            </a:pPr>
-            <a:fld id="{5154B7EF-B23E-4DD1-A083-25963DEB86F0}" type="slidenum">
-              <a:rPr b="0" lang="en-US" sz="3200" spc="-1" strike="noStrike">
-                <a:solidFill>
-                  <a:srgbClr val="ffffff"/>
-                </a:solidFill>
-                <a:latin typeface="Calibri"/>
-                <a:ea typeface="Calibri"/>
-              </a:rPr>
-              <a:t>3</a:t>
-            </a:fld>
-            <a:endParaRPr b="0" lang="en-US" sz="3200" spc="-1" strike="noStrike">
-              <a:latin typeface="Arial"/>
-            </a:endParaRPr>
-          </a:p>
-        </p:txBody>
-      </p:sp>
-      <p:grpSp>
-        <p:nvGrpSpPr>
-          <p:cNvPr id="152" name="Google Shape;195;p18"/>
-          <p:cNvGrpSpPr/>
-          <p:nvPr/>
-        </p:nvGrpSpPr>
-        <p:grpSpPr>
-          <a:xfrm>
-            <a:off x="-26280" y="774720"/>
-            <a:ext cx="15070680" cy="827280"/>
-            <a:chOff x="-26280" y="774720"/>
-            <a:chExt cx="15070680" cy="827280"/>
-          </a:xfrm>
-        </p:grpSpPr>
-        <p:sp>
-          <p:nvSpPr>
-            <p:cNvPr id="153" name="Google Shape;196;p18"/>
-            <p:cNvSpPr/>
-            <p:nvPr/>
-          </p:nvSpPr>
-          <p:spPr>
-            <a:xfrm>
-              <a:off x="-26280" y="774720"/>
-              <a:ext cx="14615280" cy="827280"/>
+              <a:ext cx="14613480" cy="825480"/>
             </a:xfrm>
             <a:custGeom>
               <a:avLst/>
@@ -10074,14 +11276,14 @@
         </p:sp>
         <p:sp>
           <p:nvSpPr>
-            <p:cNvPr id="154" name="Google Shape;197;p18"/>
+            <p:cNvPr id="140" name="Google Shape;197;p18"/>
             <p:cNvSpPr/>
             <p:nvPr/>
           </p:nvSpPr>
           <p:spPr>
             <a:xfrm>
               <a:off x="14190840" y="774720"/>
-              <a:ext cx="853560" cy="827280"/>
+              <a:ext cx="851760" cy="825480"/>
             </a:xfrm>
             <a:custGeom>
               <a:avLst/>
@@ -10217,7 +11419,7 @@
       </p:grpSp>
       <p:pic>
         <p:nvPicPr>
-          <p:cNvPr id="155" name="Picture 16" descr=""/>
+          <p:cNvPr id="141" name="Picture 16" descr=""/>
           <p:cNvPicPr/>
           <p:nvPr/>
         </p:nvPicPr>
@@ -10228,7 +11430,7 @@
         <p:spPr>
           <a:xfrm>
             <a:off x="15936840" y="0"/>
-            <a:ext cx="3072960" cy="3323880"/>
+            <a:ext cx="3071160" cy="3322080"/>
           </a:xfrm>
           <a:prstGeom prst="rect">
             <a:avLst/>
@@ -10240,14 +11442,14 @@
       </p:pic>
       <p:sp>
         <p:nvSpPr>
-          <p:cNvPr id="156" name="Google Shape;156;p16"/>
+          <p:cNvPr id="142" name="Google Shape;156;p16"/>
           <p:cNvSpPr/>
           <p:nvPr/>
         </p:nvSpPr>
         <p:spPr>
           <a:xfrm>
             <a:off x="666000" y="9771480"/>
-            <a:ext cx="11277000" cy="790200"/>
+            <a:ext cx="11275200" cy="790200"/>
           </a:xfrm>
           <a:prstGeom prst="rect">
             <a:avLst/>
@@ -10306,14 +11508,14 @@
       </p:sp>
       <p:sp>
         <p:nvSpPr>
-          <p:cNvPr id="157" name="Rectangle: Diagonal Corners Rounded 1"/>
+          <p:cNvPr id="143" name="Rectangle: Diagonal Corners Rounded 1"/>
           <p:cNvSpPr/>
           <p:nvPr/>
         </p:nvSpPr>
         <p:spPr>
           <a:xfrm>
             <a:off x="2019600" y="2813040"/>
-            <a:ext cx="12784320" cy="1463760"/>
+            <a:ext cx="12782520" cy="1461960"/>
           </a:xfrm>
           <a:prstGeom prst="round2DiagRect">
             <a:avLst>
@@ -10367,7 +11569,7 @@
                 <a:latin typeface="Arial"/>
                 <a:ea typeface="Arial"/>
               </a:rPr>
-              <a:t>Monitoring Deforestation</a:t>
+              <a:t>Monitoring Land Cover Changes</a:t>
             </a:r>
             <a:endParaRPr b="0" lang="en-US" sz="3200" spc="-1" strike="noStrike">
               <a:latin typeface="Arial"/>
@@ -10377,14 +11579,14 @@
       </p:sp>
       <p:sp>
         <p:nvSpPr>
-          <p:cNvPr id="158" name="Rectangle: Diagonal Corners Rounded 17"/>
+          <p:cNvPr id="144" name="Rectangle: Diagonal Corners Rounded 17"/>
           <p:cNvSpPr/>
           <p:nvPr/>
         </p:nvSpPr>
         <p:spPr>
           <a:xfrm>
             <a:off x="1918080" y="5171400"/>
-            <a:ext cx="12940920" cy="2372400"/>
+            <a:ext cx="12939120" cy="2370600"/>
           </a:xfrm>
           <a:prstGeom prst="round2DiagRect">
             <a:avLst>
@@ -10438,7 +11640,7 @@
                 <a:latin typeface="Times New Roman"/>
                 <a:ea typeface="Arial"/>
               </a:rPr>
-              <a:t>In order to help them find where to focus their efforts, we want to build Land Cover Classifier so that authorities can monitor deforestation using satellite images to observe if land starts changing from forest or vegetation to another class.</a:t>
+              <a:t>In order to help the relevant authorities find where to focus their efforts, we want to build Land Cover Classifier so that they can monitor deforestation using satellite images to observe if land starts changing from forest or vegetation to another class.</a:t>
             </a:r>
             <a:endParaRPr b="0" lang="en-US" sz="3200" spc="-1" strike="noStrike">
               <a:latin typeface="Arial"/>
@@ -10459,7 +11661,7 @@
 </p:sld>
 </file>
 
-<file path=ppt/slides/slide6.xml><?xml version="1.0" encoding="utf-8"?>
+<file path=ppt/slides/slide5.xml><?xml version="1.0" encoding="utf-8"?>
 <p:sld xmlns:a="http://schemas.openxmlformats.org/drawingml/2006/main" xmlns:p="http://schemas.openxmlformats.org/presentationml/2006/main" xmlns:r="http://schemas.openxmlformats.org/officeDocument/2006/relationships" xmlns:p14="http://schemas.microsoft.com/office/powerpoint/2010/main" xmlns:p15="http://schemas.microsoft.com/office/powerpoint/2012/main" xmlns:mc="http://schemas.openxmlformats.org/markup-compatibility/2006">
   <p:cSld>
     <p:spTree>
@@ -10478,18 +11680,18 @@
       </p:grpSpPr>
       <p:sp>
         <p:nvSpPr>
-          <p:cNvPr id="159" name="PlaceHolder 1"/>
-          <p:cNvSpPr>
-            <a:spLocks noGrp="1"/>
-          </p:cNvSpPr>
-          <p:nvPr>
-            <p:ph type="sldNum" idx="15"/>
+          <p:cNvPr id="145" name="PlaceHolder 1"/>
+          <p:cNvSpPr>
+            <a:spLocks noGrp="1"/>
+          </p:cNvSpPr>
+          <p:nvPr>
+            <p:ph type="sldNum" idx="14"/>
           </p:nvPr>
         </p:nvSpPr>
         <p:spPr>
           <a:xfrm>
             <a:off x="13426200" y="9911160"/>
-            <a:ext cx="4276440" cy="568440"/>
+            <a:ext cx="4274640" cy="566640"/>
           </a:xfrm>
           <a:prstGeom prst="rect">
             <a:avLst/>
@@ -10531,7 +11733,7 @@
                 <a:tab algn="l" pos="0"/>
               </a:tabLst>
             </a:pPr>
-            <a:fld id="{D0E4A8F4-D7F0-4D32-8D97-EE17E705EBD7}" type="slidenum">
+            <a:fld id="{98D738B9-A14D-4F3C-B88C-1CA3321FECA8}" type="slidenum">
               <a:rPr b="0" lang="en-US" sz="3200" spc="-1" strike="noStrike">
                 <a:solidFill>
                   <a:srgbClr val="ffffff"/>
@@ -10549,42 +11751,42 @@
       </p:sp>
       <p:grpSp>
         <p:nvGrpSpPr>
-          <p:cNvPr id="160" name="Google Shape;187;p18"/>
+          <p:cNvPr id="146" name="Google Shape;187;p18"/>
           <p:cNvGrpSpPr/>
           <p:nvPr/>
         </p:nvGrpSpPr>
         <p:grpSpPr>
           <a:xfrm>
             <a:off x="0" y="9568440"/>
-            <a:ext cx="19009800" cy="1111320"/>
+            <a:ext cx="19008000" cy="1109520"/>
             <a:chOff x="0" y="9568440"/>
-            <a:chExt cx="19009800" cy="1111320"/>
+            <a:chExt cx="19008000" cy="1109520"/>
           </a:xfrm>
         </p:grpSpPr>
         <p:grpSp>
           <p:nvGrpSpPr>
-            <p:cNvPr id="161" name="Google Shape;188;p18"/>
+            <p:cNvPr id="147" name="Google Shape;188;p18"/>
             <p:cNvGrpSpPr/>
             <p:nvPr/>
           </p:nvGrpSpPr>
           <p:grpSpPr>
             <a:xfrm>
               <a:off x="0" y="9568440"/>
-              <a:ext cx="19009800" cy="1111320"/>
+              <a:ext cx="19008000" cy="1109520"/>
               <a:chOff x="0" y="9568440"/>
-              <a:chExt cx="19009800" cy="1111320"/>
+              <a:chExt cx="19008000" cy="1109520"/>
             </a:xfrm>
           </p:grpSpPr>
           <p:sp>
             <p:nvSpPr>
-              <p:cNvPr id="162" name="Google Shape;189;p18"/>
+              <p:cNvPr id="148" name="Google Shape;189;p18"/>
               <p:cNvSpPr/>
               <p:nvPr/>
             </p:nvSpPr>
             <p:spPr>
               <a:xfrm>
                 <a:off x="0" y="9568440"/>
-                <a:ext cx="15067080" cy="1111320"/>
+                <a:ext cx="15065280" cy="1109520"/>
               </a:xfrm>
               <a:custGeom>
                 <a:avLst/>
@@ -10635,14 +11837,14 @@
           </p:sp>
           <p:sp>
             <p:nvSpPr>
-              <p:cNvPr id="163" name="Google Shape;190;p18"/>
+              <p:cNvPr id="149" name="Google Shape;190;p18"/>
               <p:cNvSpPr/>
               <p:nvPr/>
             </p:nvSpPr>
             <p:spPr>
               <a:xfrm>
                 <a:off x="17887320" y="9568440"/>
-                <a:ext cx="1122480" cy="1111320"/>
+                <a:ext cx="1120680" cy="1109520"/>
               </a:xfrm>
               <a:custGeom>
                 <a:avLst/>
@@ -10694,14 +11896,14 @@
         </p:grpSp>
         <p:sp>
           <p:nvSpPr>
-            <p:cNvPr id="164" name="Google Shape;191;p18"/>
+            <p:cNvPr id="150" name="Google Shape;191;p18"/>
             <p:cNvSpPr/>
             <p:nvPr/>
           </p:nvSpPr>
           <p:spPr>
             <a:xfrm>
               <a:off x="15067800" y="9568440"/>
-              <a:ext cx="2818800" cy="1111320"/>
+              <a:ext cx="2817000" cy="1109520"/>
             </a:xfrm>
             <a:custGeom>
               <a:avLst/>
@@ -10753,14 +11955,14 @@
       </p:grpSp>
       <p:sp>
         <p:nvSpPr>
-          <p:cNvPr id="165" name="Google Shape;193;p18"/>
+          <p:cNvPr id="151" name="Google Shape;193;p18"/>
           <p:cNvSpPr/>
           <p:nvPr/>
         </p:nvSpPr>
         <p:spPr>
           <a:xfrm>
             <a:off x="15486840" y="9929160"/>
-            <a:ext cx="2241720" cy="516240"/>
+            <a:ext cx="2239920" cy="516240"/>
           </a:xfrm>
           <a:prstGeom prst="rect">
             <a:avLst/>
@@ -10805,14 +12007,14 @@
       </p:sp>
       <p:sp>
         <p:nvSpPr>
-          <p:cNvPr id="166" name="Google Shape;194;p18"/>
+          <p:cNvPr id="152" name="Google Shape;194;p18"/>
           <p:cNvSpPr/>
           <p:nvPr/>
         </p:nvSpPr>
         <p:spPr>
           <a:xfrm>
             <a:off x="18115920" y="9911160"/>
-            <a:ext cx="574200" cy="387720"/>
+            <a:ext cx="572400" cy="385920"/>
           </a:xfrm>
           <a:prstGeom prst="rect">
             <a:avLst/>
@@ -10842,7 +12044,7 @@
                 <a:tab algn="l" pos="0"/>
               </a:tabLst>
             </a:pPr>
-            <a:fld id="{06569380-C82D-43C2-A457-8CEA3353CBCB}" type="slidenum">
+            <a:fld id="{35643A67-8305-4E93-88E8-E90DF96BB355}" type="slidenum">
               <a:rPr b="0" lang="en-US" sz="3200" spc="-1" strike="noStrike">
                 <a:solidFill>
                   <a:srgbClr val="ffffff"/>
@@ -10850,7 +12052,7 @@
                 <a:latin typeface="Calibri"/>
                 <a:ea typeface="Calibri"/>
               </a:rPr>
-              <a:t>3</a:t>
+              <a:t>&lt;number&gt;</a:t>
             </a:fld>
             <a:endParaRPr b="0" lang="en-US" sz="3200" spc="-1" strike="noStrike">
               <a:latin typeface="Arial"/>
@@ -10860,28 +12062,28 @@
       </p:sp>
       <p:grpSp>
         <p:nvGrpSpPr>
-          <p:cNvPr id="167" name="Google Shape;195;p18"/>
+          <p:cNvPr id="153" name="Google Shape;195;p18"/>
           <p:cNvGrpSpPr/>
           <p:nvPr/>
         </p:nvGrpSpPr>
         <p:grpSpPr>
           <a:xfrm>
             <a:off x="-26280" y="774720"/>
-            <a:ext cx="15070680" cy="827280"/>
+            <a:ext cx="15068880" cy="825480"/>
             <a:chOff x="-26280" y="774720"/>
-            <a:chExt cx="15070680" cy="827280"/>
+            <a:chExt cx="15068880" cy="825480"/>
           </a:xfrm>
         </p:grpSpPr>
         <p:sp>
           <p:nvSpPr>
-            <p:cNvPr id="168" name="Google Shape;196;p18"/>
+            <p:cNvPr id="154" name="Google Shape;196;p18"/>
             <p:cNvSpPr/>
             <p:nvPr/>
           </p:nvSpPr>
           <p:spPr>
             <a:xfrm>
               <a:off x="-26280" y="774720"/>
-              <a:ext cx="14615280" cy="827280"/>
+              <a:ext cx="14613480" cy="825480"/>
             </a:xfrm>
             <a:custGeom>
               <a:avLst/>
@@ -10989,14 +12191,14 @@
         </p:sp>
         <p:sp>
           <p:nvSpPr>
-            <p:cNvPr id="169" name="Google Shape;197;p18"/>
+            <p:cNvPr id="155" name="Google Shape;197;p18"/>
             <p:cNvSpPr/>
             <p:nvPr/>
           </p:nvSpPr>
           <p:spPr>
             <a:xfrm>
               <a:off x="14190840" y="774720"/>
-              <a:ext cx="853560" cy="827280"/>
+              <a:ext cx="851760" cy="825480"/>
             </a:xfrm>
             <a:custGeom>
               <a:avLst/>
@@ -11132,14 +12334,14 @@
       </p:grpSp>
       <p:sp>
         <p:nvSpPr>
-          <p:cNvPr id="170" name="Google Shape;198;p18"/>
+          <p:cNvPr id="156" name="Google Shape;198;p18"/>
           <p:cNvSpPr/>
           <p:nvPr/>
         </p:nvSpPr>
         <p:spPr>
           <a:xfrm>
             <a:off x="1275840" y="3324600"/>
-            <a:ext cx="13768920" cy="1735560"/>
+            <a:ext cx="13767120" cy="1735560"/>
           </a:xfrm>
           <a:prstGeom prst="rect">
             <a:avLst/>
@@ -11161,6 +12363,9 @@
           </a:bodyPr>
           <a:p>
             <a:pPr marL="216000" indent="-216000">
+              <a:lnSpc>
+                <a:spcPct val="100000"/>
+              </a:lnSpc>
               <a:buClr>
                 <a:srgbClr val="000000"/>
               </a:buClr>
@@ -11176,7 +12381,17 @@
                 <a:latin typeface="Times New Roman"/>
                 <a:ea typeface="Arial"/>
               </a:rPr>
-              <a:t>Develop a Deep Learning Model for Land Cover Classification Make</a:t>
+              <a:t> </a:t>
+            </a:r>
+            <a:r>
+              <a:rPr b="0" lang="en-US" sz="3600" spc="-1" strike="noStrike">
+                <a:solidFill>
+                  <a:srgbClr val="000000"/>
+                </a:solidFill>
+                <a:latin typeface="Times New Roman"/>
+                <a:ea typeface="Arial"/>
+              </a:rPr>
+              <a:t>Develop a Deep Learning Model for Land Cover Classification</a:t>
             </a:r>
             <a:endParaRPr b="0" lang="en-US" sz="3600" spc="-1" strike="noStrike">
               <a:latin typeface="Arial"/>
@@ -11184,6 +12399,9 @@
           </a:p>
           <a:p>
             <a:pPr marL="216000" indent="-216000">
+              <a:lnSpc>
+                <a:spcPct val="100000"/>
+              </a:lnSpc>
               <a:buClr>
                 <a:srgbClr val="000000"/>
               </a:buClr>
@@ -11199,6 +12417,16 @@
                 <a:latin typeface="Times New Roman"/>
                 <a:ea typeface="Arial"/>
               </a:rPr>
+              <a:t> </a:t>
+            </a:r>
+            <a:r>
+              <a:rPr b="0" lang="en-US" sz="3600" spc="-1" strike="noStrike">
+                <a:solidFill>
+                  <a:srgbClr val="000000"/>
+                </a:solidFill>
+                <a:latin typeface="Times New Roman"/>
+                <a:ea typeface="Arial"/>
+              </a:rPr>
               <a:t>Preprocess and Augment the EuroSAT Dataset</a:t>
             </a:r>
             <a:endParaRPr b="0" lang="en-US" sz="3600" spc="-1" strike="noStrike">
@@ -11207,6 +12435,9 @@
           </a:p>
           <a:p>
             <a:pPr marL="216000" indent="-216000">
+              <a:lnSpc>
+                <a:spcPct val="100000"/>
+              </a:lnSpc>
               <a:buClr>
                 <a:srgbClr val="000000"/>
               </a:buClr>
@@ -11222,6 +12453,16 @@
                 <a:latin typeface="Times New Roman"/>
                 <a:ea typeface="Arial"/>
               </a:rPr>
+              <a:t> </a:t>
+            </a:r>
+            <a:r>
+              <a:rPr b="0" lang="en-US" sz="3600" spc="-1" strike="noStrike">
+                <a:solidFill>
+                  <a:srgbClr val="000000"/>
+                </a:solidFill>
+                <a:latin typeface="Times New Roman"/>
+                <a:ea typeface="Arial"/>
+              </a:rPr>
               <a:t>Classify Land Cover Types Using RGB Imagery</a:t>
             </a:r>
             <a:endParaRPr b="0" lang="en-US" sz="3600" spc="-1" strike="noStrike">
@@ -11232,14 +12473,14 @@
       </p:sp>
       <p:sp>
         <p:nvSpPr>
-          <p:cNvPr id="171" name="Google Shape;156;p16"/>
+          <p:cNvPr id="157" name="Google Shape;156;p16"/>
           <p:cNvSpPr/>
           <p:nvPr/>
         </p:nvSpPr>
         <p:spPr>
           <a:xfrm>
             <a:off x="666000" y="9771480"/>
-            <a:ext cx="11277000" cy="790200"/>
+            <a:ext cx="11275200" cy="790200"/>
           </a:xfrm>
           <a:prstGeom prst="rect">
             <a:avLst/>
@@ -11309,7 +12550,7 @@
 </p:sld>
 </file>
 
-<file path=ppt/slides/slide7.xml><?xml version="1.0" encoding="utf-8"?>
+<file path=ppt/slides/slide6.xml><?xml version="1.0" encoding="utf-8"?>
 <p:sld xmlns:a="http://schemas.openxmlformats.org/drawingml/2006/main" xmlns:p="http://schemas.openxmlformats.org/presentationml/2006/main" xmlns:r="http://schemas.openxmlformats.org/officeDocument/2006/relationships" xmlns:p14="http://schemas.microsoft.com/office/powerpoint/2010/main" xmlns:p15="http://schemas.microsoft.com/office/powerpoint/2012/main" xmlns:mc="http://schemas.openxmlformats.org/markup-compatibility/2006">
   <p:cSld>
     <p:spTree>
@@ -11328,18 +12569,18 @@
       </p:grpSpPr>
       <p:sp>
         <p:nvSpPr>
-          <p:cNvPr id="172" name="PlaceHolder 1"/>
-          <p:cNvSpPr>
-            <a:spLocks noGrp="1"/>
-          </p:cNvSpPr>
-          <p:nvPr>
-            <p:ph type="sldNum" idx="16"/>
+          <p:cNvPr id="158" name="PlaceHolder 1"/>
+          <p:cNvSpPr>
+            <a:spLocks noGrp="1"/>
+          </p:cNvSpPr>
+          <p:nvPr>
+            <p:ph type="sldNum" idx="15"/>
           </p:nvPr>
         </p:nvSpPr>
         <p:spPr>
           <a:xfrm>
             <a:off x="13426200" y="9911160"/>
-            <a:ext cx="4276440" cy="568440"/>
+            <a:ext cx="4274640" cy="566640"/>
           </a:xfrm>
           <a:prstGeom prst="rect">
             <a:avLst/>
@@ -11381,7 +12622,7 @@
                 <a:tab algn="l" pos="0"/>
               </a:tabLst>
             </a:pPr>
-            <a:fld id="{07FF949D-A46B-4286-B449-5DEE1F4E2041}" type="slidenum">
+            <a:fld id="{20FB5F1B-58AC-43FC-82F2-11E55FC442E1}" type="slidenum">
               <a:rPr b="0" lang="en-US" sz="3200" spc="-1" strike="noStrike">
                 <a:solidFill>
                   <a:srgbClr val="ffffff"/>
@@ -11399,42 +12640,42 @@
       </p:sp>
       <p:grpSp>
         <p:nvGrpSpPr>
-          <p:cNvPr id="173" name="Google Shape;187;p18"/>
+          <p:cNvPr id="159" name="Google Shape;187;p18"/>
           <p:cNvGrpSpPr/>
           <p:nvPr/>
         </p:nvGrpSpPr>
         <p:grpSpPr>
           <a:xfrm>
             <a:off x="0" y="9568440"/>
-            <a:ext cx="19009800" cy="1111320"/>
+            <a:ext cx="19008000" cy="1109520"/>
             <a:chOff x="0" y="9568440"/>
-            <a:chExt cx="19009800" cy="1111320"/>
+            <a:chExt cx="19008000" cy="1109520"/>
           </a:xfrm>
         </p:grpSpPr>
         <p:grpSp>
           <p:nvGrpSpPr>
-            <p:cNvPr id="174" name="Google Shape;188;p18"/>
+            <p:cNvPr id="160" name="Google Shape;188;p18"/>
             <p:cNvGrpSpPr/>
             <p:nvPr/>
           </p:nvGrpSpPr>
           <p:grpSpPr>
             <a:xfrm>
               <a:off x="0" y="9568440"/>
-              <a:ext cx="19009800" cy="1111320"/>
+              <a:ext cx="19008000" cy="1109520"/>
               <a:chOff x="0" y="9568440"/>
-              <a:chExt cx="19009800" cy="1111320"/>
+              <a:chExt cx="19008000" cy="1109520"/>
             </a:xfrm>
           </p:grpSpPr>
           <p:sp>
             <p:nvSpPr>
-              <p:cNvPr id="175" name="Google Shape;189;p18"/>
+              <p:cNvPr id="161" name="Google Shape;189;p18"/>
               <p:cNvSpPr/>
               <p:nvPr/>
             </p:nvSpPr>
             <p:spPr>
               <a:xfrm>
                 <a:off x="0" y="9568440"/>
-                <a:ext cx="15067080" cy="1111320"/>
+                <a:ext cx="15065280" cy="1109520"/>
               </a:xfrm>
               <a:custGeom>
                 <a:avLst/>
@@ -11485,14 +12726,14 @@
           </p:sp>
           <p:sp>
             <p:nvSpPr>
-              <p:cNvPr id="176" name="Google Shape;190;p18"/>
+              <p:cNvPr id="162" name="Google Shape;190;p18"/>
               <p:cNvSpPr/>
               <p:nvPr/>
             </p:nvSpPr>
             <p:spPr>
               <a:xfrm>
                 <a:off x="17887320" y="9568440"/>
-                <a:ext cx="1122480" cy="1111320"/>
+                <a:ext cx="1120680" cy="1109520"/>
               </a:xfrm>
               <a:custGeom>
                 <a:avLst/>
@@ -11544,14 +12785,14 @@
         </p:grpSp>
         <p:sp>
           <p:nvSpPr>
-            <p:cNvPr id="177" name="Google Shape;191;p18"/>
+            <p:cNvPr id="163" name="Google Shape;191;p18"/>
             <p:cNvSpPr/>
             <p:nvPr/>
           </p:nvSpPr>
           <p:spPr>
             <a:xfrm>
               <a:off x="15067800" y="9568440"/>
-              <a:ext cx="2818800" cy="1111320"/>
+              <a:ext cx="2817000" cy="1109520"/>
             </a:xfrm>
             <a:custGeom>
               <a:avLst/>
@@ -11603,14 +12844,14 @@
       </p:grpSp>
       <p:sp>
         <p:nvSpPr>
-          <p:cNvPr id="178" name="Google Shape;193;p18"/>
+          <p:cNvPr id="164" name="Google Shape;193;p18"/>
           <p:cNvSpPr/>
           <p:nvPr/>
         </p:nvSpPr>
         <p:spPr>
           <a:xfrm>
             <a:off x="15486840" y="9929160"/>
-            <a:ext cx="2241720" cy="516240"/>
+            <a:ext cx="2239920" cy="516240"/>
           </a:xfrm>
           <a:prstGeom prst="rect">
             <a:avLst/>
@@ -11655,14 +12896,14 @@
       </p:sp>
       <p:sp>
         <p:nvSpPr>
-          <p:cNvPr id="179" name="Google Shape;194;p18"/>
+          <p:cNvPr id="165" name="Google Shape;194;p18"/>
           <p:cNvSpPr/>
           <p:nvPr/>
         </p:nvSpPr>
         <p:spPr>
           <a:xfrm>
             <a:off x="18115920" y="9911160"/>
-            <a:ext cx="574200" cy="387720"/>
+            <a:ext cx="572400" cy="385920"/>
           </a:xfrm>
           <a:prstGeom prst="rect">
             <a:avLst/>
@@ -11692,7 +12933,7 @@
                 <a:tab algn="l" pos="0"/>
               </a:tabLst>
             </a:pPr>
-            <a:fld id="{ECBB829B-F592-4D5E-8CE3-A06C8C4ACE55}" type="slidenum">
+            <a:fld id="{696E50FC-81D5-4134-B02B-7661675A9A7C}" type="slidenum">
               <a:rPr b="0" lang="en-US" sz="3200" spc="-1" strike="noStrike">
                 <a:solidFill>
                   <a:srgbClr val="ffffff"/>
@@ -11700,7 +12941,7 @@
                 <a:latin typeface="Calibri"/>
                 <a:ea typeface="Calibri"/>
               </a:rPr>
-              <a:t>3</a:t>
+              <a:t>&lt;number&gt;</a:t>
             </a:fld>
             <a:endParaRPr b="0" lang="en-US" sz="3200" spc="-1" strike="noStrike">
               <a:latin typeface="Arial"/>
@@ -11710,28 +12951,28 @@
       </p:sp>
       <p:grpSp>
         <p:nvGrpSpPr>
-          <p:cNvPr id="180" name="Google Shape;195;p18"/>
+          <p:cNvPr id="166" name="Google Shape;195;p18"/>
           <p:cNvGrpSpPr/>
           <p:nvPr/>
         </p:nvGrpSpPr>
         <p:grpSpPr>
           <a:xfrm>
             <a:off x="-26280" y="774720"/>
-            <a:ext cx="15070680" cy="827280"/>
+            <a:ext cx="15068880" cy="825480"/>
             <a:chOff x="-26280" y="774720"/>
-            <a:chExt cx="15070680" cy="827280"/>
+            <a:chExt cx="15068880" cy="825480"/>
           </a:xfrm>
         </p:grpSpPr>
         <p:sp>
           <p:nvSpPr>
-            <p:cNvPr id="181" name="Google Shape;196;p18"/>
+            <p:cNvPr id="167" name="Google Shape;196;p18"/>
             <p:cNvSpPr/>
             <p:nvPr/>
           </p:nvSpPr>
           <p:spPr>
             <a:xfrm>
               <a:off x="-26280" y="774720"/>
-              <a:ext cx="14615280" cy="827280"/>
+              <a:ext cx="14613480" cy="825480"/>
             </a:xfrm>
             <a:custGeom>
               <a:avLst/>
@@ -11801,7 +13042,7 @@
                   <a:latin typeface="Calibri"/>
                   <a:ea typeface="Calibri"/>
                 </a:rPr>
-                <a:t>Tool Used </a:t>
+                <a:t>Implementation </a:t>
               </a:r>
               <a:endParaRPr b="0" lang="en-US" sz="5400" spc="-1" strike="noStrike">
                 <a:latin typeface="Arial"/>
@@ -11839,14 +13080,14 @@
         </p:sp>
         <p:sp>
           <p:nvSpPr>
-            <p:cNvPr id="182" name="Google Shape;197;p18"/>
+            <p:cNvPr id="168" name="Google Shape;197;p18"/>
             <p:cNvSpPr/>
             <p:nvPr/>
           </p:nvSpPr>
           <p:spPr>
             <a:xfrm>
               <a:off x="14190840" y="774720"/>
-              <a:ext cx="853560" cy="827280"/>
+              <a:ext cx="851760" cy="825480"/>
             </a:xfrm>
             <a:custGeom>
               <a:avLst/>
@@ -11982,14 +13223,14 @@
       </p:grpSp>
       <p:sp>
         <p:nvSpPr>
-          <p:cNvPr id="183" name="Google Shape;198;p18"/>
+          <p:cNvPr id="169" name="Google Shape;198;p18"/>
           <p:cNvSpPr/>
           <p:nvPr/>
         </p:nvSpPr>
         <p:spPr>
           <a:xfrm>
-            <a:off x="848520" y="3375720"/>
-            <a:ext cx="10581480" cy="3381480"/>
+            <a:off x="884880" y="2104920"/>
+            <a:ext cx="16687080" cy="7221960"/>
           </a:xfrm>
           <a:prstGeom prst="rect">
             <a:avLst/>
@@ -12010,11 +13251,61 @@
             <a:spAutoFit/>
           </a:bodyPr>
           <a:p>
+            <a:pPr marL="216000" indent="-216000">
+              <a:lnSpc>
+                <a:spcPct val="100000"/>
+              </a:lnSpc>
+              <a:buClr>
+                <a:srgbClr val="000000"/>
+              </a:buClr>
+              <a:buFont typeface="Wingdings" charset="2"/>
+              <a:buChar char=""/>
+            </a:pPr>
+            <a:r>
+              <a:rPr b="1" lang="en-US" sz="3600" spc="-1" strike="noStrike">
+                <a:solidFill>
+                  <a:srgbClr val="000000"/>
+                </a:solidFill>
+                <a:latin typeface="Arial"/>
+                <a:ea typeface="Arial"/>
+              </a:rPr>
+              <a:t> </a:t>
+            </a:r>
+            <a:r>
+              <a:rPr b="1" lang="en-US" sz="3600" spc="-1" strike="noStrike">
+                <a:solidFill>
+                  <a:srgbClr val="000000"/>
+                </a:solidFill>
+                <a:latin typeface="Arial"/>
+                <a:ea typeface="Arial"/>
+              </a:rPr>
+              <a:t>Data Preprocessing</a:t>
+            </a:r>
+            <a:endParaRPr b="0" lang="en-US" sz="3600" spc="-1" strike="noStrike">
+              <a:latin typeface="Arial"/>
+            </a:endParaRPr>
+          </a:p>
+          <a:p>
             <a:pPr>
               <a:lnSpc>
                 <a:spcPct val="100000"/>
               </a:lnSpc>
               <a:buNone/>
+            </a:pPr>
+            <a:endParaRPr b="0" lang="en-US" sz="3600" spc="-1" strike="noStrike">
+              <a:latin typeface="Arial"/>
+            </a:endParaRPr>
+          </a:p>
+          <a:p>
+            <a:pPr marL="216000" indent="-216000">
+              <a:lnSpc>
+                <a:spcPct val="100000"/>
+              </a:lnSpc>
+              <a:buClr>
+                <a:srgbClr val="000000"/>
+              </a:buClr>
+              <a:buFont typeface="Symbol"/>
+              <a:buChar char=""/>
             </a:pPr>
             <a:r>
               <a:rPr b="0" lang="en-US" sz="3600" spc="-1" strike="noStrike">
@@ -12024,18 +13315,32 @@
                 <a:latin typeface="Arial"/>
                 <a:ea typeface="Arial"/>
               </a:rPr>
-              <a:t>1. Google Colab</a:t>
+              <a:t> </a:t>
+            </a:r>
+            <a:r>
+              <a:rPr b="0" lang="en-US" sz="3600" spc="-1" strike="noStrike">
+                <a:solidFill>
+                  <a:srgbClr val="000000"/>
+                </a:solidFill>
+                <a:latin typeface="Arial"/>
+                <a:ea typeface="Arial"/>
+              </a:rPr>
+              <a:t>The Eurosat dataset was first downloaded which consists of 27,000 images across 10 classes.</a:t>
             </a:r>
             <a:endParaRPr b="0" lang="en-US" sz="3600" spc="-1" strike="noStrike">
               <a:latin typeface="Arial"/>
             </a:endParaRPr>
           </a:p>
           <a:p>
-            <a:pPr>
+            <a:pPr marL="216000" indent="-216000">
               <a:lnSpc>
                 <a:spcPct val="100000"/>
               </a:lnSpc>
-              <a:buNone/>
+              <a:buClr>
+                <a:srgbClr val="000000"/>
+              </a:buClr>
+              <a:buFont typeface="Symbol"/>
+              <a:buChar char=""/>
             </a:pPr>
             <a:r>
               <a:rPr b="0" lang="en-US" sz="3600" spc="-1" strike="noStrike">
@@ -12045,7 +13350,17 @@
                 <a:latin typeface="Arial"/>
                 <a:ea typeface="Arial"/>
               </a:rPr>
-              <a:t>2. TensorFlow / Keras</a:t>
+              <a:t> </a:t>
+            </a:r>
+            <a:r>
+              <a:rPr b="0" lang="en-US" sz="3600" spc="-1" strike="noStrike">
+                <a:solidFill>
+                  <a:srgbClr val="000000"/>
+                </a:solidFill>
+                <a:latin typeface="Arial"/>
+                <a:ea typeface="Arial"/>
+              </a:rPr>
+              <a:t>The dataset is then split into 80% test and 20% train data.</a:t>
             </a:r>
             <a:endParaRPr b="0" lang="en-US" sz="3600" spc="-1" strike="noStrike">
               <a:latin typeface="Arial"/>
@@ -12057,6 +13372,21 @@
                 <a:spcPct val="100000"/>
               </a:lnSpc>
               <a:buNone/>
+            </a:pPr>
+            <a:endParaRPr b="0" lang="en-US" sz="3600" spc="-1" strike="noStrike">
+              <a:latin typeface="Arial"/>
+            </a:endParaRPr>
+          </a:p>
+          <a:p>
+            <a:pPr marL="216000" indent="-216000">
+              <a:lnSpc>
+                <a:spcPct val="100000"/>
+              </a:lnSpc>
+              <a:buClr>
+                <a:srgbClr val="000000"/>
+              </a:buClr>
+              <a:buFont typeface="Wingdings" charset="2"/>
+              <a:buChar char=""/>
             </a:pPr>
             <a:r>
               <a:rPr b="0" lang="en-US" sz="3600" spc="-1" strike="noStrike">
@@ -12066,18 +13396,32 @@
                 <a:latin typeface="Arial"/>
                 <a:ea typeface="Arial"/>
               </a:rPr>
-              <a:t>3. EuroSAT Dataset</a:t>
+              <a:t> </a:t>
+            </a:r>
+            <a:r>
+              <a:rPr b="1" lang="en-US" sz="3600" spc="-1" strike="noStrike">
+                <a:solidFill>
+                  <a:srgbClr val="000000"/>
+                </a:solidFill>
+                <a:latin typeface="Arial"/>
+                <a:ea typeface="Arial"/>
+              </a:rPr>
+              <a:t>Model Development</a:t>
             </a:r>
             <a:endParaRPr b="0" lang="en-US" sz="3600" spc="-1" strike="noStrike">
               <a:latin typeface="Arial"/>
             </a:endParaRPr>
           </a:p>
           <a:p>
-            <a:pPr>
+            <a:pPr marL="216000" indent="-216000">
               <a:lnSpc>
                 <a:spcPct val="100000"/>
               </a:lnSpc>
-              <a:buNone/>
+              <a:buClr>
+                <a:srgbClr val="000000"/>
+              </a:buClr>
+              <a:buFont typeface="Symbol"/>
+              <a:buChar char=""/>
             </a:pPr>
             <a:r>
               <a:rPr b="0" lang="en-US" sz="3600" spc="-1" strike="noStrike">
@@ -12087,24 +13431,150 @@
                 <a:latin typeface="Arial"/>
                 <a:ea typeface="Arial"/>
               </a:rPr>
-              <a:t>4. Deployment Tools (optional) like TensorFlow Serving or Flask can be used for deploying the trained model in a real-world setting.</a:t>
+              <a:t> </a:t>
+            </a:r>
+            <a:r>
+              <a:rPr b="0" lang="en-US" sz="3600" spc="-1" strike="noStrike">
+                <a:solidFill>
+                  <a:srgbClr val="000000"/>
+                </a:solidFill>
+                <a:latin typeface="Arial"/>
+                <a:ea typeface="Arial"/>
+              </a:rPr>
+              <a:t>Transfer learning vgg16 model with additional dense and dropout layers for 10 classes classification task.</a:t>
             </a:r>
             <a:endParaRPr b="0" lang="en-US" sz="3600" spc="-1" strike="noStrike">
               <a:latin typeface="Arial"/>
             </a:endParaRPr>
           </a:p>
-        </p:txBody>
-      </p:sp>
-      <p:sp>
-        <p:nvSpPr>
-          <p:cNvPr id="184" name="Google Shape;156;p16"/>
+          <a:p>
+            <a:pPr>
+              <a:lnSpc>
+                <a:spcPct val="100000"/>
+              </a:lnSpc>
+              <a:buNone/>
+            </a:pPr>
+            <a:endParaRPr b="0" lang="en-US" sz="3600" spc="-1" strike="noStrike">
+              <a:latin typeface="Arial"/>
+            </a:endParaRPr>
+          </a:p>
+          <a:p>
+            <a:pPr marL="216000" indent="-216000">
+              <a:lnSpc>
+                <a:spcPct val="100000"/>
+              </a:lnSpc>
+              <a:buClr>
+                <a:srgbClr val="000000"/>
+              </a:buClr>
+              <a:buFont typeface="Wingdings" charset="2"/>
+              <a:buChar char=""/>
+            </a:pPr>
+            <a:r>
+              <a:rPr b="1" lang="en-US" sz="3600" spc="-1" strike="noStrike">
+                <a:solidFill>
+                  <a:srgbClr val="000000"/>
+                </a:solidFill>
+                <a:latin typeface="Arial"/>
+                <a:ea typeface="Arial"/>
+              </a:rPr>
+              <a:t> </a:t>
+            </a:r>
+            <a:r>
+              <a:rPr b="1" lang="en-US" sz="3600" spc="-1" strike="noStrike">
+                <a:solidFill>
+                  <a:srgbClr val="000000"/>
+                </a:solidFill>
+                <a:latin typeface="Arial"/>
+                <a:ea typeface="Arial"/>
+              </a:rPr>
+              <a:t>Data Augmentation and Fine Tuning vgg16</a:t>
+            </a:r>
+            <a:endParaRPr b="0" lang="en-US" sz="3600" spc="-1" strike="noStrike">
+              <a:latin typeface="Arial"/>
+            </a:endParaRPr>
+          </a:p>
+          <a:p>
+            <a:pPr marL="216000" indent="-216000">
+              <a:lnSpc>
+                <a:spcPct val="100000"/>
+              </a:lnSpc>
+              <a:buClr>
+                <a:srgbClr val="000000"/>
+              </a:buClr>
+              <a:buFont typeface="Symbol"/>
+              <a:buChar char=""/>
+            </a:pPr>
+            <a:r>
+              <a:rPr b="1" lang="en-US" sz="3600" spc="-1" strike="noStrike">
+                <a:solidFill>
+                  <a:srgbClr val="000000"/>
+                </a:solidFill>
+                <a:latin typeface="Arial"/>
+                <a:ea typeface="Arial"/>
+              </a:rPr>
+              <a:t> </a:t>
+            </a:r>
+            <a:r>
+              <a:rPr b="0" lang="en-US" sz="3600" spc="-1" strike="noStrike">
+                <a:solidFill>
+                  <a:srgbClr val="000000"/>
+                </a:solidFill>
+                <a:latin typeface="Arial"/>
+                <a:ea typeface="Arial"/>
+              </a:rPr>
+              <a:t>Vgg16 model was fine tuned on our custom dataset at layer 15.</a:t>
+            </a:r>
+            <a:endParaRPr b="0" lang="en-US" sz="3600" spc="-1" strike="noStrike">
+              <a:latin typeface="Arial"/>
+            </a:endParaRPr>
+          </a:p>
+          <a:p>
+            <a:pPr marL="216000" indent="-216000">
+              <a:lnSpc>
+                <a:spcPct val="100000"/>
+              </a:lnSpc>
+              <a:buClr>
+                <a:srgbClr val="000000"/>
+              </a:buClr>
+              <a:buFont typeface="Symbol"/>
+              <a:buChar char=""/>
+            </a:pPr>
+            <a:r>
+              <a:rPr b="0" lang="en-US" sz="3600" spc="-1" strike="noStrike">
+                <a:solidFill>
+                  <a:srgbClr val="000000"/>
+                </a:solidFill>
+                <a:latin typeface="Arial"/>
+                <a:ea typeface="Arial"/>
+              </a:rPr>
+              <a:t> </a:t>
+            </a:r>
+            <a:r>
+              <a:rPr b="0" lang="en-US" sz="3600" spc="-1" strike="noStrike">
+                <a:solidFill>
+                  <a:srgbClr val="000000"/>
+                </a:solidFill>
+                <a:latin typeface="Arial"/>
+                <a:ea typeface="Arial"/>
+              </a:rPr>
+              <a:t>Data augmentation techniques were utilized for training purposes.</a:t>
+            </a:r>
+            <a:endParaRPr b="0" lang="en-US" sz="3600" spc="-1" strike="noStrike">
+              <a:latin typeface="Arial"/>
+            </a:endParaRPr>
+          </a:p>
+        </p:txBody>
+      </p:sp>
+      <p:sp>
+        <p:nvSpPr>
+          <p:cNvPr id="170" name="Google Shape;156;p16"/>
           <p:cNvSpPr/>
           <p:nvPr/>
         </p:nvSpPr>
         <p:spPr>
           <a:xfrm>
             <a:off x="666000" y="9771480"/>
-            <a:ext cx="11277000" cy="577080"/>
+            <a:ext cx="11275200" cy="577080"/>
           </a:xfrm>
           <a:prstGeom prst="rect">
             <a:avLst/>
@@ -12147,20 +13617,807 @@
           </a:p>
         </p:txBody>
       </p:sp>
+    </p:spTree>
+  </p:cSld>
+  <mc:AlternateContent>
+    <mc:Choice Requires="p14">
+      <p:transition spd="slow" p14:dur="2000"/>
+    </mc:Choice>
+    <mc:Fallback>
+      <p:transition spd="slow"/>
+    </mc:Fallback>
+  </mc:AlternateContent>
+</p:sld>
+</file>
+
+<file path=ppt/slides/slide7.xml><?xml version="1.0" encoding="utf-8"?>
+<p:sld xmlns:a="http://schemas.openxmlformats.org/drawingml/2006/main" xmlns:p="http://schemas.openxmlformats.org/presentationml/2006/main" xmlns:r="http://schemas.openxmlformats.org/officeDocument/2006/relationships" xmlns:p14="http://schemas.microsoft.com/office/powerpoint/2010/main" xmlns:p15="http://schemas.microsoft.com/office/powerpoint/2012/main" xmlns:mc="http://schemas.openxmlformats.org/markup-compatibility/2006">
+  <p:cSld>
+    <p:spTree>
+      <p:nvGrpSpPr>
+        <p:cNvPr id="1" name=""/>
+        <p:cNvGrpSpPr/>
+        <p:nvPr/>
+      </p:nvGrpSpPr>
+      <p:grpSpPr>
+        <a:xfrm>
+          <a:off x="0" y="0"/>
+          <a:ext cx="0" cy="0"/>
+          <a:chOff x="0" y="0"/>
+          <a:chExt cx="0" cy="0"/>
+        </a:xfrm>
+      </p:grpSpPr>
+      <p:sp>
+        <p:nvSpPr>
+          <p:cNvPr id="171" name="PlaceHolder 1"/>
+          <p:cNvSpPr>
+            <a:spLocks noGrp="1"/>
+          </p:cNvSpPr>
+          <p:nvPr>
+            <p:ph type="sldNum" idx="16"/>
+          </p:nvPr>
+        </p:nvSpPr>
+        <p:spPr>
+          <a:xfrm>
+            <a:off x="13426200" y="9911160"/>
+            <a:ext cx="4274640" cy="566640"/>
+          </a:xfrm>
+          <a:prstGeom prst="rect">
+            <a:avLst/>
+          </a:prstGeom>
+          <a:noFill/>
+          <a:ln w="0">
+            <a:noFill/>
+          </a:ln>
+        </p:spPr>
+        <p:txBody>
+          <a:bodyPr lIns="90000" rIns="90000" tIns="45000" bIns="45000" anchor="ctr">
+            <a:noAutofit/>
+          </a:bodyPr>
+          <a:lstStyle>
+            <a:lvl1pPr algn="r">
+              <a:lnSpc>
+                <a:spcPct val="100000"/>
+              </a:lnSpc>
+              <a:buNone/>
+              <a:tabLst>
+                <a:tab algn="l" pos="0"/>
+              </a:tabLst>
+              <a:defRPr b="0" lang="en-US" sz="3200" spc="-1" strike="noStrike">
+                <a:solidFill>
+                  <a:srgbClr val="ffffff"/>
+                </a:solidFill>
+                <a:latin typeface="Calibri"/>
+                <a:ea typeface="Calibri"/>
+              </a:defRPr>
+            </a:lvl1pPr>
+          </a:lstStyle>
+          <a:p>
+            <a:pPr algn="r">
+              <a:lnSpc>
+                <a:spcPct val="100000"/>
+              </a:lnSpc>
+              <a:buNone/>
+              <a:tabLst>
+                <a:tab algn="l" pos="0"/>
+              </a:tabLst>
+            </a:pPr>
+            <a:fld id="{F282A2CF-BD31-4C00-A4BA-56173F1C893F}" type="slidenum">
+              <a:rPr b="0" lang="en-US" sz="3200" spc="-1" strike="noStrike">
+                <a:solidFill>
+                  <a:srgbClr val="ffffff"/>
+                </a:solidFill>
+                <a:latin typeface="Calibri"/>
+                <a:ea typeface="Calibri"/>
+              </a:rPr>
+              <a:t>3</a:t>
+            </a:fld>
+            <a:endParaRPr b="0" lang="en-US" sz="3200" spc="-1" strike="noStrike">
+              <a:latin typeface="Times New Roman"/>
+            </a:endParaRPr>
+          </a:p>
+        </p:txBody>
+      </p:sp>
+      <p:grpSp>
+        <p:nvGrpSpPr>
+          <p:cNvPr id="172" name="Google Shape;187;p 1"/>
+          <p:cNvGrpSpPr/>
+          <p:nvPr/>
+        </p:nvGrpSpPr>
+        <p:grpSpPr>
+          <a:xfrm>
+            <a:off x="0" y="9568440"/>
+            <a:ext cx="19008000" cy="1109520"/>
+            <a:chOff x="0" y="9568440"/>
+            <a:chExt cx="19008000" cy="1109520"/>
+          </a:xfrm>
+        </p:grpSpPr>
+        <p:grpSp>
+          <p:nvGrpSpPr>
+            <p:cNvPr id="173" name="Google Shape;188;p 1"/>
+            <p:cNvGrpSpPr/>
+            <p:nvPr/>
+          </p:nvGrpSpPr>
+          <p:grpSpPr>
+            <a:xfrm>
+              <a:off x="0" y="9568440"/>
+              <a:ext cx="19008000" cy="1109520"/>
+              <a:chOff x="0" y="9568440"/>
+              <a:chExt cx="19008000" cy="1109520"/>
+            </a:xfrm>
+          </p:grpSpPr>
+          <p:sp>
+            <p:nvSpPr>
+              <p:cNvPr id="174" name="Google Shape;189;p 1"/>
+              <p:cNvSpPr/>
+              <p:nvPr/>
+            </p:nvSpPr>
+            <p:spPr>
+              <a:xfrm>
+                <a:off x="0" y="9568440"/>
+                <a:ext cx="15065280" cy="1109520"/>
+              </a:xfrm>
+              <a:custGeom>
+                <a:avLst/>
+                <a:gdLst/>
+                <a:ahLst/>
+                <a:rect l="l" t="t" r="r" b="b"/>
+                <a:pathLst>
+                  <a:path w="1892300" h="440055">
+                    <a:moveTo>
+                      <a:pt x="0" y="439737"/>
+                    </a:moveTo>
+                    <a:lnTo>
+                      <a:pt x="1892300" y="439737"/>
+                    </a:lnTo>
+                    <a:lnTo>
+                      <a:pt x="1892300" y="0"/>
+                    </a:lnTo>
+                    <a:lnTo>
+                      <a:pt x="0" y="0"/>
+                    </a:lnTo>
+                    <a:lnTo>
+                      <a:pt x="0" y="439737"/>
+                    </a:lnTo>
+                    <a:close/>
+                  </a:path>
+                </a:pathLst>
+              </a:custGeom>
+              <a:solidFill>
+                <a:srgbClr val="fff2cc"/>
+              </a:solidFill>
+              <a:ln w="0">
+                <a:noFill/>
+              </a:ln>
+              <a:effectLst>
+                <a:outerShdw algn="ctr" blurRad="44280" dir="5400000" dist="28080">
+                  <a:srgbClr val="000000">
+                    <a:alpha val="32000"/>
+                  </a:srgbClr>
+                </a:outerShdw>
+              </a:effectLst>
+            </p:spPr>
+            <p:style>
+              <a:lnRef idx="0"/>
+              <a:fillRef idx="0"/>
+              <a:effectRef idx="0"/>
+              <a:fontRef idx="minor"/>
+            </p:style>
+          </p:sp>
+          <p:sp>
+            <p:nvSpPr>
+              <p:cNvPr id="175" name="Google Shape;190;p 1"/>
+              <p:cNvSpPr/>
+              <p:nvPr/>
+            </p:nvSpPr>
+            <p:spPr>
+              <a:xfrm>
+                <a:off x="17887320" y="9568440"/>
+                <a:ext cx="1120680" cy="1109520"/>
+              </a:xfrm>
+              <a:custGeom>
+                <a:avLst/>
+                <a:gdLst/>
+                <a:ahLst/>
+                <a:rect l="l" t="t" r="r" b="b"/>
+                <a:pathLst>
+                  <a:path w="1883409" h="440055">
+                    <a:moveTo>
+                      <a:pt x="0" y="0"/>
+                    </a:moveTo>
+                    <a:lnTo>
+                      <a:pt x="0" y="439737"/>
+                    </a:lnTo>
+                    <a:lnTo>
+                      <a:pt x="1883155" y="439737"/>
+                    </a:lnTo>
+                    <a:lnTo>
+                      <a:pt x="1883155" y="0"/>
+                    </a:lnTo>
+                    <a:lnTo>
+                      <a:pt x="0" y="0"/>
+                    </a:lnTo>
+                    <a:close/>
+                  </a:path>
+                </a:pathLst>
+              </a:custGeom>
+              <a:solidFill>
+                <a:srgbClr val="ff8200"/>
+              </a:solidFill>
+              <a:ln w="0">
+                <a:noFill/>
+              </a:ln>
+              <a:effectLst>
+                <a:outerShdw algn="ctr" blurRad="44280" dir="5400000" dist="28080">
+                  <a:srgbClr val="000000">
+                    <a:alpha val="32000"/>
+                  </a:srgbClr>
+                </a:outerShdw>
+              </a:effectLst>
+            </p:spPr>
+            <p:style>
+              <a:lnRef idx="0"/>
+              <a:fillRef idx="0"/>
+              <a:effectRef idx="0"/>
+              <a:fontRef idx="minor"/>
+            </p:style>
+          </p:sp>
+        </p:grpSp>
+        <p:sp>
+          <p:nvSpPr>
+            <p:cNvPr id="176" name="Google Shape;191;p 1"/>
+            <p:cNvSpPr/>
+            <p:nvPr/>
+          </p:nvSpPr>
+          <p:spPr>
+            <a:xfrm>
+              <a:off x="15067800" y="9568440"/>
+              <a:ext cx="2817000" cy="1109520"/>
+            </a:xfrm>
+            <a:custGeom>
+              <a:avLst/>
+              <a:gdLst/>
+              <a:ahLst/>
+              <a:rect l="l" t="t" r="r" b="b"/>
+              <a:pathLst>
+                <a:path w="1883409" h="440055">
+                  <a:moveTo>
+                    <a:pt x="0" y="0"/>
+                  </a:moveTo>
+                  <a:lnTo>
+                    <a:pt x="0" y="439737"/>
+                  </a:lnTo>
+                  <a:lnTo>
+                    <a:pt x="1883155" y="439737"/>
+                  </a:lnTo>
+                  <a:lnTo>
+                    <a:pt x="1883155" y="0"/>
+                  </a:lnTo>
+                  <a:lnTo>
+                    <a:pt x="0" y="0"/>
+                  </a:lnTo>
+                  <a:close/>
+                </a:path>
+              </a:pathLst>
+            </a:custGeom>
+            <a:solidFill>
+              <a:srgbClr val="fee599"/>
+            </a:solidFill>
+            <a:ln w="0">
+              <a:noFill/>
+            </a:ln>
+            <a:effectLst>
+              <a:outerShdw algn="ctr" blurRad="44280" dir="5400000" dist="28080">
+                <a:srgbClr val="000000">
+                  <a:alpha val="32000"/>
+                </a:srgbClr>
+              </a:outerShdw>
+            </a:effectLst>
+          </p:spPr>
+          <p:style>
+            <a:lnRef idx="0"/>
+            <a:fillRef idx="0"/>
+            <a:effectRef idx="0"/>
+            <a:fontRef idx="minor"/>
+          </p:style>
+        </p:sp>
+      </p:grpSp>
+      <p:sp>
+        <p:nvSpPr>
+          <p:cNvPr id="177" name="Google Shape;193;p 1"/>
+          <p:cNvSpPr/>
+          <p:nvPr/>
+        </p:nvSpPr>
+        <p:spPr>
+          <a:xfrm>
+            <a:off x="15486840" y="9929160"/>
+            <a:ext cx="2239920" cy="516240"/>
+          </a:xfrm>
+          <a:prstGeom prst="rect">
+            <a:avLst/>
+          </a:prstGeom>
+          <a:noFill/>
+          <a:ln w="0">
+            <a:noFill/>
+          </a:ln>
+        </p:spPr>
+        <p:style>
+          <a:lnRef idx="0"/>
+          <a:fillRef idx="0"/>
+          <a:effectRef idx="0"/>
+          <a:fontRef idx="minor"/>
+        </p:style>
+        <p:txBody>
+          <a:bodyPr lIns="90000" rIns="90000" tIns="45000" bIns="45000" anchor="t">
+            <a:spAutoFit/>
+          </a:bodyPr>
+          <a:p>
+            <a:pPr>
+              <a:lnSpc>
+                <a:spcPct val="100000"/>
+              </a:lnSpc>
+              <a:buNone/>
+            </a:pPr>
+            <a:r>
+              <a:rPr b="0" lang="en-US" sz="2800" spc="-1" strike="noStrike">
+                <a:solidFill>
+                  <a:srgbClr val="000000"/>
+                </a:solidFill>
+                <a:latin typeface="Times New Roman"/>
+                <a:ea typeface="Times New Roman"/>
+              </a:rPr>
+              <a:t>Nov-2024</a:t>
+            </a:r>
+            <a:endParaRPr b="0" lang="en-US" sz="2800" spc="-1" strike="noStrike">
+              <a:latin typeface="Arial"/>
+            </a:endParaRPr>
+          </a:p>
+        </p:txBody>
+      </p:sp>
+      <p:sp>
+        <p:nvSpPr>
+          <p:cNvPr id="178" name="Google Shape;194;p 1"/>
+          <p:cNvSpPr/>
+          <p:nvPr/>
+        </p:nvSpPr>
+        <p:spPr>
+          <a:xfrm>
+            <a:off x="18115920" y="9911160"/>
+            <a:ext cx="572400" cy="385920"/>
+          </a:xfrm>
+          <a:prstGeom prst="rect">
+            <a:avLst/>
+          </a:prstGeom>
+          <a:noFill/>
+          <a:ln w="0">
+            <a:noFill/>
+          </a:ln>
+        </p:spPr>
+        <p:style>
+          <a:lnRef idx="0"/>
+          <a:fillRef idx="0"/>
+          <a:effectRef idx="0"/>
+          <a:fontRef idx="minor"/>
+        </p:style>
+        <p:txBody>
+          <a:bodyPr lIns="90000" rIns="90000" tIns="45000" bIns="45000" anchor="ctr">
+            <a:noAutofit/>
+          </a:bodyPr>
+          <a:p>
+            <a:pPr algn="r">
+              <a:lnSpc>
+                <a:spcPct val="100000"/>
+              </a:lnSpc>
+              <a:buNone/>
+              <a:tabLst>
+                <a:tab algn="l" pos="0"/>
+              </a:tabLst>
+            </a:pPr>
+            <a:fld id="{5D45F35D-EE02-4CDB-9DA7-430364B10559}" type="slidenum">
+              <a:rPr b="0" lang="en-US" sz="3200" spc="-1" strike="noStrike">
+                <a:solidFill>
+                  <a:srgbClr val="ffffff"/>
+                </a:solidFill>
+                <a:latin typeface="Calibri"/>
+                <a:ea typeface="Calibri"/>
+              </a:rPr>
+              <a:t>&lt;number&gt;</a:t>
+            </a:fld>
+            <a:endParaRPr b="0" lang="en-US" sz="3200" spc="-1" strike="noStrike">
+              <a:latin typeface="Arial"/>
+            </a:endParaRPr>
+          </a:p>
+        </p:txBody>
+      </p:sp>
+      <p:grpSp>
+        <p:nvGrpSpPr>
+          <p:cNvPr id="179" name="Google Shape;195;p 1"/>
+          <p:cNvGrpSpPr/>
+          <p:nvPr/>
+        </p:nvGrpSpPr>
+        <p:grpSpPr>
+          <a:xfrm>
+            <a:off x="-26280" y="774720"/>
+            <a:ext cx="15068880" cy="825480"/>
+            <a:chOff x="-26280" y="774720"/>
+            <a:chExt cx="15068880" cy="825480"/>
+          </a:xfrm>
+        </p:grpSpPr>
+        <p:sp>
+          <p:nvSpPr>
+            <p:cNvPr id="180" name="Google Shape;196;p 1"/>
+            <p:cNvSpPr/>
+            <p:nvPr/>
+          </p:nvSpPr>
+          <p:spPr>
+            <a:xfrm>
+              <a:off x="-26280" y="774720"/>
+              <a:ext cx="14613480" cy="825480"/>
+            </a:xfrm>
+            <a:custGeom>
+              <a:avLst/>
+              <a:gdLst/>
+              <a:ahLst/>
+              <a:rect l="l" t="t" r="r" b="b"/>
+              <a:pathLst>
+                <a:path w="3844925" h="439420">
+                  <a:moveTo>
+                    <a:pt x="0" y="439204"/>
+                  </a:moveTo>
+                  <a:lnTo>
+                    <a:pt x="3844798" y="439204"/>
+                  </a:lnTo>
+                  <a:lnTo>
+                    <a:pt x="3844798" y="0"/>
+                  </a:lnTo>
+                  <a:lnTo>
+                    <a:pt x="0" y="0"/>
+                  </a:lnTo>
+                  <a:lnTo>
+                    <a:pt x="0" y="439204"/>
+                  </a:lnTo>
+                  <a:close/>
+                </a:path>
+              </a:pathLst>
+            </a:custGeom>
+            <a:solidFill>
+              <a:srgbClr val="0073ac"/>
+            </a:solidFill>
+            <a:ln w="0">
+              <a:noFill/>
+            </a:ln>
+            <a:effectLst>
+              <a:outerShdw algn="ctr" blurRad="44280" dir="5400000" dist="28080">
+                <a:srgbClr val="000000">
+                  <a:alpha val="32000"/>
+                </a:srgbClr>
+              </a:outerShdw>
+            </a:effectLst>
+          </p:spPr>
+          <p:style>
+            <a:lnRef idx="0"/>
+            <a:fillRef idx="0"/>
+            <a:effectRef idx="0"/>
+            <a:fontRef idx="minor"/>
+          </p:style>
+          <p:txBody>
+            <a:bodyPr lIns="0" rIns="0" tIns="0" bIns="0" anchor="t">
+              <a:noAutofit/>
+            </a:bodyPr>
+            <a:p>
+              <a:pPr marL="457200" algn="ctr">
+                <a:lnSpc>
+                  <a:spcPct val="100000"/>
+                </a:lnSpc>
+                <a:buNone/>
+                <a:tabLst>
+                  <a:tab algn="l" pos="0"/>
+                </a:tabLst>
+              </a:pPr>
+              <a:r>
+                <a:rPr b="0" lang="en-US" sz="5400" spc="-1" strike="noStrike">
+                  <a:solidFill>
+                    <a:srgbClr val="ffffff"/>
+                  </a:solidFill>
+                  <a:latin typeface="Calibri"/>
+                  <a:ea typeface="Calibri"/>
+                </a:rPr>
+                <a:t>Sequential model with vgg16 layers  </a:t>
+              </a:r>
+              <a:endParaRPr b="0" lang="en-US" sz="5400" spc="-1" strike="noStrike">
+                <a:latin typeface="Arial"/>
+              </a:endParaRPr>
+            </a:p>
+            <a:p>
+              <a:pPr marL="457200" algn="ctr">
+                <a:lnSpc>
+                  <a:spcPct val="100000"/>
+                </a:lnSpc>
+                <a:buNone/>
+                <a:tabLst>
+                  <a:tab algn="l" pos="0"/>
+                </a:tabLst>
+              </a:pPr>
+              <a:endParaRPr b="0" lang="en-US" sz="5400" spc="-1" strike="noStrike">
+                <a:latin typeface="Arial"/>
+              </a:endParaRPr>
+            </a:p>
+            <a:p>
+              <a:pPr marL="457200" algn="ctr">
+                <a:lnSpc>
+                  <a:spcPct val="100000"/>
+                </a:lnSpc>
+                <a:buNone/>
+                <a:tabLst>
+                  <a:tab algn="l" pos="0"/>
+                </a:tabLst>
+              </a:pPr>
+              <a:endParaRPr b="0" lang="en-US" sz="2000" spc="-1" strike="noStrike">
+                <a:latin typeface="Arial"/>
+              </a:endParaRPr>
+            </a:p>
+          </p:txBody>
+        </p:sp>
+        <p:sp>
+          <p:nvSpPr>
+            <p:cNvPr id="181" name="Google Shape;197;p 1"/>
+            <p:cNvSpPr/>
+            <p:nvPr/>
+          </p:nvSpPr>
+          <p:spPr>
+            <a:xfrm>
+              <a:off x="14190840" y="774720"/>
+              <a:ext cx="851760" cy="825480"/>
+            </a:xfrm>
+            <a:custGeom>
+              <a:avLst/>
+              <a:gdLst/>
+              <a:ahLst/>
+              <a:rect l="l" t="t" r="r" b="b"/>
+              <a:pathLst>
+                <a:path w="439420" h="439420">
+                  <a:moveTo>
+                    <a:pt x="219595" y="0"/>
+                  </a:moveTo>
+                  <a:lnTo>
+                    <a:pt x="175337" y="4461"/>
+                  </a:lnTo>
+                  <a:lnTo>
+                    <a:pt x="134116" y="17257"/>
+                  </a:lnTo>
+                  <a:lnTo>
+                    <a:pt x="96815" y="37505"/>
+                  </a:lnTo>
+                  <a:lnTo>
+                    <a:pt x="64315" y="64320"/>
+                  </a:lnTo>
+                  <a:lnTo>
+                    <a:pt x="37502" y="96820"/>
+                  </a:lnTo>
+                  <a:lnTo>
+                    <a:pt x="17256" y="134122"/>
+                  </a:lnTo>
+                  <a:lnTo>
+                    <a:pt x="4461" y="175341"/>
+                  </a:lnTo>
+                  <a:lnTo>
+                    <a:pt x="0" y="219595"/>
+                  </a:lnTo>
+                  <a:lnTo>
+                    <a:pt x="4461" y="263854"/>
+                  </a:lnTo>
+                  <a:lnTo>
+                    <a:pt x="17256" y="305076"/>
+                  </a:lnTo>
+                  <a:lnTo>
+                    <a:pt x="37502" y="342380"/>
+                  </a:lnTo>
+                  <a:lnTo>
+                    <a:pt x="64315" y="374881"/>
+                  </a:lnTo>
+                  <a:lnTo>
+                    <a:pt x="96815" y="401698"/>
+                  </a:lnTo>
+                  <a:lnTo>
+                    <a:pt x="134116" y="421945"/>
+                  </a:lnTo>
+                  <a:lnTo>
+                    <a:pt x="175337" y="434742"/>
+                  </a:lnTo>
+                  <a:lnTo>
+                    <a:pt x="219595" y="439204"/>
+                  </a:lnTo>
+                  <a:lnTo>
+                    <a:pt x="263854" y="434742"/>
+                  </a:lnTo>
+                  <a:lnTo>
+                    <a:pt x="305076" y="421945"/>
+                  </a:lnTo>
+                  <a:lnTo>
+                    <a:pt x="342380" y="401698"/>
+                  </a:lnTo>
+                  <a:lnTo>
+                    <a:pt x="374881" y="374881"/>
+                  </a:lnTo>
+                  <a:lnTo>
+                    <a:pt x="401698" y="342380"/>
+                  </a:lnTo>
+                  <a:lnTo>
+                    <a:pt x="421945" y="305076"/>
+                  </a:lnTo>
+                  <a:lnTo>
+                    <a:pt x="434742" y="263854"/>
+                  </a:lnTo>
+                  <a:lnTo>
+                    <a:pt x="439204" y="219595"/>
+                  </a:lnTo>
+                  <a:lnTo>
+                    <a:pt x="434742" y="175341"/>
+                  </a:lnTo>
+                  <a:lnTo>
+                    <a:pt x="421945" y="134122"/>
+                  </a:lnTo>
+                  <a:lnTo>
+                    <a:pt x="401698" y="96820"/>
+                  </a:lnTo>
+                  <a:lnTo>
+                    <a:pt x="374881" y="64320"/>
+                  </a:lnTo>
+                  <a:lnTo>
+                    <a:pt x="342380" y="37505"/>
+                  </a:lnTo>
+                  <a:lnTo>
+                    <a:pt x="305076" y="17257"/>
+                  </a:lnTo>
+                  <a:lnTo>
+                    <a:pt x="263854" y="4461"/>
+                  </a:lnTo>
+                  <a:lnTo>
+                    <a:pt x="219595" y="0"/>
+                  </a:lnTo>
+                  <a:close/>
+                </a:path>
+              </a:pathLst>
+            </a:custGeom>
+            <a:solidFill>
+              <a:srgbClr val="0073ac"/>
+            </a:solidFill>
+            <a:ln w="0">
+              <a:noFill/>
+            </a:ln>
+            <a:effectLst>
+              <a:outerShdw algn="ctr" blurRad="44280" dir="5400000" dist="28080">
+                <a:srgbClr val="000000">
+                  <a:alpha val="32000"/>
+                </a:srgbClr>
+              </a:outerShdw>
+            </a:effectLst>
+          </p:spPr>
+          <p:style>
+            <a:lnRef idx="0"/>
+            <a:fillRef idx="0"/>
+            <a:effectRef idx="0"/>
+            <a:fontRef idx="minor"/>
+          </p:style>
+        </p:sp>
+      </p:grpSp>
+      <p:sp>
+        <p:nvSpPr>
+          <p:cNvPr id="182" name="Google Shape;198;p 1"/>
+          <p:cNvSpPr/>
+          <p:nvPr/>
+        </p:nvSpPr>
+        <p:spPr>
+          <a:xfrm>
+            <a:off x="884880" y="2104920"/>
+            <a:ext cx="16687080" cy="7221240"/>
+          </a:xfrm>
+          <a:prstGeom prst="rect">
+            <a:avLst/>
+          </a:prstGeom>
+          <a:noFill/>
+          <a:ln w="0">
+            <a:noFill/>
+          </a:ln>
+        </p:spPr>
+        <p:style>
+          <a:lnRef idx="0"/>
+          <a:fillRef idx="0"/>
+          <a:effectRef idx="0"/>
+          <a:fontRef idx="minor"/>
+        </p:style>
+      </p:sp>
+      <p:sp>
+        <p:nvSpPr>
+          <p:cNvPr id="183" name="Google Shape;156;p 1"/>
+          <p:cNvSpPr/>
+          <p:nvPr/>
+        </p:nvSpPr>
+        <p:spPr>
+          <a:xfrm>
+            <a:off x="666000" y="9771480"/>
+            <a:ext cx="11275200" cy="577080"/>
+          </a:xfrm>
+          <a:prstGeom prst="rect">
+            <a:avLst/>
+          </a:prstGeom>
+          <a:noFill/>
+          <a:ln w="0">
+            <a:noFill/>
+          </a:ln>
+        </p:spPr>
+        <p:style>
+          <a:lnRef idx="0"/>
+          <a:fillRef idx="0"/>
+          <a:effectRef idx="0"/>
+          <a:fontRef idx="minor"/>
+        </p:style>
+        <p:txBody>
+          <a:bodyPr lIns="90000" rIns="90000" tIns="45000" bIns="45000" anchor="t">
+            <a:spAutoFit/>
+          </a:bodyPr>
+          <a:p>
+            <a:pPr marL="457200" algn="ctr">
+              <a:lnSpc>
+                <a:spcPct val="100000"/>
+              </a:lnSpc>
+              <a:buNone/>
+            </a:pPr>
+            <a:r>
+              <a:rPr b="1" lang="en-US" sz="3200" spc="-1" strike="noStrike">
+                <a:solidFill>
+                  <a:srgbClr val="0d0d0d"/>
+                </a:solidFill>
+                <a:latin typeface="Calibri"/>
+                <a:ea typeface="Arial"/>
+              </a:rPr>
+              <a:t>Land Cover Classifier</a:t>
+            </a:r>
+            <a:endParaRPr b="0" lang="en-US" sz="3200" spc="-1" strike="noStrike">
+              <a:latin typeface="Arial"/>
+            </a:endParaRPr>
+          </a:p>
+        </p:txBody>
+      </p:sp>
       <p:pic>
         <p:nvPicPr>
-          <p:cNvPr id="185" name="Picture 2" descr=""/>
+          <p:cNvPr id="184" name="" descr=""/>
           <p:cNvPicPr/>
           <p:nvPr/>
         </p:nvPicPr>
         <p:blipFill>
           <a:blip r:embed="rId1"/>
+          <a:srcRect l="0" t="0" r="0" b="12087"/>
           <a:stretch/>
         </p:blipFill>
         <p:spPr>
-          <a:xfrm>
-            <a:off x="11776320" y="2182320"/>
-            <a:ext cx="6348600" cy="6348600"/>
+          <a:xfrm rot="21580200">
+            <a:off x="8238600" y="5914440"/>
+            <a:ext cx="10043640" cy="3199680"/>
+          </a:xfrm>
+          <a:prstGeom prst="rect">
+            <a:avLst/>
+          </a:prstGeom>
+          <a:ln w="0">
+            <a:noFill/>
+          </a:ln>
+        </p:spPr>
+      </p:pic>
+      <p:pic>
+        <p:nvPicPr>
+          <p:cNvPr id="185" name="" descr=""/>
+          <p:cNvPicPr/>
+          <p:nvPr/>
+        </p:nvPicPr>
+        <p:blipFill>
+          <a:blip r:embed="rId2"/>
+          <a:srcRect l="0" t="0" r="32160" b="0"/>
+          <a:stretch/>
+        </p:blipFill>
+        <p:spPr>
+          <a:xfrm>
+            <a:off x="457200" y="1935720"/>
+            <a:ext cx="7713360" cy="4693320"/>
           </a:xfrm>
           <a:prstGeom prst="rect">
             <a:avLst/>
@@ -12213,7 +14470,7 @@
         <p:spPr>
           <a:xfrm>
             <a:off x="13426200" y="9911160"/>
-            <a:ext cx="4276440" cy="568440"/>
+            <a:ext cx="4274640" cy="566640"/>
           </a:xfrm>
           <a:prstGeom prst="rect">
             <a:avLst/>
@@ -12236,9 +14493,9 @@
               <a:tabLst>
                 <a:tab algn="l" pos="0"/>
               </a:tabLst>
-              <a:defRPr b="0" lang="en-US" sz="1870" spc="-1" strike="noStrike">
+              <a:defRPr b="0" lang="en-US" sz="3200" spc="-1" strike="noStrike">
                 <a:solidFill>
-                  <a:srgbClr val="888888"/>
+                  <a:srgbClr val="ffffff"/>
                 </a:solidFill>
                 <a:latin typeface="Calibri"/>
                 <a:ea typeface="Calibri"/>
@@ -12255,32 +14512,236 @@
                 <a:tab algn="l" pos="0"/>
               </a:tabLst>
             </a:pPr>
-            <a:fld id="{0E2C5B2E-D40D-4D6C-B1FE-D486169BBD99}" type="slidenum">
-              <a:rPr b="0" lang="en-US" sz="1870" spc="-1" strike="noStrike">
+            <a:fld id="{CE393ABE-AC44-44E9-8B39-F865B6AD9C6E}" type="slidenum">
+              <a:rPr b="0" lang="en-US" sz="3200" spc="-1" strike="noStrike">
                 <a:solidFill>
-                  <a:srgbClr val="888888"/>
+                  <a:srgbClr val="ffffff"/>
                 </a:solidFill>
                 <a:latin typeface="Calibri"/>
                 <a:ea typeface="Calibri"/>
               </a:rPr>
               <a:t>3</a:t>
             </a:fld>
-            <a:endParaRPr b="0" lang="en-US" sz="1870" spc="-1" strike="noStrike">
+            <a:endParaRPr b="0" lang="en-US" sz="3200" spc="-1" strike="noStrike">
               <a:latin typeface="Times New Roman"/>
             </a:endParaRPr>
           </a:p>
         </p:txBody>
       </p:sp>
-      <p:sp>
-        <p:nvSpPr>
-          <p:cNvPr id="187" name="TextBox 4"/>
+      <p:grpSp>
+        <p:nvGrpSpPr>
+          <p:cNvPr id="187" name="Google Shape;187;p 2"/>
+          <p:cNvGrpSpPr/>
+          <p:nvPr/>
+        </p:nvGrpSpPr>
+        <p:grpSpPr>
+          <a:xfrm>
+            <a:off x="0" y="9568440"/>
+            <a:ext cx="19008000" cy="1109520"/>
+            <a:chOff x="0" y="9568440"/>
+            <a:chExt cx="19008000" cy="1109520"/>
+          </a:xfrm>
+        </p:grpSpPr>
+        <p:grpSp>
+          <p:nvGrpSpPr>
+            <p:cNvPr id="188" name="Google Shape;188;p 2"/>
+            <p:cNvGrpSpPr/>
+            <p:nvPr/>
+          </p:nvGrpSpPr>
+          <p:grpSpPr>
+            <a:xfrm>
+              <a:off x="0" y="9568440"/>
+              <a:ext cx="19008000" cy="1109520"/>
+              <a:chOff x="0" y="9568440"/>
+              <a:chExt cx="19008000" cy="1109520"/>
+            </a:xfrm>
+          </p:grpSpPr>
+          <p:sp>
+            <p:nvSpPr>
+              <p:cNvPr id="189" name="Google Shape;189;p 2"/>
+              <p:cNvSpPr/>
+              <p:nvPr/>
+            </p:nvSpPr>
+            <p:spPr>
+              <a:xfrm>
+                <a:off x="0" y="9568440"/>
+                <a:ext cx="15065280" cy="1109520"/>
+              </a:xfrm>
+              <a:custGeom>
+                <a:avLst/>
+                <a:gdLst/>
+                <a:ahLst/>
+                <a:rect l="l" t="t" r="r" b="b"/>
+                <a:pathLst>
+                  <a:path w="1892300" h="440055">
+                    <a:moveTo>
+                      <a:pt x="0" y="439737"/>
+                    </a:moveTo>
+                    <a:lnTo>
+                      <a:pt x="1892300" y="439737"/>
+                    </a:lnTo>
+                    <a:lnTo>
+                      <a:pt x="1892300" y="0"/>
+                    </a:lnTo>
+                    <a:lnTo>
+                      <a:pt x="0" y="0"/>
+                    </a:lnTo>
+                    <a:lnTo>
+                      <a:pt x="0" y="439737"/>
+                    </a:lnTo>
+                    <a:close/>
+                  </a:path>
+                </a:pathLst>
+              </a:custGeom>
+              <a:solidFill>
+                <a:srgbClr val="fff2cc"/>
+              </a:solidFill>
+              <a:ln w="0">
+                <a:noFill/>
+              </a:ln>
+              <a:effectLst>
+                <a:outerShdw algn="ctr" blurRad="44280" dir="5400000" dist="28080">
+                  <a:srgbClr val="000000">
+                    <a:alpha val="32000"/>
+                  </a:srgbClr>
+                </a:outerShdw>
+              </a:effectLst>
+            </p:spPr>
+            <p:style>
+              <a:lnRef idx="0"/>
+              <a:fillRef idx="0"/>
+              <a:effectRef idx="0"/>
+              <a:fontRef idx="minor"/>
+            </p:style>
+          </p:sp>
+          <p:sp>
+            <p:nvSpPr>
+              <p:cNvPr id="190" name="Google Shape;190;p 2"/>
+              <p:cNvSpPr/>
+              <p:nvPr/>
+            </p:nvSpPr>
+            <p:spPr>
+              <a:xfrm>
+                <a:off x="17887320" y="9568440"/>
+                <a:ext cx="1120680" cy="1109520"/>
+              </a:xfrm>
+              <a:custGeom>
+                <a:avLst/>
+                <a:gdLst/>
+                <a:ahLst/>
+                <a:rect l="l" t="t" r="r" b="b"/>
+                <a:pathLst>
+                  <a:path w="1883409" h="440055">
+                    <a:moveTo>
+                      <a:pt x="0" y="0"/>
+                    </a:moveTo>
+                    <a:lnTo>
+                      <a:pt x="0" y="439737"/>
+                    </a:lnTo>
+                    <a:lnTo>
+                      <a:pt x="1883155" y="439737"/>
+                    </a:lnTo>
+                    <a:lnTo>
+                      <a:pt x="1883155" y="0"/>
+                    </a:lnTo>
+                    <a:lnTo>
+                      <a:pt x="0" y="0"/>
+                    </a:lnTo>
+                    <a:close/>
+                  </a:path>
+                </a:pathLst>
+              </a:custGeom>
+              <a:solidFill>
+                <a:srgbClr val="ff8200"/>
+              </a:solidFill>
+              <a:ln w="0">
+                <a:noFill/>
+              </a:ln>
+              <a:effectLst>
+                <a:outerShdw algn="ctr" blurRad="44280" dir="5400000" dist="28080">
+                  <a:srgbClr val="000000">
+                    <a:alpha val="32000"/>
+                  </a:srgbClr>
+                </a:outerShdw>
+              </a:effectLst>
+            </p:spPr>
+            <p:style>
+              <a:lnRef idx="0"/>
+              <a:fillRef idx="0"/>
+              <a:effectRef idx="0"/>
+              <a:fontRef idx="minor"/>
+            </p:style>
+          </p:sp>
+        </p:grpSp>
+        <p:sp>
+          <p:nvSpPr>
+            <p:cNvPr id="191" name="Google Shape;191;p 2"/>
+            <p:cNvSpPr/>
+            <p:nvPr/>
+          </p:nvSpPr>
+          <p:spPr>
+            <a:xfrm>
+              <a:off x="15067800" y="9568440"/>
+              <a:ext cx="2817000" cy="1109520"/>
+            </a:xfrm>
+            <a:custGeom>
+              <a:avLst/>
+              <a:gdLst/>
+              <a:ahLst/>
+              <a:rect l="l" t="t" r="r" b="b"/>
+              <a:pathLst>
+                <a:path w="1883409" h="440055">
+                  <a:moveTo>
+                    <a:pt x="0" y="0"/>
+                  </a:moveTo>
+                  <a:lnTo>
+                    <a:pt x="0" y="439737"/>
+                  </a:lnTo>
+                  <a:lnTo>
+                    <a:pt x="1883155" y="439737"/>
+                  </a:lnTo>
+                  <a:lnTo>
+                    <a:pt x="1883155" y="0"/>
+                  </a:lnTo>
+                  <a:lnTo>
+                    <a:pt x="0" y="0"/>
+                  </a:lnTo>
+                  <a:close/>
+                </a:path>
+              </a:pathLst>
+            </a:custGeom>
+            <a:solidFill>
+              <a:srgbClr val="fee599"/>
+            </a:solidFill>
+            <a:ln w="0">
+              <a:noFill/>
+            </a:ln>
+            <a:effectLst>
+              <a:outerShdw algn="ctr" blurRad="44280" dir="5400000" dist="28080">
+                <a:srgbClr val="000000">
+                  <a:alpha val="32000"/>
+                </a:srgbClr>
+              </a:outerShdw>
+            </a:effectLst>
+          </p:spPr>
+          <p:style>
+            <a:lnRef idx="0"/>
+            <a:fillRef idx="0"/>
+            <a:effectRef idx="0"/>
+            <a:fontRef idx="minor"/>
+          </p:style>
+        </p:sp>
+      </p:grpSp>
+      <p:sp>
+        <p:nvSpPr>
+          <p:cNvPr id="192" name="Google Shape;193;p 2"/>
           <p:cNvSpPr/>
           <p:nvPr/>
         </p:nvSpPr>
         <p:spPr>
           <a:xfrm>
-            <a:off x="6486120" y="4114800"/>
-            <a:ext cx="8881920" cy="3106080"/>
+            <a:off x="15486840" y="9929160"/>
+            <a:ext cx="2239920" cy="516240"/>
           </a:xfrm>
           <a:prstGeom prst="rect">
             <a:avLst/>
@@ -12308,19 +14769,780 @@
               <a:buNone/>
             </a:pPr>
             <a:r>
-              <a:rPr b="0" lang="en-US" sz="6600" spc="-1" strike="noStrike">
+              <a:rPr b="0" lang="en-US" sz="2800" spc="-1" strike="noStrike">
                 <a:solidFill>
-                  <a:srgbClr val="203864"/>
+                  <a:srgbClr val="000000"/>
                 </a:solidFill>
+                <a:latin typeface="Times New Roman"/>
+                <a:ea typeface="Times New Roman"/>
+              </a:rPr>
+              <a:t>Nov-2024</a:t>
+            </a:r>
+            <a:endParaRPr b="0" lang="en-US" sz="2800" spc="-1" strike="noStrike">
+              <a:latin typeface="Arial"/>
+            </a:endParaRPr>
+          </a:p>
+        </p:txBody>
+      </p:sp>
+      <p:sp>
+        <p:nvSpPr>
+          <p:cNvPr id="193" name="Google Shape;194;p 2"/>
+          <p:cNvSpPr/>
+          <p:nvPr/>
+        </p:nvSpPr>
+        <p:spPr>
+          <a:xfrm>
+            <a:off x="18115920" y="9911160"/>
+            <a:ext cx="572400" cy="385920"/>
+          </a:xfrm>
+          <a:prstGeom prst="rect">
+            <a:avLst/>
+          </a:prstGeom>
+          <a:noFill/>
+          <a:ln w="0">
+            <a:noFill/>
+          </a:ln>
+        </p:spPr>
+        <p:style>
+          <a:lnRef idx="0"/>
+          <a:fillRef idx="0"/>
+          <a:effectRef idx="0"/>
+          <a:fontRef idx="minor"/>
+        </p:style>
+        <p:txBody>
+          <a:bodyPr lIns="90000" rIns="90000" tIns="45000" bIns="45000" anchor="ctr">
+            <a:noAutofit/>
+          </a:bodyPr>
+          <a:p>
+            <a:pPr algn="r">
+              <a:lnSpc>
+                <a:spcPct val="100000"/>
+              </a:lnSpc>
+              <a:buNone/>
+              <a:tabLst>
+                <a:tab algn="l" pos="0"/>
+              </a:tabLst>
+            </a:pPr>
+            <a:fld id="{26F533B6-2C70-4ABC-89C9-64A07407FDDE}" type="slidenum">
+              <a:rPr b="0" lang="en-US" sz="3200" spc="-1" strike="noStrike">
+                <a:solidFill>
+                  <a:srgbClr val="ffffff"/>
+                </a:solidFill>
+                <a:latin typeface="Calibri"/>
+                <a:ea typeface="Calibri"/>
+              </a:rPr>
+              <a:t>&lt;number&gt;</a:t>
+            </a:fld>
+            <a:endParaRPr b="0" lang="en-US" sz="3200" spc="-1" strike="noStrike">
+              <a:latin typeface="Arial"/>
+            </a:endParaRPr>
+          </a:p>
+        </p:txBody>
+      </p:sp>
+      <p:grpSp>
+        <p:nvGrpSpPr>
+          <p:cNvPr id="194" name="Google Shape;195;p 2"/>
+          <p:cNvGrpSpPr/>
+          <p:nvPr/>
+        </p:nvGrpSpPr>
+        <p:grpSpPr>
+          <a:xfrm>
+            <a:off x="-26280" y="774720"/>
+            <a:ext cx="15068880" cy="825480"/>
+            <a:chOff x="-26280" y="774720"/>
+            <a:chExt cx="15068880" cy="825480"/>
+          </a:xfrm>
+        </p:grpSpPr>
+        <p:sp>
+          <p:nvSpPr>
+            <p:cNvPr id="195" name="Google Shape;196;p 2"/>
+            <p:cNvSpPr/>
+            <p:nvPr/>
+          </p:nvSpPr>
+          <p:spPr>
+            <a:xfrm>
+              <a:off x="-26280" y="774720"/>
+              <a:ext cx="14613480" cy="825480"/>
+            </a:xfrm>
+            <a:custGeom>
+              <a:avLst/>
+              <a:gdLst/>
+              <a:ahLst/>
+              <a:rect l="l" t="t" r="r" b="b"/>
+              <a:pathLst>
+                <a:path w="3844925" h="439420">
+                  <a:moveTo>
+                    <a:pt x="0" y="439204"/>
+                  </a:moveTo>
+                  <a:lnTo>
+                    <a:pt x="3844798" y="439204"/>
+                  </a:lnTo>
+                  <a:lnTo>
+                    <a:pt x="3844798" y="0"/>
+                  </a:lnTo>
+                  <a:lnTo>
+                    <a:pt x="0" y="0"/>
+                  </a:lnTo>
+                  <a:lnTo>
+                    <a:pt x="0" y="439204"/>
+                  </a:lnTo>
+                  <a:close/>
+                </a:path>
+              </a:pathLst>
+            </a:custGeom>
+            <a:solidFill>
+              <a:srgbClr val="0073ac"/>
+            </a:solidFill>
+            <a:ln w="0">
+              <a:noFill/>
+            </a:ln>
+            <a:effectLst>
+              <a:outerShdw algn="ctr" blurRad="44280" dir="5400000" dist="28080">
+                <a:srgbClr val="000000">
+                  <a:alpha val="32000"/>
+                </a:srgbClr>
+              </a:outerShdw>
+            </a:effectLst>
+          </p:spPr>
+          <p:style>
+            <a:lnRef idx="0"/>
+            <a:fillRef idx="0"/>
+            <a:effectRef idx="0"/>
+            <a:fontRef idx="minor"/>
+          </p:style>
+          <p:txBody>
+            <a:bodyPr lIns="0" rIns="0" tIns="0" bIns="0" anchor="t">
+              <a:noAutofit/>
+            </a:bodyPr>
+            <a:p>
+              <a:pPr marL="457200" algn="ctr">
+                <a:lnSpc>
+                  <a:spcPct val="100000"/>
+                </a:lnSpc>
+                <a:buNone/>
+                <a:tabLst>
+                  <a:tab algn="l" pos="0"/>
+                </a:tabLst>
+              </a:pPr>
+              <a:r>
+                <a:rPr b="0" lang="en-US" sz="5400" spc="-1" strike="noStrike">
+                  <a:solidFill>
+                    <a:srgbClr val="ffffff"/>
+                  </a:solidFill>
+                  <a:latin typeface="Calibri"/>
+                  <a:ea typeface="Calibri"/>
+                </a:rPr>
+                <a:t>Transfer Learning and Fine Tuning </a:t>
+              </a:r>
+              <a:endParaRPr b="0" lang="en-US" sz="5400" spc="-1" strike="noStrike">
                 <a:latin typeface="Arial"/>
+              </a:endParaRPr>
+            </a:p>
+            <a:p>
+              <a:pPr marL="457200" algn="ctr">
+                <a:lnSpc>
+                  <a:spcPct val="100000"/>
+                </a:lnSpc>
+                <a:buNone/>
+                <a:tabLst>
+                  <a:tab algn="l" pos="0"/>
+                </a:tabLst>
+              </a:pPr>
+              <a:endParaRPr b="0" lang="en-US" sz="5400" spc="-1" strike="noStrike">
+                <a:latin typeface="Arial"/>
+              </a:endParaRPr>
+            </a:p>
+            <a:p>
+              <a:pPr marL="457200" algn="ctr">
+                <a:lnSpc>
+                  <a:spcPct val="100000"/>
+                </a:lnSpc>
+                <a:buNone/>
+                <a:tabLst>
+                  <a:tab algn="l" pos="0"/>
+                </a:tabLst>
+              </a:pPr>
+              <a:endParaRPr b="0" lang="en-US" sz="2000" spc="-1" strike="noStrike">
+                <a:latin typeface="Arial"/>
+              </a:endParaRPr>
+            </a:p>
+          </p:txBody>
+        </p:sp>
+        <p:sp>
+          <p:nvSpPr>
+            <p:cNvPr id="196" name="Google Shape;197;p 2"/>
+            <p:cNvSpPr/>
+            <p:nvPr/>
+          </p:nvSpPr>
+          <p:spPr>
+            <a:xfrm>
+              <a:off x="14190840" y="774720"/>
+              <a:ext cx="851760" cy="825480"/>
+            </a:xfrm>
+            <a:custGeom>
+              <a:avLst/>
+              <a:gdLst/>
+              <a:ahLst/>
+              <a:rect l="l" t="t" r="r" b="b"/>
+              <a:pathLst>
+                <a:path w="439420" h="439420">
+                  <a:moveTo>
+                    <a:pt x="219595" y="0"/>
+                  </a:moveTo>
+                  <a:lnTo>
+                    <a:pt x="175337" y="4461"/>
+                  </a:lnTo>
+                  <a:lnTo>
+                    <a:pt x="134116" y="17257"/>
+                  </a:lnTo>
+                  <a:lnTo>
+                    <a:pt x="96815" y="37505"/>
+                  </a:lnTo>
+                  <a:lnTo>
+                    <a:pt x="64315" y="64320"/>
+                  </a:lnTo>
+                  <a:lnTo>
+                    <a:pt x="37502" y="96820"/>
+                  </a:lnTo>
+                  <a:lnTo>
+                    <a:pt x="17256" y="134122"/>
+                  </a:lnTo>
+                  <a:lnTo>
+                    <a:pt x="4461" y="175341"/>
+                  </a:lnTo>
+                  <a:lnTo>
+                    <a:pt x="0" y="219595"/>
+                  </a:lnTo>
+                  <a:lnTo>
+                    <a:pt x="4461" y="263854"/>
+                  </a:lnTo>
+                  <a:lnTo>
+                    <a:pt x="17256" y="305076"/>
+                  </a:lnTo>
+                  <a:lnTo>
+                    <a:pt x="37502" y="342380"/>
+                  </a:lnTo>
+                  <a:lnTo>
+                    <a:pt x="64315" y="374881"/>
+                  </a:lnTo>
+                  <a:lnTo>
+                    <a:pt x="96815" y="401698"/>
+                  </a:lnTo>
+                  <a:lnTo>
+                    <a:pt x="134116" y="421945"/>
+                  </a:lnTo>
+                  <a:lnTo>
+                    <a:pt x="175337" y="434742"/>
+                  </a:lnTo>
+                  <a:lnTo>
+                    <a:pt x="219595" y="439204"/>
+                  </a:lnTo>
+                  <a:lnTo>
+                    <a:pt x="263854" y="434742"/>
+                  </a:lnTo>
+                  <a:lnTo>
+                    <a:pt x="305076" y="421945"/>
+                  </a:lnTo>
+                  <a:lnTo>
+                    <a:pt x="342380" y="401698"/>
+                  </a:lnTo>
+                  <a:lnTo>
+                    <a:pt x="374881" y="374881"/>
+                  </a:lnTo>
+                  <a:lnTo>
+                    <a:pt x="401698" y="342380"/>
+                  </a:lnTo>
+                  <a:lnTo>
+                    <a:pt x="421945" y="305076"/>
+                  </a:lnTo>
+                  <a:lnTo>
+                    <a:pt x="434742" y="263854"/>
+                  </a:lnTo>
+                  <a:lnTo>
+                    <a:pt x="439204" y="219595"/>
+                  </a:lnTo>
+                  <a:lnTo>
+                    <a:pt x="434742" y="175341"/>
+                  </a:lnTo>
+                  <a:lnTo>
+                    <a:pt x="421945" y="134122"/>
+                  </a:lnTo>
+                  <a:lnTo>
+                    <a:pt x="401698" y="96820"/>
+                  </a:lnTo>
+                  <a:lnTo>
+                    <a:pt x="374881" y="64320"/>
+                  </a:lnTo>
+                  <a:lnTo>
+                    <a:pt x="342380" y="37505"/>
+                  </a:lnTo>
+                  <a:lnTo>
+                    <a:pt x="305076" y="17257"/>
+                  </a:lnTo>
+                  <a:lnTo>
+                    <a:pt x="263854" y="4461"/>
+                  </a:lnTo>
+                  <a:lnTo>
+                    <a:pt x="219595" y="0"/>
+                  </a:lnTo>
+                  <a:close/>
+                </a:path>
+              </a:pathLst>
+            </a:custGeom>
+            <a:solidFill>
+              <a:srgbClr val="0073ac"/>
+            </a:solidFill>
+            <a:ln w="0">
+              <a:noFill/>
+            </a:ln>
+            <a:effectLst>
+              <a:outerShdw algn="ctr" blurRad="44280" dir="5400000" dist="28080">
+                <a:srgbClr val="000000">
+                  <a:alpha val="32000"/>
+                </a:srgbClr>
+              </a:outerShdw>
+            </a:effectLst>
+          </p:spPr>
+          <p:style>
+            <a:lnRef idx="0"/>
+            <a:fillRef idx="0"/>
+            <a:effectRef idx="0"/>
+            <a:fontRef idx="minor"/>
+          </p:style>
+        </p:sp>
+      </p:grpSp>
+      <p:sp>
+        <p:nvSpPr>
+          <p:cNvPr id="197" name="Google Shape;156;p 2"/>
+          <p:cNvSpPr/>
+          <p:nvPr/>
+        </p:nvSpPr>
+        <p:spPr>
+          <a:xfrm>
+            <a:off x="666000" y="9771480"/>
+            <a:ext cx="11275200" cy="577080"/>
+          </a:xfrm>
+          <a:prstGeom prst="rect">
+            <a:avLst/>
+          </a:prstGeom>
+          <a:noFill/>
+          <a:ln w="0">
+            <a:noFill/>
+          </a:ln>
+        </p:spPr>
+        <p:style>
+          <a:lnRef idx="0"/>
+          <a:fillRef idx="0"/>
+          <a:effectRef idx="0"/>
+          <a:fontRef idx="minor"/>
+        </p:style>
+        <p:txBody>
+          <a:bodyPr lIns="90000" rIns="90000" tIns="45000" bIns="45000" anchor="t">
+            <a:spAutoFit/>
+          </a:bodyPr>
+          <a:p>
+            <a:pPr marL="457200" algn="ctr">
+              <a:lnSpc>
+                <a:spcPct val="100000"/>
+              </a:lnSpc>
+              <a:buNone/>
+            </a:pPr>
+            <a:r>
+              <a:rPr b="1" lang="en-US" sz="3200" spc="-1" strike="noStrike">
+                <a:solidFill>
+                  <a:srgbClr val="0d0d0d"/>
+                </a:solidFill>
+                <a:latin typeface="Calibri"/>
                 <a:ea typeface="Arial"/>
               </a:rPr>
-              <a:t>THANK YOU</a:t>
+              <a:t>Land Cover Classifier</a:t>
             </a:r>
-            <a:endParaRPr b="0" lang="en-US" sz="6600" spc="-1" strike="noStrike">
-              <a:latin typeface="Arial"/>
-            </a:endParaRPr>
-          </a:p>
+            <a:endParaRPr b="0" lang="en-US" sz="3200" spc="-1" strike="noStrike">
+              <a:latin typeface="Arial"/>
+            </a:endParaRPr>
+          </a:p>
+        </p:txBody>
+      </p:sp>
+      <p:pic>
+        <p:nvPicPr>
+          <p:cNvPr id="198" name="" descr=""/>
+          <p:cNvPicPr/>
+          <p:nvPr/>
+        </p:nvPicPr>
+        <p:blipFill>
+          <a:blip r:embed="rId1"/>
+          <a:stretch/>
+        </p:blipFill>
+        <p:spPr>
+          <a:xfrm>
+            <a:off x="685800" y="2057400"/>
+            <a:ext cx="9561600" cy="5486040"/>
+          </a:xfrm>
+          <a:prstGeom prst="rect">
+            <a:avLst/>
+          </a:prstGeom>
+          <a:ln w="0">
+            <a:noFill/>
+          </a:ln>
+        </p:spPr>
+      </p:pic>
+      <p:pic>
+        <p:nvPicPr>
+          <p:cNvPr id="199" name="" descr=""/>
+          <p:cNvPicPr/>
+          <p:nvPr/>
+        </p:nvPicPr>
+        <p:blipFill>
+          <a:blip r:embed="rId2"/>
+          <a:stretch/>
+        </p:blipFill>
+        <p:spPr>
+          <a:xfrm>
+            <a:off x="9144000" y="2010240"/>
+            <a:ext cx="9478800" cy="5533200"/>
+          </a:xfrm>
+          <a:prstGeom prst="rect">
+            <a:avLst/>
+          </a:prstGeom>
+          <a:ln w="0">
+            <a:noFill/>
+          </a:ln>
+        </p:spPr>
+      </p:pic>
+    </p:spTree>
+  </p:cSld>
+  <mc:AlternateContent>
+    <mc:Choice Requires="p14">
+      <p:transition spd="slow" p14:dur="2000"/>
+    </mc:Choice>
+    <mc:Fallback>
+      <p:transition spd="slow"/>
+    </mc:Fallback>
+  </mc:AlternateContent>
+</p:sld>
+</file>
+
+<file path=ppt/slides/slide9.xml><?xml version="1.0" encoding="utf-8"?>
+<p:sld xmlns:a="http://schemas.openxmlformats.org/drawingml/2006/main" xmlns:p="http://schemas.openxmlformats.org/presentationml/2006/main" xmlns:r="http://schemas.openxmlformats.org/officeDocument/2006/relationships" xmlns:p14="http://schemas.microsoft.com/office/powerpoint/2010/main" xmlns:p15="http://schemas.microsoft.com/office/powerpoint/2012/main" xmlns:mc="http://schemas.openxmlformats.org/markup-compatibility/2006">
+  <p:cSld>
+    <p:spTree>
+      <p:nvGrpSpPr>
+        <p:cNvPr id="1" name=""/>
+        <p:cNvGrpSpPr/>
+        <p:nvPr/>
+      </p:nvGrpSpPr>
+      <p:grpSpPr>
+        <a:xfrm>
+          <a:off x="0" y="0"/>
+          <a:ext cx="0" cy="0"/>
+          <a:chOff x="0" y="0"/>
+          <a:chExt cx="0" cy="0"/>
+        </a:xfrm>
+      </p:grpSpPr>
+      <p:sp>
+        <p:nvSpPr>
+          <p:cNvPr id="200" name="PlaceHolder 1"/>
+          <p:cNvSpPr>
+            <a:spLocks noGrp="1"/>
+          </p:cNvSpPr>
+          <p:nvPr>
+            <p:ph type="sldNum" idx="18"/>
+          </p:nvPr>
+        </p:nvSpPr>
+        <p:spPr>
+          <a:xfrm>
+            <a:off x="13426200" y="9911160"/>
+            <a:ext cx="4274640" cy="566640"/>
+          </a:xfrm>
+          <a:prstGeom prst="rect">
+            <a:avLst/>
+          </a:prstGeom>
+          <a:noFill/>
+          <a:ln w="0">
+            <a:noFill/>
+          </a:ln>
+        </p:spPr>
+        <p:txBody>
+          <a:bodyPr lIns="90000" rIns="90000" tIns="45000" bIns="45000" anchor="ctr">
+            <a:noAutofit/>
+          </a:bodyPr>
+          <a:lstStyle>
+            <a:lvl1pPr algn="r">
+              <a:lnSpc>
+                <a:spcPct val="100000"/>
+              </a:lnSpc>
+              <a:buNone/>
+              <a:tabLst>
+                <a:tab algn="l" pos="0"/>
+              </a:tabLst>
+              <a:defRPr b="0" lang="en-US" sz="3200" spc="-1" strike="noStrike">
+                <a:solidFill>
+                  <a:srgbClr val="ffffff"/>
+                </a:solidFill>
+                <a:latin typeface="Calibri"/>
+                <a:ea typeface="Calibri"/>
+              </a:defRPr>
+            </a:lvl1pPr>
+          </a:lstStyle>
+          <a:p>
+            <a:pPr algn="r">
+              <a:lnSpc>
+                <a:spcPct val="100000"/>
+              </a:lnSpc>
+              <a:buNone/>
+              <a:tabLst>
+                <a:tab algn="l" pos="0"/>
+              </a:tabLst>
+            </a:pPr>
+            <a:fld id="{92D53971-2CE7-437E-ADCB-AF50E750D9C4}" type="slidenum">
+              <a:rPr b="0" lang="en-US" sz="3200" spc="-1" strike="noStrike">
+                <a:solidFill>
+                  <a:srgbClr val="ffffff"/>
+                </a:solidFill>
+                <a:latin typeface="Calibri"/>
+                <a:ea typeface="Calibri"/>
+              </a:rPr>
+              <a:t>3</a:t>
+            </a:fld>
+            <a:endParaRPr b="0" lang="en-US" sz="3200" spc="-1" strike="noStrike">
+              <a:latin typeface="Times New Roman"/>
+            </a:endParaRPr>
+          </a:p>
+        </p:txBody>
+      </p:sp>
+      <p:grpSp>
+        <p:nvGrpSpPr>
+          <p:cNvPr id="201" name="Google Shape;187;p 3"/>
+          <p:cNvGrpSpPr/>
+          <p:nvPr/>
+        </p:nvGrpSpPr>
+        <p:grpSpPr>
+          <a:xfrm>
+            <a:off x="0" y="9568440"/>
+            <a:ext cx="19008000" cy="1109520"/>
+            <a:chOff x="0" y="9568440"/>
+            <a:chExt cx="19008000" cy="1109520"/>
+          </a:xfrm>
+        </p:grpSpPr>
+        <p:grpSp>
+          <p:nvGrpSpPr>
+            <p:cNvPr id="202" name="Google Shape;188;p 3"/>
+            <p:cNvGrpSpPr/>
+            <p:nvPr/>
+          </p:nvGrpSpPr>
+          <p:grpSpPr>
+            <a:xfrm>
+              <a:off x="0" y="9568440"/>
+              <a:ext cx="19008000" cy="1109520"/>
+              <a:chOff x="0" y="9568440"/>
+              <a:chExt cx="19008000" cy="1109520"/>
+            </a:xfrm>
+          </p:grpSpPr>
+          <p:sp>
+            <p:nvSpPr>
+              <p:cNvPr id="203" name="Google Shape;189;p 3"/>
+              <p:cNvSpPr/>
+              <p:nvPr/>
+            </p:nvSpPr>
+            <p:spPr>
+              <a:xfrm>
+                <a:off x="0" y="9568440"/>
+                <a:ext cx="15065280" cy="1109520"/>
+              </a:xfrm>
+              <a:custGeom>
+                <a:avLst/>
+                <a:gdLst/>
+                <a:ahLst/>
+                <a:rect l="l" t="t" r="r" b="b"/>
+                <a:pathLst>
+                  <a:path w="1892300" h="440055">
+                    <a:moveTo>
+                      <a:pt x="0" y="439737"/>
+                    </a:moveTo>
+                    <a:lnTo>
+                      <a:pt x="1892300" y="439737"/>
+                    </a:lnTo>
+                    <a:lnTo>
+                      <a:pt x="1892300" y="0"/>
+                    </a:lnTo>
+                    <a:lnTo>
+                      <a:pt x="0" y="0"/>
+                    </a:lnTo>
+                    <a:lnTo>
+                      <a:pt x="0" y="439737"/>
+                    </a:lnTo>
+                    <a:close/>
+                  </a:path>
+                </a:pathLst>
+              </a:custGeom>
+              <a:solidFill>
+                <a:srgbClr val="fff2cc"/>
+              </a:solidFill>
+              <a:ln w="0">
+                <a:noFill/>
+              </a:ln>
+              <a:effectLst>
+                <a:outerShdw algn="ctr" blurRad="44280" dir="5400000" dist="28080">
+                  <a:srgbClr val="000000">
+                    <a:alpha val="32000"/>
+                  </a:srgbClr>
+                </a:outerShdw>
+              </a:effectLst>
+            </p:spPr>
+            <p:style>
+              <a:lnRef idx="0"/>
+              <a:fillRef idx="0"/>
+              <a:effectRef idx="0"/>
+              <a:fontRef idx="minor"/>
+            </p:style>
+          </p:sp>
+          <p:sp>
+            <p:nvSpPr>
+              <p:cNvPr id="204" name="Google Shape;190;p 3"/>
+              <p:cNvSpPr/>
+              <p:nvPr/>
+            </p:nvSpPr>
+            <p:spPr>
+              <a:xfrm>
+                <a:off x="17887320" y="9568440"/>
+                <a:ext cx="1120680" cy="1109520"/>
+              </a:xfrm>
+              <a:custGeom>
+                <a:avLst/>
+                <a:gdLst/>
+                <a:ahLst/>
+                <a:rect l="l" t="t" r="r" b="b"/>
+                <a:pathLst>
+                  <a:path w="1883409" h="440055">
+                    <a:moveTo>
+                      <a:pt x="0" y="0"/>
+                    </a:moveTo>
+                    <a:lnTo>
+                      <a:pt x="0" y="439737"/>
+                    </a:lnTo>
+                    <a:lnTo>
+                      <a:pt x="1883155" y="439737"/>
+                    </a:lnTo>
+                    <a:lnTo>
+                      <a:pt x="1883155" y="0"/>
+                    </a:lnTo>
+                    <a:lnTo>
+                      <a:pt x="0" y="0"/>
+                    </a:lnTo>
+                    <a:close/>
+                  </a:path>
+                </a:pathLst>
+              </a:custGeom>
+              <a:solidFill>
+                <a:srgbClr val="ff8200"/>
+              </a:solidFill>
+              <a:ln w="0">
+                <a:noFill/>
+              </a:ln>
+              <a:effectLst>
+                <a:outerShdw algn="ctr" blurRad="44280" dir="5400000" dist="28080">
+                  <a:srgbClr val="000000">
+                    <a:alpha val="32000"/>
+                  </a:srgbClr>
+                </a:outerShdw>
+              </a:effectLst>
+            </p:spPr>
+            <p:style>
+              <a:lnRef idx="0"/>
+              <a:fillRef idx="0"/>
+              <a:effectRef idx="0"/>
+              <a:fontRef idx="minor"/>
+            </p:style>
+          </p:sp>
+        </p:grpSp>
+        <p:sp>
+          <p:nvSpPr>
+            <p:cNvPr id="205" name="Google Shape;191;p 3"/>
+            <p:cNvSpPr/>
+            <p:nvPr/>
+          </p:nvSpPr>
+          <p:spPr>
+            <a:xfrm>
+              <a:off x="15067800" y="9568440"/>
+              <a:ext cx="2817000" cy="1109520"/>
+            </a:xfrm>
+            <a:custGeom>
+              <a:avLst/>
+              <a:gdLst/>
+              <a:ahLst/>
+              <a:rect l="l" t="t" r="r" b="b"/>
+              <a:pathLst>
+                <a:path w="1883409" h="440055">
+                  <a:moveTo>
+                    <a:pt x="0" y="0"/>
+                  </a:moveTo>
+                  <a:lnTo>
+                    <a:pt x="0" y="439737"/>
+                  </a:lnTo>
+                  <a:lnTo>
+                    <a:pt x="1883155" y="439737"/>
+                  </a:lnTo>
+                  <a:lnTo>
+                    <a:pt x="1883155" y="0"/>
+                  </a:lnTo>
+                  <a:lnTo>
+                    <a:pt x="0" y="0"/>
+                  </a:lnTo>
+                  <a:close/>
+                </a:path>
+              </a:pathLst>
+            </a:custGeom>
+            <a:solidFill>
+              <a:srgbClr val="fee599"/>
+            </a:solidFill>
+            <a:ln w="0">
+              <a:noFill/>
+            </a:ln>
+            <a:effectLst>
+              <a:outerShdw algn="ctr" blurRad="44280" dir="5400000" dist="28080">
+                <a:srgbClr val="000000">
+                  <a:alpha val="32000"/>
+                </a:srgbClr>
+              </a:outerShdw>
+            </a:effectLst>
+          </p:spPr>
+          <p:style>
+            <a:lnRef idx="0"/>
+            <a:fillRef idx="0"/>
+            <a:effectRef idx="0"/>
+            <a:fontRef idx="minor"/>
+          </p:style>
+        </p:sp>
+      </p:grpSp>
+      <p:sp>
+        <p:nvSpPr>
+          <p:cNvPr id="206" name="Google Shape;193;p 3"/>
+          <p:cNvSpPr/>
+          <p:nvPr/>
+        </p:nvSpPr>
+        <p:spPr>
+          <a:xfrm>
+            <a:off x="15486840" y="9929160"/>
+            <a:ext cx="2239920" cy="516240"/>
+          </a:xfrm>
+          <a:prstGeom prst="rect">
+            <a:avLst/>
+          </a:prstGeom>
+          <a:noFill/>
+          <a:ln w="0">
+            <a:noFill/>
+          </a:ln>
+        </p:spPr>
+        <p:style>
+          <a:lnRef idx="0"/>
+          <a:fillRef idx="0"/>
+          <a:effectRef idx="0"/>
+          <a:fontRef idx="minor"/>
+        </p:style>
+        <p:txBody>
+          <a:bodyPr lIns="90000" rIns="90000" tIns="45000" bIns="45000" anchor="t">
+            <a:spAutoFit/>
+          </a:bodyPr>
           <a:p>
             <a:pPr>
               <a:lnSpc>
@@ -12329,52 +15551,446 @@
               <a:buNone/>
             </a:pPr>
             <a:r>
-              <a:rPr b="0" lang="en-US" sz="6600" spc="-1" strike="noStrike">
+              <a:rPr b="0" lang="en-US" sz="2800" spc="-1" strike="noStrike">
                 <a:solidFill>
-                  <a:srgbClr val="203864"/>
+                  <a:srgbClr val="000000"/>
                 </a:solidFill>
+                <a:latin typeface="Times New Roman"/>
+                <a:ea typeface="Times New Roman"/>
+              </a:rPr>
+              <a:t>Nov-2024</a:t>
+            </a:r>
+            <a:endParaRPr b="0" lang="en-US" sz="2800" spc="-1" strike="noStrike">
+              <a:latin typeface="Arial"/>
+            </a:endParaRPr>
+          </a:p>
+        </p:txBody>
+      </p:sp>
+      <p:sp>
+        <p:nvSpPr>
+          <p:cNvPr id="207" name="Google Shape;194;p 3"/>
+          <p:cNvSpPr/>
+          <p:nvPr/>
+        </p:nvSpPr>
+        <p:spPr>
+          <a:xfrm>
+            <a:off x="18115920" y="9911160"/>
+            <a:ext cx="572400" cy="385920"/>
+          </a:xfrm>
+          <a:prstGeom prst="rect">
+            <a:avLst/>
+          </a:prstGeom>
+          <a:noFill/>
+          <a:ln w="0">
+            <a:noFill/>
+          </a:ln>
+        </p:spPr>
+        <p:style>
+          <a:lnRef idx="0"/>
+          <a:fillRef idx="0"/>
+          <a:effectRef idx="0"/>
+          <a:fontRef idx="minor"/>
+        </p:style>
+        <p:txBody>
+          <a:bodyPr lIns="90000" rIns="90000" tIns="45000" bIns="45000" anchor="ctr">
+            <a:noAutofit/>
+          </a:bodyPr>
+          <a:p>
+            <a:pPr algn="r">
+              <a:lnSpc>
+                <a:spcPct val="100000"/>
+              </a:lnSpc>
+              <a:buNone/>
+              <a:tabLst>
+                <a:tab algn="l" pos="0"/>
+              </a:tabLst>
+            </a:pPr>
+            <a:fld id="{8F9B1A10-2894-46C0-A12C-94B9AB2A1A17}" type="slidenum">
+              <a:rPr b="0" lang="en-US" sz="3200" spc="-1" strike="noStrike">
+                <a:solidFill>
+                  <a:srgbClr val="ffffff"/>
+                </a:solidFill>
+                <a:latin typeface="Calibri"/>
+                <a:ea typeface="Calibri"/>
+              </a:rPr>
+              <a:t>&lt;number&gt;</a:t>
+            </a:fld>
+            <a:endParaRPr b="0" lang="en-US" sz="3200" spc="-1" strike="noStrike">
+              <a:latin typeface="Arial"/>
+            </a:endParaRPr>
+          </a:p>
+        </p:txBody>
+      </p:sp>
+      <p:grpSp>
+        <p:nvGrpSpPr>
+          <p:cNvPr id="208" name="Google Shape;195;p 3"/>
+          <p:cNvGrpSpPr/>
+          <p:nvPr/>
+        </p:nvGrpSpPr>
+        <p:grpSpPr>
+          <a:xfrm>
+            <a:off x="-26280" y="774720"/>
+            <a:ext cx="15068880" cy="825480"/>
+            <a:chOff x="-26280" y="774720"/>
+            <a:chExt cx="15068880" cy="825480"/>
+          </a:xfrm>
+        </p:grpSpPr>
+        <p:sp>
+          <p:nvSpPr>
+            <p:cNvPr id="209" name="Google Shape;196;p 3"/>
+            <p:cNvSpPr/>
+            <p:nvPr/>
+          </p:nvSpPr>
+          <p:spPr>
+            <a:xfrm>
+              <a:off x="-26280" y="774720"/>
+              <a:ext cx="14613480" cy="825480"/>
+            </a:xfrm>
+            <a:custGeom>
+              <a:avLst/>
+              <a:gdLst/>
+              <a:ahLst/>
+              <a:rect l="l" t="t" r="r" b="b"/>
+              <a:pathLst>
+                <a:path w="3844925" h="439420">
+                  <a:moveTo>
+                    <a:pt x="0" y="439204"/>
+                  </a:moveTo>
+                  <a:lnTo>
+                    <a:pt x="3844798" y="439204"/>
+                  </a:lnTo>
+                  <a:lnTo>
+                    <a:pt x="3844798" y="0"/>
+                  </a:lnTo>
+                  <a:lnTo>
+                    <a:pt x="0" y="0"/>
+                  </a:lnTo>
+                  <a:lnTo>
+                    <a:pt x="0" y="439204"/>
+                  </a:lnTo>
+                  <a:close/>
+                </a:path>
+              </a:pathLst>
+            </a:custGeom>
+            <a:solidFill>
+              <a:srgbClr val="0073ac"/>
+            </a:solidFill>
+            <a:ln w="0">
+              <a:noFill/>
+            </a:ln>
+            <a:effectLst>
+              <a:outerShdw algn="ctr" blurRad="44280" dir="5400000" dist="28080">
+                <a:srgbClr val="000000">
+                  <a:alpha val="32000"/>
+                </a:srgbClr>
+              </a:outerShdw>
+            </a:effectLst>
+          </p:spPr>
+          <p:style>
+            <a:lnRef idx="0"/>
+            <a:fillRef idx="0"/>
+            <a:effectRef idx="0"/>
+            <a:fontRef idx="minor"/>
+          </p:style>
+          <p:txBody>
+            <a:bodyPr lIns="0" rIns="0" tIns="0" bIns="0" anchor="t">
+              <a:noAutofit/>
+            </a:bodyPr>
+            <a:p>
+              <a:pPr marL="457200" algn="ctr">
+                <a:lnSpc>
+                  <a:spcPct val="100000"/>
+                </a:lnSpc>
+                <a:buNone/>
+                <a:tabLst>
+                  <a:tab algn="l" pos="0"/>
+                </a:tabLst>
+              </a:pPr>
+              <a:r>
+                <a:rPr b="0" lang="en-US" sz="5400" spc="-1" strike="noStrike">
+                  <a:solidFill>
+                    <a:srgbClr val="ffffff"/>
+                  </a:solidFill>
+                  <a:latin typeface="Calibri"/>
+                  <a:ea typeface="Calibri"/>
+                </a:rPr>
+                <a:t>Evaluation </a:t>
+              </a:r>
+              <a:endParaRPr b="0" lang="en-US" sz="5400" spc="-1" strike="noStrike">
                 <a:latin typeface="Arial"/>
-                <a:ea typeface="Arial"/>
-              </a:rPr>
-              <a:t>     </a:t>
-            </a:r>
-            <a:r>
-              <a:rPr b="0" lang="en-US" sz="4800" spc="-1" strike="noStrike">
-                <a:solidFill>
-                  <a:srgbClr val="203864"/>
-                </a:solidFill>
+              </a:endParaRPr>
+            </a:p>
+            <a:p>
+              <a:pPr marL="457200" algn="ctr">
+                <a:lnSpc>
+                  <a:spcPct val="100000"/>
+                </a:lnSpc>
+                <a:buNone/>
+                <a:tabLst>
+                  <a:tab algn="l" pos="0"/>
+                </a:tabLst>
+              </a:pPr>
+              <a:endParaRPr b="0" lang="en-US" sz="5400" spc="-1" strike="noStrike">
                 <a:latin typeface="Arial"/>
-                <a:ea typeface="Arial"/>
-              </a:rPr>
-              <a:t>For  Your</a:t>
-            </a:r>
-            <a:endParaRPr b="0" lang="en-US" sz="4800" spc="-1" strike="noStrike">
-              <a:latin typeface="Arial"/>
-            </a:endParaRPr>
-          </a:p>
-          <a:p>
-            <a:pPr>
+              </a:endParaRPr>
+            </a:p>
+            <a:p>
+              <a:pPr marL="457200" algn="ctr">
+                <a:lnSpc>
+                  <a:spcPct val="100000"/>
+                </a:lnSpc>
+                <a:buNone/>
+                <a:tabLst>
+                  <a:tab algn="l" pos="0"/>
+                </a:tabLst>
+              </a:pPr>
+              <a:endParaRPr b="0" lang="en-US" sz="2000" spc="-1" strike="noStrike">
+                <a:latin typeface="Arial"/>
+              </a:endParaRPr>
+            </a:p>
+          </p:txBody>
+        </p:sp>
+        <p:sp>
+          <p:nvSpPr>
+            <p:cNvPr id="210" name="Google Shape;197;p 3"/>
+            <p:cNvSpPr/>
+            <p:nvPr/>
+          </p:nvSpPr>
+          <p:spPr>
+            <a:xfrm>
+              <a:off x="14190840" y="774720"/>
+              <a:ext cx="851760" cy="825480"/>
+            </a:xfrm>
+            <a:custGeom>
+              <a:avLst/>
+              <a:gdLst/>
+              <a:ahLst/>
+              <a:rect l="l" t="t" r="r" b="b"/>
+              <a:pathLst>
+                <a:path w="439420" h="439420">
+                  <a:moveTo>
+                    <a:pt x="219595" y="0"/>
+                  </a:moveTo>
+                  <a:lnTo>
+                    <a:pt x="175337" y="4461"/>
+                  </a:lnTo>
+                  <a:lnTo>
+                    <a:pt x="134116" y="17257"/>
+                  </a:lnTo>
+                  <a:lnTo>
+                    <a:pt x="96815" y="37505"/>
+                  </a:lnTo>
+                  <a:lnTo>
+                    <a:pt x="64315" y="64320"/>
+                  </a:lnTo>
+                  <a:lnTo>
+                    <a:pt x="37502" y="96820"/>
+                  </a:lnTo>
+                  <a:lnTo>
+                    <a:pt x="17256" y="134122"/>
+                  </a:lnTo>
+                  <a:lnTo>
+                    <a:pt x="4461" y="175341"/>
+                  </a:lnTo>
+                  <a:lnTo>
+                    <a:pt x="0" y="219595"/>
+                  </a:lnTo>
+                  <a:lnTo>
+                    <a:pt x="4461" y="263854"/>
+                  </a:lnTo>
+                  <a:lnTo>
+                    <a:pt x="17256" y="305076"/>
+                  </a:lnTo>
+                  <a:lnTo>
+                    <a:pt x="37502" y="342380"/>
+                  </a:lnTo>
+                  <a:lnTo>
+                    <a:pt x="64315" y="374881"/>
+                  </a:lnTo>
+                  <a:lnTo>
+                    <a:pt x="96815" y="401698"/>
+                  </a:lnTo>
+                  <a:lnTo>
+                    <a:pt x="134116" y="421945"/>
+                  </a:lnTo>
+                  <a:lnTo>
+                    <a:pt x="175337" y="434742"/>
+                  </a:lnTo>
+                  <a:lnTo>
+                    <a:pt x="219595" y="439204"/>
+                  </a:lnTo>
+                  <a:lnTo>
+                    <a:pt x="263854" y="434742"/>
+                  </a:lnTo>
+                  <a:lnTo>
+                    <a:pt x="305076" y="421945"/>
+                  </a:lnTo>
+                  <a:lnTo>
+                    <a:pt x="342380" y="401698"/>
+                  </a:lnTo>
+                  <a:lnTo>
+                    <a:pt x="374881" y="374881"/>
+                  </a:lnTo>
+                  <a:lnTo>
+                    <a:pt x="401698" y="342380"/>
+                  </a:lnTo>
+                  <a:lnTo>
+                    <a:pt x="421945" y="305076"/>
+                  </a:lnTo>
+                  <a:lnTo>
+                    <a:pt x="434742" y="263854"/>
+                  </a:lnTo>
+                  <a:lnTo>
+                    <a:pt x="439204" y="219595"/>
+                  </a:lnTo>
+                  <a:lnTo>
+                    <a:pt x="434742" y="175341"/>
+                  </a:lnTo>
+                  <a:lnTo>
+                    <a:pt x="421945" y="134122"/>
+                  </a:lnTo>
+                  <a:lnTo>
+                    <a:pt x="401698" y="96820"/>
+                  </a:lnTo>
+                  <a:lnTo>
+                    <a:pt x="374881" y="64320"/>
+                  </a:lnTo>
+                  <a:lnTo>
+                    <a:pt x="342380" y="37505"/>
+                  </a:lnTo>
+                  <a:lnTo>
+                    <a:pt x="305076" y="17257"/>
+                  </a:lnTo>
+                  <a:lnTo>
+                    <a:pt x="263854" y="4461"/>
+                  </a:lnTo>
+                  <a:lnTo>
+                    <a:pt x="219595" y="0"/>
+                  </a:lnTo>
+                  <a:close/>
+                </a:path>
+              </a:pathLst>
+            </a:custGeom>
+            <a:solidFill>
+              <a:srgbClr val="0073ac"/>
+            </a:solidFill>
+            <a:ln w="0">
+              <a:noFill/>
+            </a:ln>
+            <a:effectLst>
+              <a:outerShdw algn="ctr" blurRad="44280" dir="5400000" dist="28080">
+                <a:srgbClr val="000000">
+                  <a:alpha val="32000"/>
+                </a:srgbClr>
+              </a:outerShdw>
+            </a:effectLst>
+          </p:spPr>
+          <p:style>
+            <a:lnRef idx="0"/>
+            <a:fillRef idx="0"/>
+            <a:effectRef idx="0"/>
+            <a:fontRef idx="minor"/>
+          </p:style>
+        </p:sp>
+      </p:grpSp>
+      <p:sp>
+        <p:nvSpPr>
+          <p:cNvPr id="211" name="Google Shape;156;p 3"/>
+          <p:cNvSpPr/>
+          <p:nvPr/>
+        </p:nvSpPr>
+        <p:spPr>
+          <a:xfrm>
+            <a:off x="666000" y="9771480"/>
+            <a:ext cx="11275200" cy="577080"/>
+          </a:xfrm>
+          <a:prstGeom prst="rect">
+            <a:avLst/>
+          </a:prstGeom>
+          <a:noFill/>
+          <a:ln w="0">
+            <a:noFill/>
+          </a:ln>
+        </p:spPr>
+        <p:style>
+          <a:lnRef idx="0"/>
+          <a:fillRef idx="0"/>
+          <a:effectRef idx="0"/>
+          <a:fontRef idx="minor"/>
+        </p:style>
+        <p:txBody>
+          <a:bodyPr lIns="90000" rIns="90000" tIns="45000" bIns="45000" anchor="t">
+            <a:spAutoFit/>
+          </a:bodyPr>
+          <a:p>
+            <a:pPr marL="457200" algn="ctr">
               <a:lnSpc>
                 <a:spcPct val="100000"/>
               </a:lnSpc>
               <a:buNone/>
             </a:pPr>
             <a:r>
-              <a:rPr b="0" lang="en-US" sz="6600" spc="-1" strike="noStrike">
+              <a:rPr b="1" lang="en-US" sz="3200" spc="-1" strike="noStrike">
                 <a:solidFill>
-                  <a:srgbClr val="203864"/>
+                  <a:srgbClr val="0d0d0d"/>
                 </a:solidFill>
-                <a:latin typeface="Arial"/>
+                <a:latin typeface="Calibri"/>
                 <a:ea typeface="Arial"/>
               </a:rPr>
-              <a:t>ATTENTION!!!</a:t>
+              <a:t>Land Cover Classifier</a:t>
             </a:r>
-            <a:endParaRPr b="0" lang="en-US" sz="6600" spc="-1" strike="noStrike">
-              <a:latin typeface="Arial"/>
-            </a:endParaRPr>
-          </a:p>
-        </p:txBody>
-      </p:sp>
+            <a:endParaRPr b="0" lang="en-US" sz="3200" spc="-1" strike="noStrike">
+              <a:latin typeface="Arial"/>
+            </a:endParaRPr>
+          </a:p>
+        </p:txBody>
+      </p:sp>
+      <p:pic>
+        <p:nvPicPr>
+          <p:cNvPr id="212" name="" descr=""/>
+          <p:cNvPicPr/>
+          <p:nvPr/>
+        </p:nvPicPr>
+        <p:blipFill>
+          <a:blip r:embed="rId1"/>
+          <a:stretch/>
+        </p:blipFill>
+        <p:spPr>
+          <a:xfrm>
+            <a:off x="8843040" y="2743200"/>
+            <a:ext cx="9306000" cy="5031360"/>
+          </a:xfrm>
+          <a:prstGeom prst="rect">
+            <a:avLst/>
+          </a:prstGeom>
+          <a:ln w="0">
+            <a:noFill/>
+          </a:ln>
+        </p:spPr>
+      </p:pic>
+      <p:pic>
+        <p:nvPicPr>
+          <p:cNvPr id="213" name="" descr=""/>
+          <p:cNvPicPr/>
+          <p:nvPr/>
+        </p:nvPicPr>
+        <p:blipFill>
+          <a:blip r:embed="rId2"/>
+          <a:stretch/>
+        </p:blipFill>
+        <p:spPr>
+          <a:xfrm>
+            <a:off x="914400" y="2743200"/>
+            <a:ext cx="8848440" cy="5031360"/>
+          </a:xfrm>
+          <a:prstGeom prst="rect">
+            <a:avLst/>
+          </a:prstGeom>
+          <a:ln w="0">
+            <a:noFill/>
+          </a:ln>
+        </p:spPr>
+      </p:pic>
     </p:spTree>
   </p:cSld>
   <mc:AlternateContent>
